--- a/presentation/Machine learning in Azure without Python.pptx
+++ b/presentation/Machine learning in Azure without Python.pptx
@@ -26,28 +26,30 @@
     <p:sldId id="294" r:id="rId20"/>
     <p:sldId id="292" r:id="rId21"/>
     <p:sldId id="282" r:id="rId22"/>
-    <p:sldId id="297" r:id="rId23"/>
-    <p:sldId id="298" r:id="rId24"/>
+    <p:sldId id="298" r:id="rId23"/>
+    <p:sldId id="297" r:id="rId24"/>
     <p:sldId id="281" r:id="rId25"/>
-    <p:sldId id="263" r:id="rId26"/>
-    <p:sldId id="285" r:id="rId27"/>
-    <p:sldId id="286" r:id="rId28"/>
-    <p:sldId id="264" r:id="rId29"/>
-    <p:sldId id="272" r:id="rId30"/>
-    <p:sldId id="287" r:id="rId31"/>
-    <p:sldId id="261" r:id="rId32"/>
-    <p:sldId id="275" r:id="rId33"/>
-    <p:sldId id="273" r:id="rId34"/>
-    <p:sldId id="279" r:id="rId35"/>
-    <p:sldId id="266" r:id="rId36"/>
-    <p:sldId id="270" r:id="rId37"/>
-    <p:sldId id="271" r:id="rId38"/>
-    <p:sldId id="274" r:id="rId39"/>
-    <p:sldId id="267" r:id="rId40"/>
-    <p:sldId id="268" r:id="rId41"/>
-    <p:sldId id="278" r:id="rId42"/>
-    <p:sldId id="299" r:id="rId43"/>
-    <p:sldId id="269" r:id="rId44"/>
+    <p:sldId id="300" r:id="rId26"/>
+    <p:sldId id="301" r:id="rId27"/>
+    <p:sldId id="263" r:id="rId28"/>
+    <p:sldId id="285" r:id="rId29"/>
+    <p:sldId id="286" r:id="rId30"/>
+    <p:sldId id="264" r:id="rId31"/>
+    <p:sldId id="272" r:id="rId32"/>
+    <p:sldId id="287" r:id="rId33"/>
+    <p:sldId id="261" r:id="rId34"/>
+    <p:sldId id="275" r:id="rId35"/>
+    <p:sldId id="273" r:id="rId36"/>
+    <p:sldId id="279" r:id="rId37"/>
+    <p:sldId id="266" r:id="rId38"/>
+    <p:sldId id="270" r:id="rId39"/>
+    <p:sldId id="271" r:id="rId40"/>
+    <p:sldId id="274" r:id="rId41"/>
+    <p:sldId id="267" r:id="rId42"/>
+    <p:sldId id="268" r:id="rId43"/>
+    <p:sldId id="278" r:id="rId44"/>
+    <p:sldId id="299" r:id="rId45"/>
+    <p:sldId id="269" r:id="rId46"/>
   </p:sldIdLst>
   <p:sldSz cx="9144000" cy="6858000" type="screen4x3"/>
   <p:notesSz cx="6858000" cy="9144000"/>
@@ -7610,19 +7612,21 @@
           <p:nvPr>
             <p:extLst>
               <p:ext uri="{D42A27DB-BD31-4B8C-83A1-F6EECF244321}">
-                <p14:modId xmlns:p14="http://schemas.microsoft.com/office/powerpoint/2010/main" val="1459784129"/>
+                <p14:modId xmlns:p14="http://schemas.microsoft.com/office/powerpoint/2010/main" val="3782452957"/>
               </p:ext>
             </p:extLst>
           </p:nvPr>
         </p:nvGraphicFramePr>
         <p:xfrm>
           <a:off x="539552" y="1052736"/>
-          <a:ext cx="8208912" cy="4581008"/>
+          <a:ext cx="8208912" cy="4334273"/>
         </p:xfrm>
         <a:graphic>
           <a:graphicData uri="http://schemas.openxmlformats.org/drawingml/2006/table">
             <a:tbl>
-              <a:tblPr/>
+              <a:tblPr>
+                <a:tableStyleId>{08FB837D-C827-4EFA-A057-4D05807E0F7C}</a:tableStyleId>
+              </a:tblPr>
               <a:tblGrid>
                 <a:gridCol w="1296143"/>
                 <a:gridCol w="2376264"/>
@@ -7640,20 +7644,7 @@
                       </a:r>
                     </a:p>
                   </a:txBody>
-                  <a:tcPr marL="32464" marR="32464" marT="16232" marB="16232" anchor="ctr">
-                    <a:lnL>
-                      <a:noFill/>
-                    </a:lnL>
-                    <a:lnR>
-                      <a:noFill/>
-                    </a:lnR>
-                    <a:lnT>
-                      <a:noFill/>
-                    </a:lnT>
-                    <a:lnB>
-                      <a:noFill/>
-                    </a:lnB>
-                  </a:tcPr>
+                  <a:tcPr marL="32464" marR="32464" marT="16232" marB="16232" anchor="ctr"/>
                 </a:tc>
                 <a:tc>
                   <a:txBody>
@@ -7666,20 +7657,7 @@
                       </a:r>
                     </a:p>
                   </a:txBody>
-                  <a:tcPr marL="32464" marR="32464" marT="16232" marB="16232" anchor="ctr">
-                    <a:lnL>
-                      <a:noFill/>
-                    </a:lnL>
-                    <a:lnR>
-                      <a:noFill/>
-                    </a:lnR>
-                    <a:lnT>
-                      <a:noFill/>
-                    </a:lnT>
-                    <a:lnB>
-                      <a:noFill/>
-                    </a:lnB>
-                  </a:tcPr>
+                  <a:tcPr marL="32464" marR="32464" marT="16232" marB="16232" anchor="ctr"/>
                 </a:tc>
                 <a:tc>
                   <a:txBody>
@@ -7692,20 +7670,7 @@
                       </a:r>
                     </a:p>
                   </a:txBody>
-                  <a:tcPr marL="32464" marR="32464" marT="16232" marB="16232" anchor="ctr">
-                    <a:lnL>
-                      <a:noFill/>
-                    </a:lnL>
-                    <a:lnR>
-                      <a:noFill/>
-                    </a:lnR>
-                    <a:lnT>
-                      <a:noFill/>
-                    </a:lnT>
-                    <a:lnB>
-                      <a:noFill/>
-                    </a:lnB>
-                  </a:tcPr>
+                  <a:tcPr marL="32464" marR="32464" marT="16232" marB="16232" anchor="ctr"/>
                 </a:tc>
               </a:tr>
               <a:tr h="2077680">
@@ -7715,26 +7680,13 @@
                     <a:lstStyle/>
                     <a:p>
                       <a:r>
-                        <a:rPr lang="en-US" sz="1600" b="1" dirty="0"/>
-                        <a:t>R-Squared</a:t>
+                        <a:rPr lang="en-US" sz="1600" dirty="0" smtClean="0"/>
+                        <a:t>Squared-loss</a:t>
                       </a:r>
                       <a:endParaRPr lang="en-US" sz="1600" dirty="0"/>
                     </a:p>
                   </a:txBody>
-                  <a:tcPr marL="32464" marR="32464" marT="16232" marB="16232" anchor="ctr">
-                    <a:lnL>
-                      <a:noFill/>
-                    </a:lnL>
-                    <a:lnR>
-                      <a:noFill/>
-                    </a:lnR>
-                    <a:lnT>
-                      <a:noFill/>
-                    </a:lnT>
-                    <a:lnB>
-                      <a:noFill/>
-                    </a:lnB>
-                  </a:tcPr>
+                  <a:tcPr marL="32464" marR="32464" marT="16232" marB="16232" anchor="ctr"/>
                 </a:tc>
                 <a:tc>
                   <a:txBody>
@@ -7742,70 +7694,29 @@
                     <a:lstStyle/>
                     <a:p>
                       <a:r>
-                        <a:rPr lang="en-US" sz="1600" dirty="0">
+                        <a:rPr lang="en-US" sz="1600" dirty="0" smtClean="0">
                           <a:hlinkClick r:id="rId2"/>
                         </a:rPr>
-                        <a:t>R-squared (R2)</a:t>
+                        <a:t>Squared-loss</a:t>
                       </a:r>
                       <a:r>
-                        <a:rPr lang="en-US" sz="1600" dirty="0"/>
-                        <a:t>, or </a:t>
-                      </a:r>
-                      <a:r>
-                        <a:rPr lang="en-US" sz="1600" i="1" dirty="0"/>
-                        <a:t>Coefficient of </a:t>
-                      </a:r>
-                      <a:r>
-                        <a:rPr lang="en-US" sz="1600" i="1" dirty="0" smtClean="0"/>
-                        <a:t>determination</a:t>
+                        <a:rPr lang="en-US" sz="1600" dirty="0" smtClean="0"/>
+                        <a:t> or Mean Squared Error (MSE), also called Mean Squared Deviation (MSD)</a:t>
                       </a:r>
                       <a:endParaRPr lang="en-US" sz="1600" dirty="0"/>
                     </a:p>
                   </a:txBody>
-                  <a:tcPr marL="32464" marR="32464" marT="16232" marB="16232" anchor="ctr">
-                    <a:lnL>
-                      <a:noFill/>
-                    </a:lnL>
-                    <a:lnR>
-                      <a:noFill/>
-                    </a:lnR>
-                    <a:lnT>
-                      <a:noFill/>
-                    </a:lnT>
-                    <a:lnB>
-                      <a:noFill/>
-                    </a:lnB>
-                  </a:tcPr>
+                  <a:tcPr marL="32464" marR="32464" marT="16232" marB="16232" anchor="ctr"/>
                 </a:tc>
                 <a:tc>
                   <a:txBody>
                     <a:bodyPr/>
                     <a:lstStyle/>
                     <a:p>
-                      <a:r>
-                        <a:rPr lang="en-US" sz="1600" b="1"/>
-                        <a:t>The closer to 1.00, the better quality</a:t>
-                      </a:r>
-                      <a:r>
-                        <a:rPr lang="en-US" sz="1600"/>
-                        <a:t>. However, sometimes low R-squared values (such as 0.50) can be entirely normal or good enough for your scenario and high R-squared values are not always good and be suspicious.</a:t>
-                      </a:r>
+                      <a:endParaRPr lang="en-US" sz="1600" dirty="0"/>
                     </a:p>
                   </a:txBody>
-                  <a:tcPr marL="32464" marR="32464" marT="16232" marB="16232" anchor="ctr">
-                    <a:lnL>
-                      <a:noFill/>
-                    </a:lnL>
-                    <a:lnR>
-                      <a:noFill/>
-                    </a:lnR>
-                    <a:lnT>
-                      <a:noFill/>
-                    </a:lnT>
-                    <a:lnB>
-                      <a:noFill/>
-                    </a:lnB>
-                  </a:tcPr>
+                  <a:tcPr marL="32464" marR="32464" marT="16232" marB="16232" anchor="ctr"/>
                 </a:tc>
               </a:tr>
               <a:tr h="1980289">
@@ -7815,26 +7726,13 @@
                     <a:lstStyle/>
                     <a:p>
                       <a:r>
-                        <a:rPr lang="en-US" sz="1600" b="1" dirty="0"/>
-                        <a:t>Absolute-loss</a:t>
+                        <a:rPr lang="en-US" sz="1600" dirty="0" smtClean="0"/>
+                        <a:t>RMS-loss</a:t>
                       </a:r>
                       <a:endParaRPr lang="en-US" sz="1600" dirty="0"/>
                     </a:p>
                   </a:txBody>
-                  <a:tcPr marL="32464" marR="32464" marT="16232" marB="16232" anchor="ctr">
-                    <a:lnL>
-                      <a:noFill/>
-                    </a:lnL>
-                    <a:lnR>
-                      <a:noFill/>
-                    </a:lnR>
-                    <a:lnT>
-                      <a:noFill/>
-                    </a:lnT>
-                    <a:lnB>
-                      <a:noFill/>
-                    </a:lnB>
-                  </a:tcPr>
+                  <a:tcPr marL="32464" marR="32464" marT="16232" marB="16232" anchor="ctr"/>
                 </a:tc>
                 <a:tc>
                   <a:txBody>
@@ -7842,100 +7740,147 @@
                     <a:lstStyle/>
                     <a:p>
                       <a:r>
-                        <a:rPr lang="en-US" sz="1600" dirty="0">
+                        <a:rPr lang="en-US" sz="1600" dirty="0" smtClean="0">
                           <a:hlinkClick r:id="rId3"/>
                         </a:rPr>
-                        <a:t>Absolute-loss</a:t>
+                        <a:t>RMS-loss</a:t>
                       </a:r>
                       <a:r>
-                        <a:rPr lang="en-US" sz="1600" dirty="0"/>
-                        <a:t> or </a:t>
-                      </a:r>
-                      <a:r>
-                        <a:rPr lang="en-US" sz="1600" i="1" dirty="0"/>
-                        <a:t>Mean absolute error (MAE</a:t>
-                      </a:r>
-                      <a:r>
-                        <a:rPr lang="en-US" sz="1600" i="1" dirty="0" smtClean="0"/>
-                        <a:t>)</a:t>
+                        <a:rPr lang="en-US" sz="1600" dirty="0" smtClean="0"/>
+                        <a:t> or Root Mean Squared Error (RMSE) (also called Root Mean Square Deviation, RMSD)</a:t>
                       </a:r>
                       <a:endParaRPr lang="en-US" sz="1600" dirty="0"/>
                     </a:p>
                   </a:txBody>
-                  <a:tcPr marL="32464" marR="32464" marT="16232" marB="16232" anchor="ctr">
-                    <a:lnL>
-                      <a:noFill/>
-                    </a:lnL>
-                    <a:lnR>
-                      <a:noFill/>
-                    </a:lnR>
-                    <a:lnT>
-                      <a:noFill/>
-                    </a:lnT>
-                    <a:lnB>
-                      <a:noFill/>
-                    </a:lnB>
-                  </a:tcPr>
+                  <a:tcPr marL="32464" marR="32464" marT="16232" marB="16232" anchor="ctr"/>
                 </a:tc>
                 <a:tc>
                   <a:txBody>
                     <a:bodyPr/>
                     <a:lstStyle/>
                     <a:p>
-                      <a:r>
-                        <a:rPr lang="en-US" sz="1600" b="1" dirty="0"/>
-                        <a:t>The closer to 0.00, the better quality.</a:t>
-                      </a:r>
-                      <a:r>
-                        <a:rPr lang="en-US" sz="1600" dirty="0"/>
-                        <a:t> Note that the mean absolute error uses the same scale as the data being measured (is not normalized to specific range). Absolute-loss, Squared-loss, and RMS-loss can only be used to make comparisons between models for the same dataset or dataset with a </a:t>
-                      </a:r>
-                      <a:r>
-                        <a:rPr lang="en-US" sz="1600" dirty="0" smtClean="0"/>
-                        <a:t>s</a:t>
-                      </a:r>
-                      <a:r>
-                        <a:rPr lang="pl-PL" sz="1600" dirty="0" smtClean="0"/>
-                        <a:t>i</a:t>
-                      </a:r>
-                      <a:r>
-                        <a:rPr lang="en-US" sz="1600" dirty="0" err="1" smtClean="0"/>
-                        <a:t>milar</a:t>
-                      </a:r>
-                      <a:r>
-                        <a:rPr lang="en-US" sz="1600" dirty="0" smtClean="0"/>
-                        <a:t> </a:t>
-                      </a:r>
-                      <a:r>
-                        <a:rPr lang="en-US" sz="1600" dirty="0"/>
-                        <a:t>label value distribution.</a:t>
-                      </a:r>
+                      <a:endParaRPr lang="en-US" sz="1600" dirty="0"/>
                     </a:p>
                   </a:txBody>
-                  <a:tcPr marL="32464" marR="32464" marT="16232" marB="16232" anchor="ctr">
-                    <a:lnL>
-                      <a:noFill/>
-                    </a:lnL>
-                    <a:lnR>
-                      <a:noFill/>
-                    </a:lnR>
-                    <a:lnT>
-                      <a:noFill/>
-                    </a:lnT>
-                    <a:lnB>
-                      <a:noFill/>
-                    </a:lnB>
-                  </a:tcPr>
+                  <a:tcPr marL="32464" marR="32464" marT="16232" marB="16232" anchor="ctr"/>
                 </a:tc>
               </a:tr>
             </a:tbl>
           </a:graphicData>
         </a:graphic>
       </p:graphicFrame>
+      <p:pic>
+        <p:nvPicPr>
+          <p:cNvPr id="2054" name="Picture 6"/>
+          <p:cNvPicPr>
+            <a:picLocks noChangeAspect="1" noChangeArrowheads="1"/>
+          </p:cNvPicPr>
+          <p:nvPr/>
+        </p:nvPicPr>
+        <p:blipFill>
+          <a:blip r:embed="rId4">
+            <a:extLst>
+              <a:ext uri="{28A0092B-C50C-407E-A947-70E740481C1C}">
+                <a14:useLocalDpi xmlns:a14="http://schemas.microsoft.com/office/drawing/2010/main" val="0"/>
+              </a:ext>
+            </a:extLst>
+          </a:blip>
+          <a:srcRect/>
+          <a:stretch>
+            <a:fillRect/>
+          </a:stretch>
+        </p:blipFill>
+        <p:spPr bwMode="auto">
+          <a:xfrm>
+            <a:off x="5292080" y="1916832"/>
+            <a:ext cx="1828800" cy="676275"/>
+          </a:xfrm>
+          <a:prstGeom prst="rect">
+            <a:avLst/>
+          </a:prstGeom>
+          <a:noFill/>
+          <a:ln>
+            <a:noFill/>
+          </a:ln>
+          <a:extLst>
+            <a:ext uri="{909E8E84-426E-40DD-AFC4-6F175D3DCCD1}">
+              <a14:hiddenFill xmlns:a14="http://schemas.microsoft.com/office/drawing/2010/main">
+                <a:solidFill>
+                  <a:schemeClr val="accent1"/>
+                </a:solidFill>
+              </a14:hiddenFill>
+            </a:ext>
+            <a:ext uri="{91240B29-F687-4F45-9708-019B960494DF}">
+              <a14:hiddenLine xmlns:a14="http://schemas.microsoft.com/office/drawing/2010/main" w="9525">
+                <a:solidFill>
+                  <a:schemeClr val="tx1"/>
+                </a:solidFill>
+                <a:miter lim="800000"/>
+                <a:headEnd/>
+                <a:tailEnd/>
+              </a14:hiddenLine>
+            </a:ext>
+          </a:extLst>
+        </p:spPr>
+      </p:pic>
+      <p:pic>
+        <p:nvPicPr>
+          <p:cNvPr id="2055" name="Picture 7"/>
+          <p:cNvPicPr>
+            <a:picLocks noChangeAspect="1" noChangeArrowheads="1"/>
+          </p:cNvPicPr>
+          <p:nvPr/>
+        </p:nvPicPr>
+        <p:blipFill>
+          <a:blip r:embed="rId5">
+            <a:extLst>
+              <a:ext uri="{28A0092B-C50C-407E-A947-70E740481C1C}">
+                <a14:useLocalDpi xmlns:a14="http://schemas.microsoft.com/office/drawing/2010/main" val="0"/>
+              </a:ext>
+            </a:extLst>
+          </a:blip>
+          <a:srcRect/>
+          <a:stretch>
+            <a:fillRect/>
+          </a:stretch>
+        </p:blipFill>
+        <p:spPr bwMode="auto">
+          <a:xfrm>
+            <a:off x="4768205" y="3918062"/>
+            <a:ext cx="2876550" cy="1009650"/>
+          </a:xfrm>
+          <a:prstGeom prst="rect">
+            <a:avLst/>
+          </a:prstGeom>
+          <a:noFill/>
+          <a:ln>
+            <a:noFill/>
+          </a:ln>
+          <a:extLst>
+            <a:ext uri="{909E8E84-426E-40DD-AFC4-6F175D3DCCD1}">
+              <a14:hiddenFill xmlns:a14="http://schemas.microsoft.com/office/drawing/2010/main">
+                <a:solidFill>
+                  <a:schemeClr val="accent1"/>
+                </a:solidFill>
+              </a14:hiddenFill>
+            </a:ext>
+            <a:ext uri="{91240B29-F687-4F45-9708-019B960494DF}">
+              <a14:hiddenLine xmlns:a14="http://schemas.microsoft.com/office/drawing/2010/main" w="9525">
+                <a:solidFill>
+                  <a:schemeClr val="tx1"/>
+                </a:solidFill>
+                <a:miter lim="800000"/>
+                <a:headEnd/>
+                <a:tailEnd/>
+              </a14:hiddenLine>
+            </a:ext>
+          </a:extLst>
+        </p:spPr>
+      </p:pic>
     </p:spTree>
     <p:extLst>
       <p:ext uri="{BB962C8B-B14F-4D97-AF65-F5344CB8AC3E}">
-        <p14:creationId xmlns:p14="http://schemas.microsoft.com/office/powerpoint/2010/main" val="4220538474"/>
+        <p14:creationId xmlns:p14="http://schemas.microsoft.com/office/powerpoint/2010/main" val="2776071037"/>
       </p:ext>
     </p:extLst>
   </p:cSld>
@@ -8057,7 +8002,7 @@
           <p:nvPr>
             <p:extLst>
               <p:ext uri="{D42A27DB-BD31-4B8C-83A1-F6EECF244321}">
-                <p14:modId xmlns:p14="http://schemas.microsoft.com/office/powerpoint/2010/main" val="2145836761"/>
+                <p14:modId xmlns:p14="http://schemas.microsoft.com/office/powerpoint/2010/main" val="1558498935"/>
               </p:ext>
             </p:extLst>
           </p:nvPr>
@@ -8069,7 +8014,9 @@
         <a:graphic>
           <a:graphicData uri="http://schemas.openxmlformats.org/drawingml/2006/table">
             <a:tbl>
-              <a:tblPr/>
+              <a:tblPr>
+                <a:tableStyleId>{08FB837D-C827-4EFA-A057-4D05807E0F7C}</a:tableStyleId>
+              </a:tblPr>
               <a:tblGrid>
                 <a:gridCol w="1296143"/>
                 <a:gridCol w="2376264"/>
@@ -8087,20 +8034,7 @@
                       </a:r>
                     </a:p>
                   </a:txBody>
-                  <a:tcPr marL="32464" marR="32464" marT="16232" marB="16232" anchor="ctr">
-                    <a:lnL>
-                      <a:noFill/>
-                    </a:lnL>
-                    <a:lnR>
-                      <a:noFill/>
-                    </a:lnR>
-                    <a:lnT>
-                      <a:noFill/>
-                    </a:lnT>
-                    <a:lnB>
-                      <a:noFill/>
-                    </a:lnB>
-                  </a:tcPr>
+                  <a:tcPr marL="32464" marR="32464" marT="16232" marB="16232" anchor="ctr"/>
                 </a:tc>
                 <a:tc>
                   <a:txBody>
@@ -8113,20 +8047,7 @@
                       </a:r>
                     </a:p>
                   </a:txBody>
-                  <a:tcPr marL="32464" marR="32464" marT="16232" marB="16232" anchor="ctr">
-                    <a:lnL>
-                      <a:noFill/>
-                    </a:lnL>
-                    <a:lnR>
-                      <a:noFill/>
-                    </a:lnR>
-                    <a:lnT>
-                      <a:noFill/>
-                    </a:lnT>
-                    <a:lnB>
-                      <a:noFill/>
-                    </a:lnB>
-                  </a:tcPr>
+                  <a:tcPr marL="32464" marR="32464" marT="16232" marB="16232" anchor="ctr"/>
                 </a:tc>
                 <a:tc>
                   <a:txBody>
@@ -8139,20 +8060,7 @@
                       </a:r>
                     </a:p>
                   </a:txBody>
-                  <a:tcPr marL="32464" marR="32464" marT="16232" marB="16232" anchor="ctr">
-                    <a:lnL>
-                      <a:noFill/>
-                    </a:lnL>
-                    <a:lnR>
-                      <a:noFill/>
-                    </a:lnR>
-                    <a:lnT>
-                      <a:noFill/>
-                    </a:lnT>
-                    <a:lnB>
-                      <a:noFill/>
-                    </a:lnB>
-                  </a:tcPr>
+                  <a:tcPr marL="32464" marR="32464" marT="16232" marB="16232" anchor="ctr"/>
                 </a:tc>
               </a:tr>
               <a:tr h="2077680">
@@ -8162,26 +8070,12 @@
                     <a:lstStyle/>
                     <a:p>
                       <a:r>
-                        <a:rPr lang="en-US" sz="1600" b="1" dirty="0" smtClean="0"/>
-                        <a:t>Squared-loss</a:t>
+                        <a:rPr lang="en-US" sz="1600" dirty="0"/>
+                        <a:t>R-Squared</a:t>
                       </a:r>
-                      <a:endParaRPr lang="en-US" sz="1600" dirty="0"/>
                     </a:p>
                   </a:txBody>
-                  <a:tcPr marL="32464" marR="32464" marT="16232" marB="16232" anchor="ctr">
-                    <a:lnL>
-                      <a:noFill/>
-                    </a:lnL>
-                    <a:lnR>
-                      <a:noFill/>
-                    </a:lnR>
-                    <a:lnT>
-                      <a:noFill/>
-                    </a:lnT>
-                    <a:lnB>
-                      <a:noFill/>
-                    </a:lnB>
-                  </a:tcPr>
+                  <a:tcPr marL="32464" marR="32464" marT="16232" marB="16232" anchor="ctr"/>
                 </a:tc>
                 <a:tc>
                   <a:txBody>
@@ -8189,79 +8083,33 @@
                     <a:lstStyle/>
                     <a:p>
                       <a:r>
-                        <a:rPr lang="en-US" sz="1600" dirty="0" smtClean="0">
+                        <a:rPr lang="en-US" sz="1600" dirty="0">
                           <a:hlinkClick r:id="rId2"/>
                         </a:rPr>
-                        <a:t>Squared-loss</a:t>
+                        <a:t>R-squared (R2)</a:t>
+                      </a:r>
+                      <a:r>
+                        <a:rPr lang="en-US" sz="1600" dirty="0"/>
+                        <a:t>, or Coefficient of </a:t>
                       </a:r>
                       <a:r>
                         <a:rPr lang="en-US" sz="1600" dirty="0" smtClean="0"/>
-                        <a:t> or </a:t>
-                      </a:r>
-                      <a:r>
-                        <a:rPr lang="en-US" sz="1600" i="1" dirty="0" smtClean="0"/>
-                        <a:t>Mean Squared Error (MSE)</a:t>
-                      </a:r>
-                      <a:r>
-                        <a:rPr lang="en-US" sz="1600" dirty="0" smtClean="0"/>
-                        <a:t>, also called </a:t>
-                      </a:r>
-                      <a:r>
-                        <a:rPr lang="en-US" sz="1600" i="1" dirty="0" smtClean="0"/>
-                        <a:t>Mean Squared Deviation (MSD)</a:t>
+                        <a:t>determination</a:t>
                       </a:r>
                       <a:endParaRPr lang="en-US" sz="1600" dirty="0"/>
                     </a:p>
                   </a:txBody>
-                  <a:tcPr marL="32464" marR="32464" marT="16232" marB="16232" anchor="ctr">
-                    <a:lnL>
-                      <a:noFill/>
-                    </a:lnL>
-                    <a:lnR>
-                      <a:noFill/>
-                    </a:lnR>
-                    <a:lnT>
-                      <a:noFill/>
-                    </a:lnT>
-                    <a:lnB>
-                      <a:noFill/>
-                    </a:lnB>
-                  </a:tcPr>
+                  <a:tcPr marL="32464" marR="32464" marT="16232" marB="16232" anchor="ctr"/>
                 </a:tc>
                 <a:tc>
                   <a:txBody>
                     <a:bodyPr/>
                     <a:lstStyle/>
                     <a:p>
-                      <a:r>
-                        <a:rPr lang="en-US" sz="1600" dirty="0" smtClean="0"/>
-                        <a:t>It is always non-negative, and </a:t>
-                      </a:r>
-                      <a:r>
-                        <a:rPr lang="en-US" sz="1600" b="1" dirty="0" smtClean="0"/>
-                        <a:t>values closer to 0.00 are better</a:t>
-                      </a:r>
-                      <a:r>
-                        <a:rPr lang="en-US" sz="1600" dirty="0" smtClean="0"/>
-                        <a:t>. Depending on your data, it may be impossible to get a very small value for the mean squared error.</a:t>
-                      </a:r>
                       <a:endParaRPr lang="en-US" sz="1600" dirty="0"/>
                     </a:p>
                   </a:txBody>
-                  <a:tcPr marL="32464" marR="32464" marT="16232" marB="16232" anchor="ctr">
-                    <a:lnL>
-                      <a:noFill/>
-                    </a:lnL>
-                    <a:lnR>
-                      <a:noFill/>
-                    </a:lnR>
-                    <a:lnT>
-                      <a:noFill/>
-                    </a:lnT>
-                    <a:lnB>
-                      <a:noFill/>
-                    </a:lnB>
-                  </a:tcPr>
+                  <a:tcPr marL="32464" marR="32464" marT="16232" marB="16232" anchor="ctr"/>
                 </a:tc>
               </a:tr>
               <a:tr h="1980289">
@@ -8271,26 +8119,12 @@
                     <a:lstStyle/>
                     <a:p>
                       <a:r>
-                        <a:rPr lang="en-US" sz="1600" b="1" dirty="0" smtClean="0"/>
-                        <a:t>RMS-loss</a:t>
+                        <a:rPr lang="en-US" sz="1600" dirty="0"/>
+                        <a:t>Absolute-loss</a:t>
                       </a:r>
-                      <a:endParaRPr lang="en-US" sz="1600" dirty="0"/>
                     </a:p>
                   </a:txBody>
-                  <a:tcPr marL="32464" marR="32464" marT="16232" marB="16232" anchor="ctr">
-                    <a:lnL>
-                      <a:noFill/>
-                    </a:lnL>
-                    <a:lnR>
-                      <a:noFill/>
-                    </a:lnR>
-                    <a:lnT>
-                      <a:noFill/>
-                    </a:lnT>
-                    <a:lnB>
-                      <a:noFill/>
-                    </a:lnB>
-                  </a:tcPr>
+                  <a:tcPr marL="32464" marR="32464" marT="16232" marB="16232" anchor="ctr"/>
                 </a:tc>
                 <a:tc>
                   <a:txBody>
@@ -8298,26 +8132,14 @@
                     <a:lstStyle/>
                     <a:p>
                       <a:r>
-                        <a:rPr lang="en-US" sz="1600" dirty="0" smtClean="0">
+                        <a:rPr lang="en-US" sz="1600" dirty="0">
                           <a:hlinkClick r:id="rId3"/>
                         </a:rPr>
-                        <a:t>RMS-loss</a:t>
+                        <a:t>Absolute-loss</a:t>
                       </a:r>
                       <a:r>
-                        <a:rPr lang="en-US" sz="1600" dirty="0" smtClean="0"/>
-                        <a:t> or </a:t>
-                      </a:r>
-                      <a:r>
-                        <a:rPr lang="en-US" sz="1600" i="1" dirty="0" smtClean="0"/>
-                        <a:t>Root Mean Squared Error (RMSE)</a:t>
-                      </a:r>
-                      <a:r>
-                        <a:rPr lang="en-US" sz="1600" dirty="0" smtClean="0"/>
-                        <a:t> (also called </a:t>
-                      </a:r>
-                      <a:r>
-                        <a:rPr lang="en-US" sz="1600" i="1" dirty="0" smtClean="0"/>
-                        <a:t>Root Mean Square Deviation, RMSD</a:t>
+                        <a:rPr lang="en-US" sz="1600" dirty="0"/>
+                        <a:t> or Mean absolute error (MAE</a:t>
                       </a:r>
                       <a:r>
                         <a:rPr lang="en-US" sz="1600" dirty="0" smtClean="0"/>
@@ -8326,65 +8148,135 @@
                       <a:endParaRPr lang="en-US" sz="1600" dirty="0"/>
                     </a:p>
                   </a:txBody>
-                  <a:tcPr marL="32464" marR="32464" marT="16232" marB="16232" anchor="ctr">
-                    <a:lnL>
-                      <a:noFill/>
-                    </a:lnL>
-                    <a:lnR>
-                      <a:noFill/>
-                    </a:lnR>
-                    <a:lnT>
-                      <a:noFill/>
-                    </a:lnT>
-                    <a:lnB>
-                      <a:noFill/>
-                    </a:lnB>
-                  </a:tcPr>
+                  <a:tcPr marL="32464" marR="32464" marT="16232" marB="16232" anchor="ctr"/>
                 </a:tc>
                 <a:tc>
                   <a:txBody>
                     <a:bodyPr/>
                     <a:lstStyle/>
                     <a:p>
-                      <a:r>
-                        <a:rPr lang="en-US" sz="1600" dirty="0" smtClean="0"/>
-                        <a:t>It is always non-negative, and </a:t>
-                      </a:r>
-                      <a:r>
-                        <a:rPr lang="en-US" sz="1600" b="1" dirty="0" smtClean="0"/>
-                        <a:t>values closer to 0.00 are better</a:t>
-                      </a:r>
-                      <a:r>
-                        <a:rPr lang="en-US" sz="1600" dirty="0" smtClean="0"/>
-                        <a:t>. RMSD is a measure of accuracy, to compare forecasting errors of different models for a particular dataset and not between datasets, as it is scale-dependent.</a:t>
-                      </a:r>
                       <a:endParaRPr lang="en-US" sz="1600" dirty="0"/>
                     </a:p>
                   </a:txBody>
-                  <a:tcPr marL="32464" marR="32464" marT="16232" marB="16232" anchor="ctr">
-                    <a:lnL>
-                      <a:noFill/>
-                    </a:lnL>
-                    <a:lnR>
-                      <a:noFill/>
-                    </a:lnR>
-                    <a:lnT>
-                      <a:noFill/>
-                    </a:lnT>
-                    <a:lnB>
-                      <a:noFill/>
-                    </a:lnB>
-                  </a:tcPr>
+                  <a:tcPr marL="32464" marR="32464" marT="16232" marB="16232" anchor="ctr"/>
                 </a:tc>
               </a:tr>
             </a:tbl>
           </a:graphicData>
         </a:graphic>
       </p:graphicFrame>
+      <p:pic>
+        <p:nvPicPr>
+          <p:cNvPr id="1026" name="Picture 2"/>
+          <p:cNvPicPr>
+            <a:picLocks noChangeAspect="1" noChangeArrowheads="1"/>
+          </p:cNvPicPr>
+          <p:nvPr/>
+        </p:nvPicPr>
+        <p:blipFill>
+          <a:blip r:embed="rId4">
+            <a:extLst>
+              <a:ext uri="{28A0092B-C50C-407E-A947-70E740481C1C}">
+                <a14:useLocalDpi xmlns:a14="http://schemas.microsoft.com/office/drawing/2010/main" val="0"/>
+              </a:ext>
+            </a:extLst>
+          </a:blip>
+          <a:srcRect/>
+          <a:stretch>
+            <a:fillRect/>
+          </a:stretch>
+        </p:blipFill>
+        <p:spPr bwMode="auto">
+          <a:xfrm>
+            <a:off x="5220072" y="4077072"/>
+            <a:ext cx="1857375" cy="619125"/>
+          </a:xfrm>
+          <a:prstGeom prst="rect">
+            <a:avLst/>
+          </a:prstGeom>
+          <a:noFill/>
+          <a:ln>
+            <a:noFill/>
+          </a:ln>
+          <a:extLst>
+            <a:ext uri="{909E8E84-426E-40DD-AFC4-6F175D3DCCD1}">
+              <a14:hiddenFill xmlns:a14="http://schemas.microsoft.com/office/drawing/2010/main">
+                <a:solidFill>
+                  <a:schemeClr val="accent1"/>
+                </a:solidFill>
+              </a14:hiddenFill>
+            </a:ext>
+            <a:ext uri="{91240B29-F687-4F45-9708-019B960494DF}">
+              <a14:hiddenLine xmlns:a14="http://schemas.microsoft.com/office/drawing/2010/main" w="9525">
+                <a:solidFill>
+                  <a:schemeClr val="tx1"/>
+                </a:solidFill>
+                <a:miter lim="800000"/>
+                <a:headEnd/>
+                <a:tailEnd/>
+              </a14:hiddenLine>
+            </a:ext>
+          </a:extLst>
+        </p:spPr>
+      </p:pic>
+      <p:pic>
+        <p:nvPicPr>
+          <p:cNvPr id="1027" name="Picture 3"/>
+          <p:cNvPicPr>
+            <a:picLocks noChangeAspect="1" noChangeArrowheads="1"/>
+          </p:cNvPicPr>
+          <p:nvPr/>
+        </p:nvPicPr>
+        <p:blipFill>
+          <a:blip r:embed="rId5">
+            <a:extLst>
+              <a:ext uri="{28A0092B-C50C-407E-A947-70E740481C1C}">
+                <a14:useLocalDpi xmlns:a14="http://schemas.microsoft.com/office/drawing/2010/main" val="0"/>
+              </a:ext>
+            </a:extLst>
+          </a:blip>
+          <a:srcRect/>
+          <a:stretch>
+            <a:fillRect/>
+          </a:stretch>
+        </p:blipFill>
+        <p:spPr bwMode="auto">
+          <a:xfrm>
+            <a:off x="4572000" y="2132856"/>
+            <a:ext cx="2733675" cy="666750"/>
+          </a:xfrm>
+          <a:prstGeom prst="rect">
+            <a:avLst/>
+          </a:prstGeom>
+          <a:noFill/>
+          <a:ln>
+            <a:noFill/>
+          </a:ln>
+          <a:extLst>
+            <a:ext uri="{909E8E84-426E-40DD-AFC4-6F175D3DCCD1}">
+              <a14:hiddenFill xmlns:a14="http://schemas.microsoft.com/office/drawing/2010/main">
+                <a:solidFill>
+                  <a:schemeClr val="accent1"/>
+                </a:solidFill>
+              </a14:hiddenFill>
+            </a:ext>
+            <a:ext uri="{91240B29-F687-4F45-9708-019B960494DF}">
+              <a14:hiddenLine xmlns:a14="http://schemas.microsoft.com/office/drawing/2010/main" w="9525">
+                <a:solidFill>
+                  <a:schemeClr val="tx1"/>
+                </a:solidFill>
+                <a:miter lim="800000"/>
+                <a:headEnd/>
+                <a:tailEnd/>
+              </a14:hiddenLine>
+            </a:ext>
+          </a:extLst>
+        </p:spPr>
+      </p:pic>
     </p:spTree>
     <p:extLst>
       <p:ext uri="{BB962C8B-B14F-4D97-AF65-F5344CB8AC3E}">
-        <p14:creationId xmlns:p14="http://schemas.microsoft.com/office/powerpoint/2010/main" val="2776071037"/>
+        <p14:creationId xmlns:p14="http://schemas.microsoft.com/office/powerpoint/2010/main" val="4220538474"/>
       </p:ext>
     </p:extLst>
   </p:cSld>
@@ -8449,7 +8341,7 @@
         <p:spPr/>
         <p:txBody>
           <a:bodyPr>
-            <a:normAutofit fontScale="92500" lnSpcReduction="20000"/>
+            <a:normAutofit/>
           </a:bodyPr>
           <a:lstStyle/>
           <a:p>
@@ -8476,37 +8368,76 @@
               <a:buNone/>
             </a:pPr>
             <a:r>
-              <a:rPr lang="en-US" sz="2600" dirty="0" err="1"/>
+              <a:rPr lang="en-US" sz="2200" dirty="0" err="1"/>
               <a:t>IDataView</a:t>
             </a:r>
             <a:r>
-              <a:rPr lang="en-US" sz="2600" dirty="0"/>
+              <a:rPr lang="en-US" sz="2200" dirty="0"/>
               <a:t> </a:t>
             </a:r>
             <a:r>
-              <a:rPr lang="en-US" sz="2600" dirty="0" err="1"/>
+              <a:rPr lang="en-US" sz="2200" dirty="0" err="1"/>
               <a:t>dataView</a:t>
             </a:r>
             <a:r>
-              <a:rPr lang="en-US" sz="2600" dirty="0"/>
+              <a:rPr lang="en-US" sz="2200" dirty="0"/>
               <a:t> = </a:t>
             </a:r>
             <a:r>
-              <a:rPr lang="en-US" sz="2600" dirty="0" err="1"/>
+              <a:rPr lang="en-US" sz="2200" dirty="0" err="1"/>
               <a:t>mlContext.Data.LoadFromTextFile</a:t>
             </a:r>
             <a:r>
-              <a:rPr lang="en-US" sz="2600" dirty="0"/>
+              <a:rPr lang="en-US" sz="2200" dirty="0"/>
               <a:t>&lt;</a:t>
             </a:r>
             <a:r>
-              <a:rPr lang="en-US" sz="2600" dirty="0" err="1"/>
+              <a:rPr lang="en-US" sz="2200" dirty="0" err="1"/>
               <a:t>ModelInput</a:t>
             </a:r>
             <a:r>
-              <a:rPr lang="en-US" sz="2600" dirty="0" smtClean="0"/>
+              <a:rPr lang="en-US" sz="2200" dirty="0" smtClean="0"/>
               <a:t>&gt;</a:t>
             </a:r>
+            <a:endParaRPr lang="pl-PL" sz="2200" dirty="0" smtClean="0"/>
+          </a:p>
+          <a:p>
+            <a:pPr marL="0" indent="0">
+              <a:buNone/>
+            </a:pPr>
+            <a:r>
+              <a:rPr lang="en-US" sz="2200" dirty="0" smtClean="0"/>
+              <a:t>(_</a:t>
+            </a:r>
+            <a:r>
+              <a:rPr lang="en-US" sz="2200" dirty="0" err="1"/>
+              <a:t>trainDataPath</a:t>
+            </a:r>
+            <a:r>
+              <a:rPr lang="en-US" sz="2200" dirty="0"/>
+              <a:t>, </a:t>
+            </a:r>
+            <a:r>
+              <a:rPr lang="en-US" sz="2200" dirty="0" err="1"/>
+              <a:t>hasHeader</a:t>
+            </a:r>
+            <a:r>
+              <a:rPr lang="en-US" sz="2200" dirty="0"/>
+              <a:t>: true, </a:t>
+            </a:r>
+            <a:r>
+              <a:rPr lang="en-US" sz="2200" dirty="0" err="1"/>
+              <a:t>separatorChar</a:t>
+            </a:r>
+            <a:r>
+              <a:rPr lang="en-US" sz="2200" dirty="0"/>
+              <a:t>: ',');</a:t>
+            </a:r>
+          </a:p>
+          <a:p>
+            <a:pPr marL="0" indent="0">
+              <a:buNone/>
+            </a:pPr>
             <a:endParaRPr lang="pl-PL" sz="2600" dirty="0" smtClean="0"/>
           </a:p>
           <a:p>
@@ -8514,50 +8445,11 @@
               <a:buNone/>
             </a:pPr>
             <a:r>
-              <a:rPr lang="en-US" sz="2600" dirty="0" smtClean="0"/>
-              <a:t>(_</a:t>
-            </a:r>
-            <a:r>
-              <a:rPr lang="en-US" sz="2600" dirty="0" err="1"/>
-              <a:t>trainDataPath</a:t>
-            </a:r>
-            <a:r>
-              <a:rPr lang="en-US" sz="2600" dirty="0"/>
-              <a:t>, </a:t>
-            </a:r>
-            <a:r>
-              <a:rPr lang="en-US" sz="2600" dirty="0" err="1"/>
-              <a:t>hasHeader</a:t>
-            </a:r>
-            <a:r>
-              <a:rPr lang="en-US" sz="2600" dirty="0"/>
-              <a:t>: true, </a:t>
-            </a:r>
-            <a:r>
-              <a:rPr lang="en-US" sz="2600" dirty="0" err="1"/>
-              <a:t>separatorChar</a:t>
-            </a:r>
-            <a:r>
-              <a:rPr lang="en-US" sz="2600" dirty="0"/>
-              <a:t>: ',');</a:t>
-            </a:r>
-          </a:p>
-          <a:p>
-            <a:pPr marL="0" indent="0">
-              <a:buNone/>
-            </a:pPr>
-            <a:endParaRPr lang="pl-PL" sz="2600" dirty="0" smtClean="0"/>
-          </a:p>
-          <a:p>
-            <a:pPr marL="0" indent="0">
-              <a:buNone/>
-            </a:pPr>
-            <a:r>
-              <a:rPr lang="en-US" sz="2600" dirty="0" smtClean="0"/>
+              <a:rPr lang="en-US" sz="2000" dirty="0" smtClean="0"/>
               <a:t>// </a:t>
             </a:r>
             <a:r>
-              <a:rPr lang="en-US" sz="2600" dirty="0"/>
+              <a:rPr lang="en-US" sz="2000" dirty="0"/>
               <a:t>Save/persist the trained model to a .ZIP file</a:t>
             </a:r>
           </a:p>
@@ -8565,30 +8457,30 @@
             <a:pPr marL="0" indent="0">
               <a:buNone/>
             </a:pPr>
-            <a:endParaRPr lang="pl-PL" sz="2600" dirty="0" smtClean="0"/>
-          </a:p>
-          <a:p>
-            <a:pPr marL="0" indent="0">
-              <a:buNone/>
-            </a:pPr>
-            <a:r>
-              <a:rPr lang="en-US" sz="2600" dirty="0" err="1" smtClean="0"/>
+            <a:endParaRPr lang="pl-PL" sz="2000" dirty="0" smtClean="0"/>
+          </a:p>
+          <a:p>
+            <a:pPr marL="0" indent="0">
+              <a:buNone/>
+            </a:pPr>
+            <a:r>
+              <a:rPr lang="en-US" sz="2000" dirty="0" err="1" smtClean="0"/>
               <a:t>mlContext.Model.Save</a:t>
             </a:r>
             <a:r>
-              <a:rPr lang="en-US" sz="2600" dirty="0" smtClean="0"/>
+              <a:rPr lang="en-US" sz="2000" dirty="0" smtClean="0"/>
               <a:t>(model</a:t>
             </a:r>
             <a:r>
-              <a:rPr lang="en-US" sz="2600" dirty="0"/>
+              <a:rPr lang="en-US" sz="2000" dirty="0"/>
               <a:t>, dataView.Schema,_</a:t>
             </a:r>
             <a:r>
-              <a:rPr lang="en-US" sz="2600" dirty="0" err="1"/>
+              <a:rPr lang="en-US" sz="2000" dirty="0" err="1"/>
               <a:t>modelPath</a:t>
             </a:r>
             <a:r>
-              <a:rPr lang="en-US" sz="2600" dirty="0"/>
+              <a:rPr lang="en-US" sz="2000" dirty="0"/>
               <a:t>);</a:t>
             </a:r>
           </a:p>
@@ -8621,6 +8513,868 @@
 </file>
 
 <file path=ppt/slides/slide25.xml><?xml version="1.0" encoding="utf-8"?>
+<p:sld xmlns:a="http://schemas.openxmlformats.org/drawingml/2006/main" xmlns:r="http://schemas.openxmlformats.org/officeDocument/2006/relationships" xmlns:p="http://schemas.openxmlformats.org/presentationml/2006/main">
+  <p:cSld>
+    <p:spTree>
+      <p:nvGrpSpPr>
+        <p:cNvPr id="1" name=""/>
+        <p:cNvGrpSpPr/>
+        <p:nvPr/>
+      </p:nvGrpSpPr>
+      <p:grpSpPr>
+        <a:xfrm>
+          <a:off x="0" y="0"/>
+          <a:ext cx="0" cy="0"/>
+          <a:chOff x="0" y="0"/>
+          <a:chExt cx="0" cy="0"/>
+        </a:xfrm>
+      </p:grpSpPr>
+      <p:sp>
+        <p:nvSpPr>
+          <p:cNvPr id="2" name="Tytuł 1"/>
+          <p:cNvSpPr>
+            <a:spLocks noGrp="1"/>
+          </p:cNvSpPr>
+          <p:nvPr>
+            <p:ph type="title"/>
+          </p:nvPr>
+        </p:nvSpPr>
+        <p:spPr/>
+        <p:txBody>
+          <a:bodyPr>
+            <a:normAutofit fontScale="90000"/>
+          </a:bodyPr>
+          <a:lstStyle/>
+          <a:p>
+            <a:r>
+              <a:rPr lang="pl-PL" dirty="0" smtClean="0"/>
+              <a:t>ML.NET PIPELINE BUILD MODEL</a:t>
+            </a:r>
+            <a:endParaRPr lang="en-US" dirty="0"/>
+          </a:p>
+        </p:txBody>
+      </p:sp>
+      <p:sp>
+        <p:nvSpPr>
+          <p:cNvPr id="3" name="Symbol zastępczy zawartości 2"/>
+          <p:cNvSpPr>
+            <a:spLocks noGrp="1"/>
+          </p:cNvSpPr>
+          <p:nvPr>
+            <p:ph idx="1"/>
+          </p:nvPr>
+        </p:nvSpPr>
+        <p:spPr>
+          <a:xfrm>
+            <a:off x="502920" y="530352"/>
+            <a:ext cx="8183880" cy="1170456"/>
+          </a:xfrm>
+        </p:spPr>
+        <p:txBody>
+          <a:bodyPr>
+            <a:normAutofit/>
+          </a:bodyPr>
+          <a:lstStyle/>
+          <a:p>
+            <a:pPr marL="0" indent="0">
+              <a:buNone/>
+            </a:pPr>
+            <a:r>
+              <a:rPr lang="en-US" sz="2600" dirty="0" smtClean="0"/>
+              <a:t>   </a:t>
+            </a:r>
+            <a:endParaRPr lang="en-US" sz="2600" dirty="0"/>
+          </a:p>
+        </p:txBody>
+      </p:sp>
+      <p:sp>
+        <p:nvSpPr>
+          <p:cNvPr id="4" name="pole tekstowe 3"/>
+          <p:cNvSpPr txBox="1"/>
+          <p:nvPr/>
+        </p:nvSpPr>
+        <p:spPr>
+          <a:xfrm>
+            <a:off x="5436096" y="764704"/>
+            <a:ext cx="2615011" cy="4185761"/>
+          </a:xfrm>
+          <a:prstGeom prst="rect">
+            <a:avLst/>
+          </a:prstGeom>
+          <a:noFill/>
+        </p:spPr>
+        <p:txBody>
+          <a:bodyPr wrap="none" rtlCol="0">
+            <a:spAutoFit/>
+          </a:bodyPr>
+          <a:lstStyle/>
+          <a:p>
+            <a:r>
+              <a:rPr lang="en-US" sz="1400" dirty="0"/>
+              <a:t> ├───Transform_002</a:t>
+            </a:r>
+          </a:p>
+          <a:p>
+            <a:r>
+              <a:rPr lang="en-US" sz="1400" dirty="0"/>
+              <a:t>    │   │   </a:t>
+            </a:r>
+            <a:r>
+              <a:rPr lang="en-US" sz="1400" dirty="0" err="1"/>
+              <a:t>Model.key</a:t>
+            </a:r>
+            <a:endParaRPr lang="en-US" sz="1400" dirty="0"/>
+          </a:p>
+          <a:p>
+            <a:r>
+              <a:rPr lang="en-US" sz="1400" dirty="0"/>
+              <a:t>    │   │</a:t>
+            </a:r>
+          </a:p>
+          <a:p>
+            <a:r>
+              <a:rPr lang="en-US" sz="1400" dirty="0"/>
+              <a:t>    │   ├───Transform_000</a:t>
+            </a:r>
+          </a:p>
+          <a:p>
+            <a:r>
+              <a:rPr lang="en-US" sz="1400" dirty="0"/>
+              <a:t>    │   │   │   </a:t>
+            </a:r>
+            <a:r>
+              <a:rPr lang="en-US" sz="1400" dirty="0" err="1"/>
+              <a:t>Model.key</a:t>
+            </a:r>
+            <a:endParaRPr lang="en-US" sz="1400" dirty="0"/>
+          </a:p>
+          <a:p>
+            <a:r>
+              <a:rPr lang="en-US" sz="1400" dirty="0"/>
+              <a:t>    │   │   │</a:t>
+            </a:r>
+          </a:p>
+          <a:p>
+            <a:r>
+              <a:rPr lang="en-US" sz="1400" dirty="0"/>
+              <a:t>    │   │   └───Vocabulary</a:t>
+            </a:r>
+          </a:p>
+          <a:p>
+            <a:r>
+              <a:rPr lang="en-US" sz="1400" dirty="0"/>
+              <a:t>    │   │           </a:t>
+            </a:r>
+            <a:r>
+              <a:rPr lang="en-US" sz="1400" dirty="0" err="1"/>
+              <a:t>Model.key</a:t>
+            </a:r>
+            <a:endParaRPr lang="en-US" sz="1400" dirty="0"/>
+          </a:p>
+          <a:p>
+            <a:r>
+              <a:rPr lang="en-US" sz="1400" dirty="0"/>
+              <a:t>    │   │           Terms.txt</a:t>
+            </a:r>
+          </a:p>
+          <a:p>
+            <a:r>
+              <a:rPr lang="en-US" sz="1400" dirty="0"/>
+              <a:t>    │   │</a:t>
+            </a:r>
+          </a:p>
+          <a:p>
+            <a:r>
+              <a:rPr lang="en-US" sz="1400" dirty="0"/>
+              <a:t>    │   └───Transform_001</a:t>
+            </a:r>
+          </a:p>
+          <a:p>
+            <a:r>
+              <a:rPr lang="en-US" sz="1400" dirty="0"/>
+              <a:t>    │           </a:t>
+            </a:r>
+            <a:r>
+              <a:rPr lang="en-US" sz="1400" dirty="0" err="1"/>
+              <a:t>Model.key</a:t>
+            </a:r>
+            <a:endParaRPr lang="en-US" sz="1400" dirty="0"/>
+          </a:p>
+          <a:p>
+            <a:r>
+              <a:rPr lang="en-US" sz="1400" dirty="0"/>
+              <a:t>    │   </a:t>
+            </a:r>
+          </a:p>
+          <a:p>
+            <a:r>
+              <a:rPr lang="en-US" sz="1400" dirty="0"/>
+              <a:t>    └───Transform_003</a:t>
+            </a:r>
+          </a:p>
+          <a:p>
+            <a:r>
+              <a:rPr lang="en-US" sz="1400" dirty="0"/>
+              <a:t>        │   </a:t>
+            </a:r>
+            <a:r>
+              <a:rPr lang="en-US" sz="1400" dirty="0" err="1"/>
+              <a:t>Model.key</a:t>
+            </a:r>
+            <a:endParaRPr lang="en-US" sz="1400" dirty="0"/>
+          </a:p>
+          <a:p>
+            <a:r>
+              <a:rPr lang="en-US" sz="1400" dirty="0"/>
+              <a:t>        │   </a:t>
+            </a:r>
+            <a:r>
+              <a:rPr lang="en-US" sz="1400" dirty="0" err="1"/>
+              <a:t>TrainSchema</a:t>
+            </a:r>
+            <a:endParaRPr lang="en-US" sz="1400" dirty="0"/>
+          </a:p>
+          <a:p>
+            <a:r>
+              <a:rPr lang="en-US" sz="1400" dirty="0"/>
+              <a:t>        │</a:t>
+            </a:r>
+          </a:p>
+          <a:p>
+            <a:r>
+              <a:rPr lang="en-US" sz="1400" dirty="0"/>
+              <a:t>        └───Model</a:t>
+            </a:r>
+          </a:p>
+          <a:p>
+            <a:r>
+              <a:rPr lang="en-US" sz="1400" dirty="0"/>
+              <a:t>                </a:t>
+            </a:r>
+            <a:r>
+              <a:rPr lang="en-US" sz="1400" dirty="0" err="1"/>
+              <a:t>Model.key</a:t>
+            </a:r>
+            <a:endParaRPr lang="en-US" sz="1400" dirty="0"/>
+          </a:p>
+        </p:txBody>
+      </p:sp>
+      <p:sp>
+        <p:nvSpPr>
+          <p:cNvPr id="5" name="pole tekstowe 4"/>
+          <p:cNvSpPr txBox="1"/>
+          <p:nvPr/>
+        </p:nvSpPr>
+        <p:spPr>
+          <a:xfrm>
+            <a:off x="755576" y="476672"/>
+            <a:ext cx="2615011" cy="5262979"/>
+          </a:xfrm>
+          <a:prstGeom prst="rect">
+            <a:avLst/>
+          </a:prstGeom>
+          <a:noFill/>
+        </p:spPr>
+        <p:txBody>
+          <a:bodyPr wrap="none" rtlCol="0">
+            <a:spAutoFit/>
+          </a:bodyPr>
+          <a:lstStyle/>
+          <a:p>
+            <a:r>
+              <a:rPr lang="en-US" sz="1400" dirty="0"/>
+              <a:t>.</a:t>
+            </a:r>
+          </a:p>
+          <a:p>
+            <a:r>
+              <a:rPr lang="en-US" sz="1400" dirty="0"/>
+              <a:t>│   Schema</a:t>
+            </a:r>
+          </a:p>
+          <a:p>
+            <a:r>
+              <a:rPr lang="en-US" sz="1400" dirty="0"/>
+              <a:t>│</a:t>
+            </a:r>
+          </a:p>
+          <a:p>
+            <a:r>
+              <a:rPr lang="en-US" sz="1400" dirty="0"/>
+              <a:t>├───</a:t>
+            </a:r>
+            <a:r>
+              <a:rPr lang="en-US" sz="1400" dirty="0" err="1"/>
+              <a:t>TrainingInfo</a:t>
+            </a:r>
+            <a:endParaRPr lang="en-US" sz="1400" dirty="0"/>
+          </a:p>
+          <a:p>
+            <a:r>
+              <a:rPr lang="en-US" sz="1400" dirty="0"/>
+              <a:t>│       Version.txt</a:t>
+            </a:r>
+          </a:p>
+          <a:p>
+            <a:r>
+              <a:rPr lang="en-US" sz="1400" dirty="0"/>
+              <a:t>│</a:t>
+            </a:r>
+          </a:p>
+          <a:p>
+            <a:r>
+              <a:rPr lang="en-US" sz="1400" dirty="0"/>
+              <a:t>└───</a:t>
+            </a:r>
+            <a:r>
+              <a:rPr lang="en-US" sz="1400" dirty="0" err="1"/>
+              <a:t>TransformerChain</a:t>
+            </a:r>
+            <a:endParaRPr lang="en-US" sz="1400" dirty="0"/>
+          </a:p>
+          <a:p>
+            <a:r>
+              <a:rPr lang="en-US" sz="1400" dirty="0"/>
+              <a:t>    │   </a:t>
+            </a:r>
+            <a:r>
+              <a:rPr lang="en-US" sz="1400" dirty="0" err="1"/>
+              <a:t>Model.key</a:t>
+            </a:r>
+            <a:endParaRPr lang="en-US" sz="1400" dirty="0"/>
+          </a:p>
+          <a:p>
+            <a:r>
+              <a:rPr lang="en-US" sz="1400" dirty="0"/>
+              <a:t>    │</a:t>
+            </a:r>
+          </a:p>
+          <a:p>
+            <a:r>
+              <a:rPr lang="en-US" sz="1400" dirty="0"/>
+              <a:t>    ├───Transform_000</a:t>
+            </a:r>
+          </a:p>
+          <a:p>
+            <a:r>
+              <a:rPr lang="en-US" sz="1400" dirty="0"/>
+              <a:t>    │       </a:t>
+            </a:r>
+            <a:r>
+              <a:rPr lang="en-US" sz="1400" dirty="0" err="1"/>
+              <a:t>Model.key</a:t>
+            </a:r>
+            <a:endParaRPr lang="en-US" sz="1400" dirty="0"/>
+          </a:p>
+          <a:p>
+            <a:r>
+              <a:rPr lang="en-US" sz="1400" dirty="0"/>
+              <a:t>    │</a:t>
+            </a:r>
+          </a:p>
+          <a:p>
+            <a:r>
+              <a:rPr lang="en-US" sz="1400" dirty="0"/>
+              <a:t>    ├───Transform_001</a:t>
+            </a:r>
+          </a:p>
+          <a:p>
+            <a:r>
+              <a:rPr lang="en-US" sz="1400" dirty="0"/>
+              <a:t>    │   │   </a:t>
+            </a:r>
+            <a:r>
+              <a:rPr lang="en-US" sz="1400" dirty="0" err="1"/>
+              <a:t>Model.key</a:t>
+            </a:r>
+            <a:endParaRPr lang="en-US" sz="1400" dirty="0"/>
+          </a:p>
+          <a:p>
+            <a:r>
+              <a:rPr lang="en-US" sz="1400" dirty="0"/>
+              <a:t>    │   │</a:t>
+            </a:r>
+          </a:p>
+          <a:p>
+            <a:r>
+              <a:rPr lang="en-US" sz="1400" dirty="0"/>
+              <a:t>    │   ├───Transform_000</a:t>
+            </a:r>
+          </a:p>
+          <a:p>
+            <a:r>
+              <a:rPr lang="en-US" sz="1400" dirty="0"/>
+              <a:t>    │   │   │   </a:t>
+            </a:r>
+            <a:r>
+              <a:rPr lang="en-US" sz="1400" dirty="0" err="1"/>
+              <a:t>Model.key</a:t>
+            </a:r>
+            <a:endParaRPr lang="en-US" sz="1400" dirty="0"/>
+          </a:p>
+          <a:p>
+            <a:r>
+              <a:rPr lang="en-US" sz="1400" dirty="0"/>
+              <a:t>    │   │   │</a:t>
+            </a:r>
+          </a:p>
+          <a:p>
+            <a:r>
+              <a:rPr lang="en-US" sz="1400" dirty="0"/>
+              <a:t>    │   │   └───Vocabulary</a:t>
+            </a:r>
+          </a:p>
+          <a:p>
+            <a:r>
+              <a:rPr lang="en-US" sz="1400" dirty="0"/>
+              <a:t>    │   │           </a:t>
+            </a:r>
+            <a:r>
+              <a:rPr lang="en-US" sz="1400" dirty="0" err="1"/>
+              <a:t>Model.key</a:t>
+            </a:r>
+            <a:endParaRPr lang="en-US" sz="1400" dirty="0"/>
+          </a:p>
+          <a:p>
+            <a:r>
+              <a:rPr lang="en-US" sz="1400" dirty="0"/>
+              <a:t>    │   │           Terms.txt</a:t>
+            </a:r>
+          </a:p>
+          <a:p>
+            <a:r>
+              <a:rPr lang="en-US" sz="1400" dirty="0"/>
+              <a:t>    │   │</a:t>
+            </a:r>
+          </a:p>
+          <a:p>
+            <a:r>
+              <a:rPr lang="en-US" sz="1400" dirty="0"/>
+              <a:t>    │   └───Transform_001</a:t>
+            </a:r>
+          </a:p>
+          <a:p>
+            <a:r>
+              <a:rPr lang="en-US" sz="1400" dirty="0"/>
+              <a:t>    │           </a:t>
+            </a:r>
+            <a:r>
+              <a:rPr lang="en-US" sz="1400" dirty="0" err="1"/>
+              <a:t>Model.key</a:t>
+            </a:r>
+            <a:endParaRPr lang="en-US" sz="1400" dirty="0"/>
+          </a:p>
+        </p:txBody>
+      </p:sp>
+      <p:sp>
+        <p:nvSpPr>
+          <p:cNvPr id="6" name="pole tekstowe 5"/>
+          <p:cNvSpPr txBox="1"/>
+          <p:nvPr/>
+        </p:nvSpPr>
+        <p:spPr>
+          <a:xfrm>
+            <a:off x="4072028" y="332656"/>
+            <a:ext cx="511935" cy="5001369"/>
+          </a:xfrm>
+          <a:prstGeom prst="rect">
+            <a:avLst/>
+          </a:prstGeom>
+          <a:noFill/>
+        </p:spPr>
+        <p:txBody>
+          <a:bodyPr vert="wordArtVert" wrap="none" rtlCol="0">
+            <a:spAutoFit/>
+          </a:bodyPr>
+          <a:lstStyle/>
+          <a:p>
+            <a:r>
+              <a:rPr lang="pl-PL" dirty="0" smtClean="0">
+                <a:solidFill>
+                  <a:srgbClr val="C00000"/>
+                </a:solidFill>
+                <a:effectLst>
+                  <a:outerShdw blurRad="38100" dist="38100" dir="2700000" algn="tl">
+                    <a:srgbClr val="000000">
+                      <a:alpha val="43137"/>
+                    </a:srgbClr>
+                  </a:outerShdw>
+                </a:effectLst>
+              </a:rPr>
+              <a:t>Model </a:t>
+            </a:r>
+            <a:r>
+              <a:rPr lang="pl-PL" dirty="0" err="1" smtClean="0">
+                <a:solidFill>
+                  <a:srgbClr val="C00000"/>
+                </a:solidFill>
+                <a:effectLst>
+                  <a:outerShdw blurRad="38100" dist="38100" dir="2700000" algn="tl">
+                    <a:srgbClr val="000000">
+                      <a:alpha val="43137"/>
+                    </a:srgbClr>
+                  </a:outerShdw>
+                </a:effectLst>
+              </a:rPr>
+              <a:t>structure</a:t>
+            </a:r>
+            <a:endParaRPr lang="en-US" dirty="0">
+              <a:solidFill>
+                <a:srgbClr val="C00000"/>
+              </a:solidFill>
+              <a:effectLst>
+                <a:outerShdw blurRad="38100" dist="38100" dir="2700000" algn="tl">
+                  <a:srgbClr val="000000">
+                    <a:alpha val="43137"/>
+                  </a:srgbClr>
+                </a:outerShdw>
+              </a:effectLst>
+            </a:endParaRPr>
+          </a:p>
+        </p:txBody>
+      </p:sp>
+    </p:spTree>
+    <p:extLst>
+      <p:ext uri="{BB962C8B-B14F-4D97-AF65-F5344CB8AC3E}">
+        <p14:creationId xmlns:p14="http://schemas.microsoft.com/office/powerpoint/2010/main" val="2543883017"/>
+      </p:ext>
+    </p:extLst>
+  </p:cSld>
+  <p:clrMapOvr>
+    <a:masterClrMapping/>
+  </p:clrMapOvr>
+  <p:timing>
+    <p:tnLst>
+      <p:par>
+        <p:cTn id="1" dur="indefinite" restart="never" nodeType="tmRoot"/>
+      </p:par>
+    </p:tnLst>
+  </p:timing>
+</p:sld>
+</file>
+
+<file path=ppt/slides/slide26.xml><?xml version="1.0" encoding="utf-8"?>
+<p:sld xmlns:a="http://schemas.openxmlformats.org/drawingml/2006/main" xmlns:r="http://schemas.openxmlformats.org/officeDocument/2006/relationships" xmlns:p="http://schemas.openxmlformats.org/presentationml/2006/main">
+  <p:cSld>
+    <p:spTree>
+      <p:nvGrpSpPr>
+        <p:cNvPr id="1" name=""/>
+        <p:cNvGrpSpPr/>
+        <p:nvPr/>
+      </p:nvGrpSpPr>
+      <p:grpSpPr>
+        <a:xfrm>
+          <a:off x="0" y="0"/>
+          <a:ext cx="0" cy="0"/>
+          <a:chOff x="0" y="0"/>
+          <a:chExt cx="0" cy="0"/>
+        </a:xfrm>
+      </p:grpSpPr>
+      <p:sp>
+        <p:nvSpPr>
+          <p:cNvPr id="2" name="Tytuł 1"/>
+          <p:cNvSpPr>
+            <a:spLocks noGrp="1"/>
+          </p:cNvSpPr>
+          <p:nvPr>
+            <p:ph type="title"/>
+          </p:nvPr>
+        </p:nvSpPr>
+        <p:spPr/>
+        <p:txBody>
+          <a:bodyPr>
+            <a:normAutofit fontScale="90000"/>
+          </a:bodyPr>
+          <a:lstStyle/>
+          <a:p>
+            <a:r>
+              <a:rPr lang="pl-PL" dirty="0" smtClean="0"/>
+              <a:t>ML.NET PIPELINE BUILD MODEL</a:t>
+            </a:r>
+            <a:endParaRPr lang="en-US" dirty="0"/>
+          </a:p>
+        </p:txBody>
+      </p:sp>
+      <p:sp>
+        <p:nvSpPr>
+          <p:cNvPr id="3" name="Symbol zastępczy zawartości 2"/>
+          <p:cNvSpPr>
+            <a:spLocks noGrp="1"/>
+          </p:cNvSpPr>
+          <p:nvPr>
+            <p:ph idx="1"/>
+          </p:nvPr>
+        </p:nvSpPr>
+        <p:spPr>
+          <a:xfrm>
+            <a:off x="502920" y="530352"/>
+            <a:ext cx="8183880" cy="4770856"/>
+          </a:xfrm>
+        </p:spPr>
+        <p:txBody>
+          <a:bodyPr>
+            <a:normAutofit fontScale="55000" lnSpcReduction="20000"/>
+          </a:bodyPr>
+          <a:lstStyle/>
+          <a:p>
+            <a:pPr marL="0" indent="0">
+              <a:buNone/>
+            </a:pPr>
+            <a:r>
+              <a:rPr lang="pl-PL" sz="5100" dirty="0" smtClean="0"/>
+              <a:t>Inside Model.zip (</a:t>
+            </a:r>
+            <a:r>
+              <a:rPr lang="pl-PL" sz="5100" dirty="0" err="1" smtClean="0"/>
+              <a:t>sample</a:t>
+            </a:r>
+            <a:r>
+              <a:rPr lang="pl-PL" sz="5100" dirty="0" smtClean="0"/>
+              <a:t> </a:t>
+            </a:r>
+            <a:r>
+              <a:rPr lang="pl-PL" sz="5100" dirty="0" err="1" smtClean="0"/>
+              <a:t>files</a:t>
+            </a:r>
+            <a:r>
+              <a:rPr lang="pl-PL" sz="5100" dirty="0" smtClean="0"/>
+              <a:t>)</a:t>
+            </a:r>
+          </a:p>
+          <a:p>
+            <a:pPr marL="0" indent="0">
+              <a:buNone/>
+            </a:pPr>
+            <a:endParaRPr lang="pl-PL" sz="4000" dirty="0" smtClean="0"/>
+          </a:p>
+          <a:p>
+            <a:pPr marL="0" indent="0">
+              <a:buNone/>
+            </a:pPr>
+            <a:r>
+              <a:rPr lang="pl-PL" sz="4000" dirty="0" smtClean="0"/>
+              <a:t>Versiont.txt</a:t>
+            </a:r>
+          </a:p>
+          <a:p>
+            <a:pPr marL="0" indent="0">
+              <a:buNone/>
+            </a:pPr>
+            <a:r>
+              <a:rPr lang="en-US" sz="2000" dirty="0"/>
+              <a:t>1.0.27701.1 @</a:t>
+            </a:r>
+            <a:r>
+              <a:rPr lang="en-US" sz="2000" dirty="0" err="1"/>
+              <a:t>BuiltBy</a:t>
+            </a:r>
+            <a:r>
+              <a:rPr lang="en-US" sz="2000" dirty="0"/>
+              <a:t>: dlab14-DDVSOWINAGE100 @Branch: release/1.0 </a:t>
+            </a:r>
+            <a:endParaRPr lang="pl-PL" sz="2000" dirty="0" smtClean="0"/>
+          </a:p>
+          <a:p>
+            <a:pPr marL="0" indent="0">
+              <a:buNone/>
+            </a:pPr>
+            <a:r>
+              <a:rPr lang="en-US" sz="2000" dirty="0" smtClean="0"/>
+              <a:t>@</a:t>
+            </a:r>
+            <a:r>
+              <a:rPr lang="en-US" sz="2000" dirty="0" err="1"/>
+              <a:t>SrcCode</a:t>
+            </a:r>
+            <a:r>
+              <a:rPr lang="en-US" sz="2000" dirty="0"/>
+              <a:t>: </a:t>
+            </a:r>
+            <a:r>
+              <a:rPr lang="en-US" sz="2000" dirty="0">
+                <a:hlinkClick r:id="rId2"/>
+              </a:rPr>
+              <a:t>https://</a:t>
+            </a:r>
+            <a:r>
+              <a:rPr lang="en-US" sz="2000" dirty="0" smtClean="0">
+                <a:hlinkClick r:id="rId2"/>
+              </a:rPr>
+              <a:t>github.com/dotnet/machinelearning/tree/b9c8eb861d1bd9425866e1ae92825b5dd7e62e2e+b9c8eb861d1bd9425866e1ae92825b5dd7e62e2e</a:t>
+            </a:r>
+            <a:endParaRPr lang="pl-PL" sz="2000" dirty="0" smtClean="0"/>
+          </a:p>
+          <a:p>
+            <a:pPr marL="0" indent="0">
+              <a:buNone/>
+            </a:pPr>
+            <a:endParaRPr lang="pl-PL" sz="2000" dirty="0" smtClean="0"/>
+          </a:p>
+          <a:p>
+            <a:pPr marL="0" indent="0">
+              <a:buNone/>
+            </a:pPr>
+            <a:r>
+              <a:rPr lang="pl-PL" sz="4000" dirty="0" smtClean="0"/>
+              <a:t>Terms.txt</a:t>
+            </a:r>
+          </a:p>
+          <a:p>
+            <a:pPr marL="0" indent="0">
+              <a:buNone/>
+            </a:pPr>
+            <a:endParaRPr lang="pl-PL" sz="2000" dirty="0" smtClean="0"/>
+          </a:p>
+          <a:p>
+            <a:pPr marL="0" indent="0">
+              <a:buNone/>
+            </a:pPr>
+            <a:r>
+              <a:rPr lang="en-US" sz="2000" dirty="0" smtClean="0"/>
+              <a:t># </a:t>
+            </a:r>
+            <a:r>
+              <a:rPr lang="en-US" sz="2000" dirty="0"/>
+              <a:t>Number of terms = 2</a:t>
+            </a:r>
+          </a:p>
+          <a:p>
+            <a:pPr marL="0" indent="0">
+              <a:buNone/>
+            </a:pPr>
+            <a:r>
+              <a:rPr lang="en-US" sz="2000" dirty="0" smtClean="0"/>
+              <a:t>0</a:t>
+            </a:r>
+            <a:r>
+              <a:rPr lang="pl-PL" sz="2000" dirty="0" smtClean="0"/>
+              <a:t> 	</a:t>
+            </a:r>
+            <a:r>
+              <a:rPr lang="en-US" sz="2000" dirty="0" smtClean="0"/>
+              <a:t>CMT</a:t>
+            </a:r>
+            <a:endParaRPr lang="en-US" sz="2000" dirty="0"/>
+          </a:p>
+          <a:p>
+            <a:pPr marL="0" indent="0">
+              <a:buNone/>
+            </a:pPr>
+            <a:r>
+              <a:rPr lang="pl-PL" sz="2000" dirty="0" smtClean="0"/>
+              <a:t>1 	</a:t>
+            </a:r>
+            <a:r>
+              <a:rPr lang="en-US" sz="2000" dirty="0" smtClean="0"/>
+              <a:t>VTS</a:t>
+            </a:r>
+            <a:endParaRPr lang="pl-PL" sz="2000" dirty="0" smtClean="0"/>
+          </a:p>
+          <a:p>
+            <a:pPr marL="0" indent="0">
+              <a:buNone/>
+            </a:pPr>
+            <a:endParaRPr lang="pl-PL" sz="2000" dirty="0" smtClean="0"/>
+          </a:p>
+          <a:p>
+            <a:pPr marL="0" indent="0">
+              <a:buNone/>
+            </a:pPr>
+            <a:r>
+              <a:rPr lang="pl-PL" sz="4500" dirty="0" smtClean="0"/>
+              <a:t>Terms.txt</a:t>
+            </a:r>
+          </a:p>
+          <a:p>
+            <a:pPr marL="0" indent="0">
+              <a:buNone/>
+            </a:pPr>
+            <a:endParaRPr lang="pl-PL" sz="2000" dirty="0" smtClean="0"/>
+          </a:p>
+          <a:p>
+            <a:pPr marL="0" indent="0">
+              <a:buNone/>
+            </a:pPr>
+            <a:r>
+              <a:rPr lang="en-US" sz="2000" dirty="0" smtClean="0"/>
+              <a:t># </a:t>
+            </a:r>
+            <a:r>
+              <a:rPr lang="en-US" sz="2000" dirty="0"/>
+              <a:t>Number of terms = 5</a:t>
+            </a:r>
+          </a:p>
+          <a:p>
+            <a:pPr marL="0" indent="0">
+              <a:buNone/>
+            </a:pPr>
+            <a:r>
+              <a:rPr lang="en-US" sz="2000" dirty="0"/>
+              <a:t>0	CRD</a:t>
+            </a:r>
+          </a:p>
+          <a:p>
+            <a:pPr marL="0" indent="0">
+              <a:buNone/>
+            </a:pPr>
+            <a:r>
+              <a:rPr lang="en-US" sz="2000" dirty="0"/>
+              <a:t>1	CSH</a:t>
+            </a:r>
+          </a:p>
+          <a:p>
+            <a:pPr marL="0" indent="0">
+              <a:buNone/>
+            </a:pPr>
+            <a:r>
+              <a:rPr lang="en-US" sz="2000" dirty="0"/>
+              <a:t>2	NOC</a:t>
+            </a:r>
+          </a:p>
+          <a:p>
+            <a:pPr marL="0" indent="0">
+              <a:buNone/>
+            </a:pPr>
+            <a:r>
+              <a:rPr lang="en-US" sz="2000" dirty="0"/>
+              <a:t>3	DIS</a:t>
+            </a:r>
+          </a:p>
+          <a:p>
+            <a:pPr marL="0" indent="0">
+              <a:buNone/>
+            </a:pPr>
+            <a:r>
+              <a:rPr lang="en-US" sz="2000" dirty="0"/>
+              <a:t>4	UNK</a:t>
+            </a:r>
+            <a:endParaRPr lang="pl-PL" sz="2000" dirty="0" smtClean="0"/>
+          </a:p>
+          <a:p>
+            <a:pPr marL="457200" indent="-457200">
+              <a:buAutoNum type="arabicPlain"/>
+            </a:pPr>
+            <a:endParaRPr lang="en-US" sz="2000" dirty="0"/>
+          </a:p>
+          <a:p>
+            <a:endParaRPr lang="en-US" dirty="0"/>
+          </a:p>
+        </p:txBody>
+      </p:sp>
+    </p:spTree>
+    <p:extLst>
+      <p:ext uri="{BB962C8B-B14F-4D97-AF65-F5344CB8AC3E}">
+        <p14:creationId xmlns:p14="http://schemas.microsoft.com/office/powerpoint/2010/main" val="2223943688"/>
+      </p:ext>
+    </p:extLst>
+  </p:cSld>
+  <p:clrMapOvr>
+    <a:masterClrMapping/>
+  </p:clrMapOvr>
+</p:sld>
+</file>
+
+<file path=ppt/slides/slide27.xml><?xml version="1.0" encoding="utf-8"?>
 <p:sld xmlns:a="http://schemas.openxmlformats.org/drawingml/2006/main" xmlns:r="http://schemas.openxmlformats.org/officeDocument/2006/relationships" xmlns:p="http://schemas.openxmlformats.org/presentationml/2006/main">
   <p:cSld>
     <p:spTree>
@@ -8738,603 +9492,6 @@
 </p:sld>
 </file>
 
-<file path=ppt/slides/slide26.xml><?xml version="1.0" encoding="utf-8"?>
-<p:sld xmlns:a="http://schemas.openxmlformats.org/drawingml/2006/main" xmlns:r="http://schemas.openxmlformats.org/officeDocument/2006/relationships" xmlns:p="http://schemas.openxmlformats.org/presentationml/2006/main">
-  <p:cSld>
-    <p:spTree>
-      <p:nvGrpSpPr>
-        <p:cNvPr id="1" name=""/>
-        <p:cNvGrpSpPr/>
-        <p:nvPr/>
-      </p:nvGrpSpPr>
-      <p:grpSpPr>
-        <a:xfrm>
-          <a:off x="0" y="0"/>
-          <a:ext cx="0" cy="0"/>
-          <a:chOff x="0" y="0"/>
-          <a:chExt cx="0" cy="0"/>
-        </a:xfrm>
-      </p:grpSpPr>
-      <p:sp>
-        <p:nvSpPr>
-          <p:cNvPr id="2" name="Tytuł 1"/>
-          <p:cNvSpPr>
-            <a:spLocks noGrp="1"/>
-          </p:cNvSpPr>
-          <p:nvPr>
-            <p:ph type="title"/>
-          </p:nvPr>
-        </p:nvSpPr>
-        <p:spPr/>
-        <p:txBody>
-          <a:bodyPr>
-            <a:normAutofit fontScale="90000"/>
-          </a:bodyPr>
-          <a:lstStyle/>
-          <a:p>
-            <a:r>
-              <a:rPr lang="pl-PL" dirty="0" smtClean="0"/>
-              <a:t>ML.NET PIPELINE BUILD MODEL</a:t>
-            </a:r>
-            <a:endParaRPr lang="en-US" dirty="0"/>
-          </a:p>
-        </p:txBody>
-      </p:sp>
-      <p:sp>
-        <p:nvSpPr>
-          <p:cNvPr id="3" name="Symbol zastępczy zawartości 2"/>
-          <p:cNvSpPr>
-            <a:spLocks noGrp="1"/>
-          </p:cNvSpPr>
-          <p:nvPr>
-            <p:ph idx="1"/>
-          </p:nvPr>
-        </p:nvSpPr>
-        <p:spPr/>
-        <p:txBody>
-          <a:bodyPr>
-            <a:normAutofit fontScale="77500" lnSpcReduction="20000"/>
-          </a:bodyPr>
-          <a:lstStyle/>
-          <a:p>
-            <a:pPr marL="0" indent="0">
-              <a:buNone/>
-            </a:pPr>
-            <a:r>
-              <a:rPr lang="pl-PL" sz="3600" dirty="0" err="1" smtClean="0"/>
-              <a:t>Load</a:t>
-            </a:r>
-            <a:r>
-              <a:rPr lang="pl-PL" sz="3600" dirty="0" smtClean="0"/>
-              <a:t> Model</a:t>
-            </a:r>
-          </a:p>
-          <a:p>
-            <a:pPr marL="0" indent="0">
-              <a:buNone/>
-            </a:pPr>
-            <a:endParaRPr lang="pl-PL" dirty="0" smtClean="0"/>
-          </a:p>
-          <a:p>
-            <a:pPr marL="0" indent="0">
-              <a:buNone/>
-            </a:pPr>
-            <a:r>
-              <a:rPr lang="en-US" dirty="0"/>
-              <a:t>// Create </a:t>
-            </a:r>
-            <a:r>
-              <a:rPr lang="en-US" dirty="0" err="1"/>
-              <a:t>MLContext</a:t>
-            </a:r>
-            <a:r>
-              <a:rPr lang="en-US" dirty="0"/>
-              <a:t> </a:t>
-            </a:r>
-            <a:r>
-              <a:rPr lang="en-US" dirty="0" err="1"/>
-              <a:t>MLContext</a:t>
-            </a:r>
-            <a:r>
-              <a:rPr lang="en-US" dirty="0"/>
-              <a:t> </a:t>
-            </a:r>
-            <a:r>
-              <a:rPr lang="en-US" dirty="0" err="1"/>
-              <a:t>mlContext</a:t>
-            </a:r>
-            <a:r>
-              <a:rPr lang="en-US" dirty="0"/>
-              <a:t> = new </a:t>
-            </a:r>
-            <a:endParaRPr lang="pl-PL" dirty="0" smtClean="0"/>
-          </a:p>
-          <a:p>
-            <a:pPr marL="0" indent="0">
-              <a:buNone/>
-            </a:pPr>
-            <a:r>
-              <a:rPr lang="en-US" dirty="0" err="1" smtClean="0"/>
-              <a:t>MLContext</a:t>
-            </a:r>
-            <a:r>
-              <a:rPr lang="en-US" dirty="0"/>
-              <a:t>();</a:t>
-            </a:r>
-            <a:endParaRPr lang="pl-PL" dirty="0" smtClean="0"/>
-          </a:p>
-          <a:p>
-            <a:pPr marL="0" indent="0">
-              <a:buNone/>
-            </a:pPr>
-            <a:endParaRPr lang="pl-PL" dirty="0" smtClean="0"/>
-          </a:p>
-          <a:p>
-            <a:pPr marL="0" indent="0">
-              <a:buNone/>
-            </a:pPr>
-            <a:r>
-              <a:rPr lang="en-US" dirty="0" smtClean="0"/>
-              <a:t>//</a:t>
-            </a:r>
-            <a:r>
-              <a:rPr lang="en-US" dirty="0"/>
-              <a:t>Define </a:t>
-            </a:r>
-            <a:r>
-              <a:rPr lang="en-US" dirty="0" err="1"/>
-              <a:t>DataViewSchema</a:t>
-            </a:r>
-            <a:r>
-              <a:rPr lang="en-US" dirty="0"/>
-              <a:t> for data preparation pipeline and trained model</a:t>
-            </a:r>
-          </a:p>
-          <a:p>
-            <a:pPr marL="0" indent="0">
-              <a:buNone/>
-            </a:pPr>
-            <a:r>
-              <a:rPr lang="en-US" dirty="0" err="1" smtClean="0"/>
-              <a:t>DataViewSchema</a:t>
-            </a:r>
-            <a:r>
-              <a:rPr lang="en-US" dirty="0" smtClean="0"/>
-              <a:t> </a:t>
-            </a:r>
-            <a:r>
-              <a:rPr lang="en-US" dirty="0" err="1"/>
-              <a:t>modelSchema</a:t>
-            </a:r>
-            <a:r>
-              <a:rPr lang="en-US" dirty="0"/>
-              <a:t>;</a:t>
-            </a:r>
-          </a:p>
-          <a:p>
-            <a:pPr marL="0" indent="0">
-              <a:buNone/>
-            </a:pPr>
-            <a:endParaRPr lang="en-US" dirty="0"/>
-          </a:p>
-          <a:p>
-            <a:pPr marL="0" indent="0">
-              <a:buNone/>
-            </a:pPr>
-            <a:r>
-              <a:rPr lang="en-US" dirty="0"/>
-              <a:t>// Load trained model</a:t>
-            </a:r>
-          </a:p>
-          <a:p>
-            <a:pPr marL="0" indent="0">
-              <a:buNone/>
-            </a:pPr>
-            <a:r>
-              <a:rPr lang="en-US" dirty="0" err="1"/>
-              <a:t>ITransformer</a:t>
-            </a:r>
-            <a:r>
-              <a:rPr lang="en-US" dirty="0"/>
-              <a:t> </a:t>
-            </a:r>
-            <a:r>
-              <a:rPr lang="en-US" dirty="0" err="1"/>
-              <a:t>trainedModel</a:t>
-            </a:r>
-            <a:r>
-              <a:rPr lang="en-US" dirty="0"/>
-              <a:t> = </a:t>
-            </a:r>
-            <a:r>
-              <a:rPr lang="en-US" dirty="0" err="1"/>
-              <a:t>mlContext.Model.Load</a:t>
-            </a:r>
-            <a:r>
-              <a:rPr lang="en-US" dirty="0"/>
-              <a:t>("model.zip", out </a:t>
-            </a:r>
-            <a:r>
-              <a:rPr lang="en-US" dirty="0" err="1"/>
-              <a:t>modelSchema</a:t>
-            </a:r>
-            <a:r>
-              <a:rPr lang="en-US" dirty="0"/>
-              <a:t>);</a:t>
-            </a:r>
-          </a:p>
-        </p:txBody>
-      </p:sp>
-    </p:spTree>
-    <p:extLst>
-      <p:ext uri="{BB962C8B-B14F-4D97-AF65-F5344CB8AC3E}">
-        <p14:creationId xmlns:p14="http://schemas.microsoft.com/office/powerpoint/2010/main" val="4172397244"/>
-      </p:ext>
-    </p:extLst>
-  </p:cSld>
-  <p:clrMapOvr>
-    <a:masterClrMapping/>
-  </p:clrMapOvr>
-  <p:timing>
-    <p:tnLst>
-      <p:par>
-        <p:cTn id="1" dur="indefinite" restart="never" nodeType="tmRoot"/>
-      </p:par>
-    </p:tnLst>
-  </p:timing>
-</p:sld>
-</file>
-
-<file path=ppt/slides/slide27.xml><?xml version="1.0" encoding="utf-8"?>
-<p:sld xmlns:a="http://schemas.openxmlformats.org/drawingml/2006/main" xmlns:r="http://schemas.openxmlformats.org/officeDocument/2006/relationships" xmlns:p="http://schemas.openxmlformats.org/presentationml/2006/main">
-  <p:cSld>
-    <p:spTree>
-      <p:nvGrpSpPr>
-        <p:cNvPr id="1" name=""/>
-        <p:cNvGrpSpPr/>
-        <p:nvPr/>
-      </p:nvGrpSpPr>
-      <p:grpSpPr>
-        <a:xfrm>
-          <a:off x="0" y="0"/>
-          <a:ext cx="0" cy="0"/>
-          <a:chOff x="0" y="0"/>
-          <a:chExt cx="0" cy="0"/>
-        </a:xfrm>
-      </p:grpSpPr>
-      <p:sp>
-        <p:nvSpPr>
-          <p:cNvPr id="2" name="Tytuł 1"/>
-          <p:cNvSpPr>
-            <a:spLocks noGrp="1"/>
-          </p:cNvSpPr>
-          <p:nvPr>
-            <p:ph type="title"/>
-          </p:nvPr>
-        </p:nvSpPr>
-        <p:spPr/>
-        <p:txBody>
-          <a:bodyPr>
-            <a:normAutofit fontScale="90000"/>
-          </a:bodyPr>
-          <a:lstStyle/>
-          <a:p>
-            <a:r>
-              <a:rPr lang="pl-PL" dirty="0" smtClean="0"/>
-              <a:t>ML.NET PIPELINE BUILD MODEL</a:t>
-            </a:r>
-            <a:endParaRPr lang="en-US" dirty="0"/>
-          </a:p>
-        </p:txBody>
-      </p:sp>
-      <p:sp>
-        <p:nvSpPr>
-          <p:cNvPr id="3" name="Symbol zastępczy zawartości 2"/>
-          <p:cNvSpPr>
-            <a:spLocks noGrp="1"/>
-          </p:cNvSpPr>
-          <p:nvPr>
-            <p:ph idx="1"/>
-          </p:nvPr>
-        </p:nvSpPr>
-        <p:spPr>
-          <a:xfrm>
-            <a:off x="502920" y="530352"/>
-            <a:ext cx="8183880" cy="4914872"/>
-          </a:xfrm>
-        </p:spPr>
-        <p:txBody>
-          <a:bodyPr>
-            <a:normAutofit fontScale="55000" lnSpcReduction="20000"/>
-          </a:bodyPr>
-          <a:lstStyle/>
-          <a:p>
-            <a:pPr marL="0" indent="0">
-              <a:buNone/>
-            </a:pPr>
-            <a:r>
-              <a:rPr lang="pl-PL" sz="5100" dirty="0" err="1" smtClean="0"/>
-              <a:t>Make</a:t>
-            </a:r>
-            <a:r>
-              <a:rPr lang="pl-PL" sz="5100" dirty="0" smtClean="0"/>
-              <a:t> </a:t>
-            </a:r>
-            <a:r>
-              <a:rPr lang="pl-PL" sz="5100" dirty="0" err="1" smtClean="0"/>
-              <a:t>Prediction</a:t>
-            </a:r>
-            <a:endParaRPr lang="pl-PL" sz="5100" dirty="0" smtClean="0"/>
-          </a:p>
-          <a:p>
-            <a:endParaRPr lang="pl-PL" dirty="0" smtClean="0"/>
-          </a:p>
-          <a:p>
-            <a:pPr marL="0" indent="0">
-              <a:buNone/>
-            </a:pPr>
-            <a:r>
-              <a:rPr lang="en-US" dirty="0" err="1"/>
-              <a:t>var</a:t>
-            </a:r>
-            <a:r>
-              <a:rPr lang="en-US" dirty="0"/>
-              <a:t> </a:t>
-            </a:r>
-            <a:r>
-              <a:rPr lang="en-US" dirty="0" err="1"/>
-              <a:t>predictionFunction</a:t>
-            </a:r>
-            <a:r>
-              <a:rPr lang="en-US" dirty="0"/>
-              <a:t> = </a:t>
-            </a:r>
-            <a:r>
-              <a:rPr lang="en-US" dirty="0" err="1"/>
-              <a:t>mlContext.Model.CreatePredictionEngine</a:t>
-            </a:r>
-            <a:r>
-              <a:rPr lang="en-US" dirty="0"/>
-              <a:t>&lt;</a:t>
-            </a:r>
-            <a:r>
-              <a:rPr lang="en-US" dirty="0" err="1"/>
-              <a:t>ModelInput</a:t>
-            </a:r>
-            <a:r>
-              <a:rPr lang="en-US" dirty="0"/>
-              <a:t>, </a:t>
-            </a:r>
-            <a:r>
-              <a:rPr lang="en-US" dirty="0" err="1"/>
-              <a:t>ModelOutput</a:t>
-            </a:r>
-            <a:r>
-              <a:rPr lang="en-US" dirty="0"/>
-              <a:t>&gt;(model);</a:t>
-            </a:r>
-          </a:p>
-          <a:p>
-            <a:pPr marL="0" indent="0">
-              <a:buNone/>
-            </a:pPr>
-            <a:endParaRPr lang="pl-PL" dirty="0" smtClean="0"/>
-          </a:p>
-          <a:p>
-            <a:pPr marL="0" indent="0">
-              <a:buNone/>
-            </a:pPr>
-            <a:r>
-              <a:rPr lang="en-US" dirty="0" err="1" smtClean="0"/>
-              <a:t>var</a:t>
-            </a:r>
-            <a:r>
-              <a:rPr lang="en-US" dirty="0" smtClean="0"/>
-              <a:t> </a:t>
-            </a:r>
-            <a:r>
-              <a:rPr lang="en-US" dirty="0" err="1"/>
-              <a:t>ModelnputExample</a:t>
-            </a:r>
-            <a:r>
-              <a:rPr lang="en-US" dirty="0"/>
-              <a:t> = new </a:t>
-            </a:r>
-            <a:r>
-              <a:rPr lang="en-US" dirty="0" err="1"/>
-              <a:t>ModelInput</a:t>
-            </a:r>
-            <a:r>
-              <a:rPr lang="en-US" dirty="0"/>
-              <a:t>()</a:t>
-            </a:r>
-          </a:p>
-          <a:p>
-            <a:pPr marL="0" indent="0">
-              <a:buNone/>
-            </a:pPr>
-            <a:r>
-              <a:rPr lang="en-US" dirty="0"/>
-              <a:t>{</a:t>
-            </a:r>
-          </a:p>
-          <a:p>
-            <a:pPr marL="0" indent="0">
-              <a:buNone/>
-            </a:pPr>
-            <a:r>
-              <a:rPr lang="en-US" dirty="0" err="1"/>
-              <a:t>VendorId</a:t>
-            </a:r>
-            <a:r>
-              <a:rPr lang="en-US" dirty="0"/>
-              <a:t> = "VTS",</a:t>
-            </a:r>
-          </a:p>
-          <a:p>
-            <a:pPr marL="0" indent="0">
-              <a:buNone/>
-            </a:pPr>
-            <a:r>
-              <a:rPr lang="en-US" dirty="0" err="1"/>
-              <a:t>RateCode</a:t>
-            </a:r>
-            <a:r>
-              <a:rPr lang="en-US" dirty="0"/>
-              <a:t> = "1",</a:t>
-            </a:r>
-          </a:p>
-          <a:p>
-            <a:pPr marL="0" indent="0">
-              <a:buNone/>
-            </a:pPr>
-            <a:r>
-              <a:rPr lang="en-US" dirty="0" err="1"/>
-              <a:t>PassengerCount</a:t>
-            </a:r>
-            <a:r>
-              <a:rPr lang="en-US" dirty="0"/>
-              <a:t> = 1,</a:t>
-            </a:r>
-          </a:p>
-          <a:p>
-            <a:pPr marL="0" indent="0">
-              <a:buNone/>
-            </a:pPr>
-            <a:r>
-              <a:rPr lang="en-US" dirty="0" err="1"/>
-              <a:t>TripTime</a:t>
-            </a:r>
-            <a:r>
-              <a:rPr lang="en-US" dirty="0"/>
-              <a:t> = 1140,</a:t>
-            </a:r>
-          </a:p>
-          <a:p>
-            <a:pPr marL="0" indent="0">
-              <a:buNone/>
-            </a:pPr>
-            <a:r>
-              <a:rPr lang="en-US" dirty="0" err="1"/>
-              <a:t>TripDistance</a:t>
-            </a:r>
-            <a:r>
-              <a:rPr lang="en-US" dirty="0"/>
-              <a:t> = 3.75f,</a:t>
-            </a:r>
-          </a:p>
-          <a:p>
-            <a:pPr marL="0" indent="0">
-              <a:buNone/>
-            </a:pPr>
-            <a:r>
-              <a:rPr lang="en-US" dirty="0" err="1"/>
-              <a:t>PaymentType</a:t>
-            </a:r>
-            <a:r>
-              <a:rPr lang="en-US" dirty="0"/>
-              <a:t> = "CRD",</a:t>
-            </a:r>
-          </a:p>
-          <a:p>
-            <a:pPr marL="0" indent="0">
-              <a:buNone/>
-            </a:pPr>
-            <a:r>
-              <a:rPr lang="en-US" dirty="0" err="1"/>
-              <a:t>FareAmount</a:t>
-            </a:r>
-            <a:r>
-              <a:rPr lang="en-US" dirty="0"/>
-              <a:t> = 0 // To predict. Actual/Observed = 15.5</a:t>
-            </a:r>
-          </a:p>
-          <a:p>
-            <a:pPr marL="0" indent="0">
-              <a:buNone/>
-            </a:pPr>
-            <a:r>
-              <a:rPr lang="en-US" dirty="0"/>
-              <a:t>};</a:t>
-            </a:r>
-          </a:p>
-          <a:p>
-            <a:pPr marL="0" indent="0">
-              <a:buNone/>
-            </a:pPr>
-            <a:r>
-              <a:rPr lang="en-US" dirty="0"/>
-              <a:t/>
-            </a:r>
-            <a:br>
-              <a:rPr lang="en-US" dirty="0"/>
-            </a:br>
-            <a:r>
-              <a:rPr lang="en-US" dirty="0" err="1"/>
-              <a:t>var</a:t>
-            </a:r>
-            <a:r>
-              <a:rPr lang="en-US" dirty="0"/>
-              <a:t> prediction = </a:t>
-            </a:r>
-            <a:r>
-              <a:rPr lang="en-US" dirty="0" err="1"/>
-              <a:t>predictionFunction.Predict</a:t>
-            </a:r>
-            <a:r>
-              <a:rPr lang="en-US" dirty="0"/>
-              <a:t>(</a:t>
-            </a:r>
-            <a:r>
-              <a:rPr lang="en-US" dirty="0" err="1"/>
-              <a:t>ModelnputExample</a:t>
-            </a:r>
-            <a:r>
-              <a:rPr lang="en-US" dirty="0"/>
-              <a:t>); </a:t>
-            </a:r>
-          </a:p>
-          <a:p>
-            <a:pPr marL="0" indent="0">
-              <a:buNone/>
-            </a:pPr>
-            <a:r>
-              <a:rPr lang="en-US" dirty="0" err="1" smtClean="0"/>
-              <a:t>Console.WriteLine</a:t>
-            </a:r>
-            <a:r>
-              <a:rPr lang="en-US" dirty="0"/>
-              <a:t>($"Predicted fare: {prediction.FareAmount:0.####}, actual fare: 15.5");</a:t>
-            </a:r>
-          </a:p>
-          <a:p>
-            <a:pPr marL="0" indent="0">
-              <a:buNone/>
-            </a:pPr>
-            <a:endParaRPr lang="en-US" dirty="0"/>
-          </a:p>
-        </p:txBody>
-      </p:sp>
-    </p:spTree>
-    <p:extLst>
-      <p:ext uri="{BB962C8B-B14F-4D97-AF65-F5344CB8AC3E}">
-        <p14:creationId xmlns:p14="http://schemas.microsoft.com/office/powerpoint/2010/main" val="2735832010"/>
-      </p:ext>
-    </p:extLst>
-  </p:cSld>
-  <p:clrMapOvr>
-    <a:masterClrMapping/>
-  </p:clrMapOvr>
-  <p:timing>
-    <p:tnLst>
-      <p:par>
-        <p:cTn id="1" dur="indefinite" restart="never" nodeType="tmRoot"/>
-      </p:par>
-    </p:tnLst>
-  </p:timing>
-</p:sld>
-</file>
-
 <file path=ppt/slides/slide28.xml><?xml version="1.0" encoding="utf-8"?>
 <p:sld xmlns:a="http://schemas.openxmlformats.org/drawingml/2006/main" xmlns:r="http://schemas.openxmlformats.org/officeDocument/2006/relationships" xmlns:p="http://schemas.openxmlformats.org/presentationml/2006/main">
   <p:cSld>
@@ -9371,23 +9528,7 @@
           <a:p>
             <a:r>
               <a:rPr lang="pl-PL" dirty="0" smtClean="0"/>
-              <a:t>ML.NET CLI in </a:t>
-            </a:r>
-            <a:r>
-              <a:rPr lang="pl-PL" dirty="0" err="1" smtClean="0"/>
-              <a:t>Azure</a:t>
-            </a:r>
-            <a:r>
-              <a:rPr lang="pl-PL" dirty="0" smtClean="0"/>
-              <a:t> </a:t>
-            </a:r>
-            <a:r>
-              <a:rPr lang="pl-PL" dirty="0" err="1" smtClean="0"/>
-              <a:t>Cloud</a:t>
-            </a:r>
-            <a:r>
-              <a:rPr lang="pl-PL" dirty="0" smtClean="0"/>
-              <a:t> Shell</a:t>
+              <a:t>ML.NET PIPELINE BUILD MODEL</a:t>
             </a:r>
             <a:endParaRPr lang="en-US" dirty="0"/>
           </a:p>
@@ -9410,262 +9551,178 @@
           </a:bodyPr>
           <a:lstStyle/>
           <a:p>
-            <a:r>
-              <a:rPr lang="en-US" b="1" dirty="0"/>
-              <a:t>Linux Tools</a:t>
-            </a:r>
+            <a:pPr marL="0" indent="0">
+              <a:buNone/>
+            </a:pPr>
+            <a:r>
+              <a:rPr lang="pl-PL" sz="3600" dirty="0" err="1" smtClean="0"/>
+              <a:t>Load</a:t>
+            </a:r>
+            <a:r>
+              <a:rPr lang="pl-PL" sz="3600" dirty="0" smtClean="0"/>
+              <a:t> Model</a:t>
+            </a:r>
+          </a:p>
+          <a:p>
+            <a:pPr marL="0" indent="0">
+              <a:buNone/>
+            </a:pPr>
+            <a:endParaRPr lang="pl-PL" dirty="0" smtClean="0"/>
+          </a:p>
+          <a:p>
+            <a:pPr marL="0" indent="0">
+              <a:buNone/>
+            </a:pPr>
             <a:r>
               <a:rPr lang="en-US" dirty="0"/>
-              <a:t>– </a:t>
-            </a:r>
-            <a:r>
-              <a:rPr lang="en-US" b="1" dirty="0">
-                <a:solidFill>
-                  <a:srgbClr val="FF0000"/>
-                </a:solidFill>
-              </a:rPr>
-              <a:t>bash</a:t>
+              <a:t>// Create </a:t>
+            </a:r>
+            <a:r>
+              <a:rPr lang="en-US" dirty="0" err="1"/>
+              <a:t>MLContext</a:t>
             </a:r>
             <a:r>
               <a:rPr lang="en-US" dirty="0"/>
-              <a:t>, </a:t>
+              <a:t> </a:t>
             </a:r>
             <a:r>
               <a:rPr lang="en-US" dirty="0" err="1"/>
-              <a:t>zsh</a:t>
+              <a:t>MLContext</a:t>
             </a:r>
             <a:r>
               <a:rPr lang="en-US" dirty="0"/>
-              <a:t>, </a:t>
+              <a:t> </a:t>
             </a:r>
             <a:r>
               <a:rPr lang="en-US" dirty="0" err="1"/>
-              <a:t>sh</a:t>
+              <a:t>mlContext</a:t>
             </a:r>
             <a:r>
               <a:rPr lang="en-US" dirty="0"/>
-              <a:t>, </a:t>
+              <a:t> = new </a:t>
+            </a:r>
+            <a:endParaRPr lang="pl-PL" dirty="0" smtClean="0"/>
+          </a:p>
+          <a:p>
+            <a:pPr marL="0" indent="0">
+              <a:buNone/>
+            </a:pPr>
+            <a:r>
+              <a:rPr lang="en-US" dirty="0" err="1" smtClean="0"/>
+              <a:t>MLContext</a:t>
+            </a:r>
+            <a:r>
+              <a:rPr lang="en-US" dirty="0"/>
+              <a:t>();</a:t>
+            </a:r>
+            <a:endParaRPr lang="pl-PL" dirty="0" smtClean="0"/>
+          </a:p>
+          <a:p>
+            <a:pPr marL="0" indent="0">
+              <a:buNone/>
+            </a:pPr>
+            <a:endParaRPr lang="pl-PL" dirty="0" smtClean="0"/>
+          </a:p>
+          <a:p>
+            <a:pPr marL="0" indent="0">
+              <a:buNone/>
+            </a:pPr>
+            <a:r>
+              <a:rPr lang="en-US" dirty="0" smtClean="0"/>
+              <a:t>//</a:t>
+            </a:r>
+            <a:r>
+              <a:rPr lang="en-US" dirty="0"/>
+              <a:t>Define </a:t>
             </a:r>
             <a:r>
               <a:rPr lang="en-US" dirty="0" err="1"/>
-              <a:t>tmux</a:t>
+              <a:t>DataViewSchema</a:t>
             </a:r>
             <a:r>
               <a:rPr lang="en-US" dirty="0"/>
-              <a:t>, dig</a:t>
-            </a:r>
-          </a:p>
-          <a:p>
-            <a:r>
-              <a:rPr lang="en-US" b="1" dirty="0"/>
-              <a:t>Azure Tools</a:t>
+              <a:t> for data preparation pipeline and trained model</a:t>
+            </a:r>
+          </a:p>
+          <a:p>
+            <a:pPr marL="0" indent="0">
+              <a:buNone/>
+            </a:pPr>
+            <a:r>
+              <a:rPr lang="en-US" dirty="0" err="1" smtClean="0"/>
+              <a:t>DataViewSchema</a:t>
+            </a:r>
+            <a:r>
+              <a:rPr lang="en-US" dirty="0" smtClean="0"/>
+              <a:t> </a:t>
+            </a:r>
+            <a:r>
+              <a:rPr lang="en-US" dirty="0" err="1"/>
+              <a:t>modelSchema</a:t>
             </a:r>
             <a:r>
               <a:rPr lang="en-US" dirty="0"/>
-              <a:t>– </a:t>
-            </a:r>
-            <a:r>
-              <a:rPr lang="en-US" b="1" dirty="0">
-                <a:solidFill>
-                  <a:srgbClr val="FF0000"/>
-                </a:solidFill>
-              </a:rPr>
-              <a:t>Azure CLI</a:t>
-            </a:r>
+              <a:t>;</a:t>
+            </a:r>
+          </a:p>
+          <a:p>
+            <a:pPr marL="0" indent="0">
+              <a:buNone/>
+            </a:pPr>
+            <a:endParaRPr lang="en-US" dirty="0"/>
+          </a:p>
+          <a:p>
+            <a:pPr marL="0" indent="0">
+              <a:buNone/>
+            </a:pPr>
             <a:r>
               <a:rPr lang="en-US" dirty="0"/>
-              <a:t>, </a:t>
-            </a:r>
+              <a:t>// Load trained model</a:t>
+            </a:r>
+          </a:p>
+          <a:p>
+            <a:pPr marL="0" indent="0">
+              <a:buNone/>
+            </a:pPr>
             <a:r>
               <a:rPr lang="en-US" dirty="0" err="1"/>
-              <a:t>AzCopy</a:t>
+              <a:t>ITransformer</a:t>
             </a:r>
             <a:r>
               <a:rPr lang="en-US" dirty="0"/>
-              <a:t>, Service Fabric CLI</a:t>
-            </a:r>
-          </a:p>
-          <a:p>
-            <a:r>
-              <a:rPr lang="en-US" b="1" dirty="0"/>
-              <a:t>Programming Languages</a:t>
+              <a:t> </a:t>
+            </a:r>
+            <a:r>
+              <a:rPr lang="en-US" dirty="0" err="1"/>
+              <a:t>trainedModel</a:t>
             </a:r>
             <a:r>
               <a:rPr lang="en-US" dirty="0"/>
-              <a:t>– </a:t>
-            </a:r>
-            <a:r>
-              <a:rPr lang="en-US" b="1" dirty="0">
-                <a:solidFill>
-                  <a:srgbClr val="FF0000"/>
-                </a:solidFill>
-              </a:rPr>
-              <a:t>.NET Core</a:t>
+              <a:t> = </a:t>
+            </a:r>
+            <a:r>
+              <a:rPr lang="en-US" dirty="0" err="1"/>
+              <a:t>mlContext.Model.Load</a:t>
             </a:r>
             <a:r>
               <a:rPr lang="en-US" dirty="0"/>
-              <a:t>, Go, Java, Node.js, PowerShell, Python</a:t>
-            </a:r>
-          </a:p>
-          <a:p>
-            <a:r>
-              <a:rPr lang="en-US" b="1" dirty="0"/>
-              <a:t>Editors</a:t>
+              <a:t>("model.zip", out </a:t>
+            </a:r>
+            <a:r>
+              <a:rPr lang="en-US" dirty="0" err="1"/>
+              <a:t>modelSchema</a:t>
             </a:r>
             <a:r>
               <a:rPr lang="en-US" dirty="0"/>
-              <a:t>– vim, </a:t>
-            </a:r>
-            <a:r>
-              <a:rPr lang="en-US" dirty="0" err="1"/>
-              <a:t>nano</a:t>
-            </a:r>
-            <a:r>
-              <a:rPr lang="en-US" dirty="0"/>
-              <a:t>, </a:t>
-            </a:r>
-            <a:r>
-              <a:rPr lang="en-US" dirty="0" err="1"/>
-              <a:t>emacs</a:t>
-            </a:r>
-            <a:r>
-              <a:rPr lang="en-US" dirty="0"/>
-              <a:t>, </a:t>
-            </a:r>
-            <a:r>
-              <a:rPr lang="en-US" b="1" dirty="0">
-                <a:solidFill>
-                  <a:srgbClr val="FF0000"/>
-                </a:solidFill>
-              </a:rPr>
-              <a:t>code</a:t>
-            </a:r>
-          </a:p>
-          <a:p>
-            <a:r>
-              <a:rPr lang="en-US" b="1" dirty="0"/>
-              <a:t>Source Control</a:t>
-            </a:r>
-            <a:r>
-              <a:rPr lang="en-US" dirty="0"/>
-              <a:t>– </a:t>
-            </a:r>
-            <a:r>
-              <a:rPr lang="en-US" b="1" dirty="0" err="1">
-                <a:solidFill>
-                  <a:srgbClr val="FF0000"/>
-                </a:solidFill>
-              </a:rPr>
-              <a:t>git</a:t>
-            </a:r>
-            <a:endParaRPr lang="en-US" b="1" dirty="0">
-              <a:solidFill>
-                <a:srgbClr val="FF0000"/>
-              </a:solidFill>
-            </a:endParaRPr>
-          </a:p>
-          <a:p>
-            <a:r>
-              <a:rPr lang="en-US" b="1" dirty="0"/>
-              <a:t>Build Tools</a:t>
-            </a:r>
-            <a:r>
-              <a:rPr lang="en-US" dirty="0"/>
-              <a:t>– make, maven, </a:t>
-            </a:r>
-            <a:r>
-              <a:rPr lang="en-US" dirty="0" err="1"/>
-              <a:t>npm</a:t>
-            </a:r>
-            <a:r>
-              <a:rPr lang="en-US" dirty="0"/>
-              <a:t>, pip</a:t>
-            </a:r>
-          </a:p>
-          <a:p>
-            <a:r>
-              <a:rPr lang="en-US" b="1" dirty="0"/>
-              <a:t>Containers</a:t>
-            </a:r>
-            <a:r>
-              <a:rPr lang="en-US" dirty="0"/>
-              <a:t>– Docker CLI / Docker Machine, </a:t>
-            </a:r>
-            <a:r>
-              <a:rPr lang="en-US" dirty="0" err="1"/>
-              <a:t>Kubectl</a:t>
-            </a:r>
-            <a:r>
-              <a:rPr lang="en-US" dirty="0"/>
-              <a:t>, Helm, DC/OS CLI</a:t>
-            </a:r>
-          </a:p>
-          <a:p>
-            <a:r>
-              <a:rPr lang="en-US" b="1" dirty="0"/>
-              <a:t>Databases</a:t>
-            </a:r>
-            <a:r>
-              <a:rPr lang="en-US" dirty="0"/>
-              <a:t>– MySQL client, PostgreSQL client, </a:t>
-            </a:r>
-            <a:r>
-              <a:rPr lang="en-US" dirty="0" err="1"/>
-              <a:t>sqlcmd</a:t>
-            </a:r>
-            <a:r>
-              <a:rPr lang="en-US" dirty="0"/>
-              <a:t> utility, </a:t>
-            </a:r>
-            <a:r>
-              <a:rPr lang="en-US" dirty="0" err="1"/>
-              <a:t>mssql</a:t>
-            </a:r>
-            <a:r>
-              <a:rPr lang="en-US" dirty="0"/>
-              <a:t>-scripter</a:t>
-            </a:r>
-          </a:p>
-          <a:p>
-            <a:r>
-              <a:rPr lang="en-US" b="1" dirty="0"/>
-              <a:t>Other</a:t>
-            </a:r>
-            <a:r>
-              <a:rPr lang="en-US" dirty="0"/>
-              <a:t>– </a:t>
-            </a:r>
-            <a:r>
-              <a:rPr lang="en-US" dirty="0" err="1"/>
-              <a:t>iPython</a:t>
-            </a:r>
-            <a:r>
-              <a:rPr lang="en-US" dirty="0"/>
-              <a:t> Client, Cloud Foundry CLI, Terraform, </a:t>
-            </a:r>
-            <a:r>
-              <a:rPr lang="en-US" dirty="0" err="1"/>
-              <a:t>Ansible</a:t>
-            </a:r>
-            <a:r>
-              <a:rPr lang="en-US" dirty="0"/>
-              <a:t>, Chef </a:t>
-            </a:r>
-            <a:r>
-              <a:rPr lang="en-US" dirty="0" err="1"/>
-              <a:t>InSpec</a:t>
-            </a:r>
-            <a:endParaRPr lang="en-US" dirty="0"/>
-          </a:p>
-          <a:p>
-            <a:endParaRPr lang="en-US" dirty="0"/>
+              <a:t>);</a:t>
+            </a:r>
           </a:p>
         </p:txBody>
       </p:sp>
     </p:spTree>
     <p:extLst>
       <p:ext uri="{BB962C8B-B14F-4D97-AF65-F5344CB8AC3E}">
-        <p14:creationId xmlns:p14="http://schemas.microsoft.com/office/powerpoint/2010/main" val="1421194890"/>
+        <p14:creationId xmlns:p14="http://schemas.microsoft.com/office/powerpoint/2010/main" val="4172397244"/>
       </p:ext>
     </p:extLst>
   </p:cSld>
@@ -9709,12 +9766,7 @@
             <p:ph type="title"/>
           </p:nvPr>
         </p:nvSpPr>
-        <p:spPr>
-          <a:xfrm>
-            <a:off x="502920" y="5013176"/>
-            <a:ext cx="8183880" cy="1021864"/>
-          </a:xfrm>
-        </p:spPr>
+        <p:spPr/>
         <p:txBody>
           <a:bodyPr>
             <a:normAutofit fontScale="90000"/>
@@ -9722,15 +9774,8 @@
           <a:lstStyle/>
           <a:p>
             <a:r>
-              <a:rPr lang="en-US" dirty="0"/>
-              <a:t/>
-            </a:r>
-            <a:br>
-              <a:rPr lang="en-US" dirty="0"/>
-            </a:br>
-            <a:r>
               <a:rPr lang="pl-PL" dirty="0" smtClean="0"/>
-              <a:t>ML.NET CLI </a:t>
+              <a:t>ML.NET PIPELINE BUILD MODEL</a:t>
             </a:r>
             <a:endParaRPr lang="en-US" dirty="0"/>
           </a:p>
@@ -9749,127 +9794,285 @@
         <p:spPr>
           <a:xfrm>
             <a:off x="502920" y="530352"/>
-            <a:ext cx="8183880" cy="4770856"/>
+            <a:ext cx="8183880" cy="4914872"/>
           </a:xfrm>
         </p:spPr>
         <p:txBody>
           <a:bodyPr>
-            <a:noAutofit/>
+            <a:normAutofit fontScale="55000" lnSpcReduction="20000"/>
           </a:bodyPr>
           <a:lstStyle/>
           <a:p>
-            <a:pPr marL="0" indent="0" algn="just">
-              <a:buNone/>
-            </a:pPr>
-            <a:r>
-              <a:rPr lang="en-US" sz="1600" dirty="0" smtClean="0"/>
-              <a:t>The </a:t>
-            </a:r>
-            <a:r>
-              <a:rPr lang="en-US" sz="1600" dirty="0"/>
-              <a:t>ML.NET CLI (command-line interface) is a tool you run on any command-prompt (Windows, Mac or Linux) for generating good quality ML.NET models and source code based on training datasets you provide. It is internally using ML.NET </a:t>
-            </a:r>
-            <a:r>
-              <a:rPr lang="en-US" sz="1600" dirty="0" err="1"/>
-              <a:t>AutoML</a:t>
-            </a:r>
-            <a:r>
-              <a:rPr lang="en-US" sz="1600" dirty="0"/>
-              <a:t>, so you can create good quality models and generate related C# code directly from the command-line.</a:t>
-            </a:r>
-          </a:p>
-          <a:p>
-            <a:pPr marL="0" indent="0" algn="just">
-              <a:buNone/>
-            </a:pPr>
-            <a:r>
-              <a:rPr lang="en-US" sz="1600" dirty="0"/>
-              <a:t>The ML.NET CLI is part of ML.NET and its main purpose is to “democratize” ML.NET for .NET developers when learning ML.NET so it is very simple to get the right C# code to create a good quality ML.NET model and the sample C# code to run/score the model. In addition, you can generate a good quality model file (.zip file) without coding, so it also improves your productivity even if you already know ML.NET.</a:t>
-            </a:r>
-          </a:p>
-          <a:p>
-            <a:pPr marL="0" indent="0">
-              <a:buNone/>
-            </a:pPr>
-            <a:r>
-              <a:rPr lang="en-US" sz="1600" dirty="0"/>
-              <a:t>Currently, the ML Tasks supported by the CLI are the same than with </a:t>
-            </a:r>
-            <a:r>
-              <a:rPr lang="en-US" sz="1600" dirty="0" err="1"/>
-              <a:t>AutoML</a:t>
-            </a:r>
-            <a:r>
-              <a:rPr lang="en-US" sz="1600" dirty="0"/>
-              <a:t>:</a:t>
-            </a:r>
-          </a:p>
-          <a:p>
-            <a:pPr marL="0" indent="0">
-              <a:buNone/>
-            </a:pPr>
-            <a:r>
-              <a:rPr lang="en-US" sz="1600" dirty="0"/>
-              <a:t>Regression</a:t>
-            </a:r>
-          </a:p>
-          <a:p>
-            <a:pPr marL="0" indent="0">
-              <a:buNone/>
-            </a:pPr>
-            <a:r>
-              <a:rPr lang="en-US" sz="1600" dirty="0"/>
-              <a:t>Binary Classification</a:t>
-            </a:r>
-          </a:p>
-          <a:p>
-            <a:pPr marL="0" indent="0">
-              <a:buNone/>
-            </a:pPr>
-            <a:r>
-              <a:rPr lang="en-US" sz="1600" dirty="0"/>
-              <a:t>Multi-class </a:t>
-            </a:r>
-            <a:r>
-              <a:rPr lang="en-US" sz="1600" dirty="0" smtClean="0"/>
-              <a:t>Classification</a:t>
-            </a:r>
-            <a:endParaRPr lang="pl-PL" sz="1600" dirty="0" smtClean="0"/>
-          </a:p>
-          <a:p>
-            <a:pPr marL="0" indent="0">
-              <a:buNone/>
-            </a:pPr>
-            <a:endParaRPr lang="en-US" sz="1600" dirty="0"/>
-          </a:p>
-          <a:p>
-            <a:pPr marL="0" indent="0">
-              <a:buNone/>
-            </a:pPr>
-            <a:r>
-              <a:rPr lang="pl-PL" sz="1600" dirty="0"/>
-              <a:t>http:// </a:t>
-            </a:r>
-            <a:r>
-              <a:rPr lang="pl-PL" sz="1600" dirty="0">
-                <a:hlinkClick r:id="rId2"/>
-              </a:rPr>
-              <a:t>https://devblogs.microsoft.com/cesardelatorre/what-is-ml-net-1-0-machine-learning-for-net</a:t>
-            </a:r>
-            <a:r>
-              <a:rPr lang="pl-PL" sz="1600" dirty="0" smtClean="0">
-                <a:hlinkClick r:id="rId2"/>
-              </a:rPr>
-              <a:t>/</a:t>
-            </a:r>
-            <a:endParaRPr lang="pl-PL" sz="1600" dirty="0" smtClean="0"/>
+            <a:pPr marL="0" indent="0">
+              <a:buNone/>
+            </a:pPr>
+            <a:r>
+              <a:rPr lang="pl-PL" sz="5100" dirty="0" err="1" smtClean="0"/>
+              <a:t>Make</a:t>
+            </a:r>
+            <a:r>
+              <a:rPr lang="pl-PL" sz="5100" dirty="0" smtClean="0"/>
+              <a:t> </a:t>
+            </a:r>
+            <a:r>
+              <a:rPr lang="pl-PL" sz="5100" dirty="0" err="1" smtClean="0"/>
+              <a:t>Prediction</a:t>
+            </a:r>
+            <a:endParaRPr lang="pl-PL" sz="5100" dirty="0" smtClean="0"/>
+          </a:p>
+          <a:p>
+            <a:endParaRPr lang="pl-PL" dirty="0" smtClean="0"/>
+          </a:p>
+          <a:p>
+            <a:pPr marL="0" indent="0">
+              <a:buNone/>
+            </a:pPr>
+            <a:r>
+              <a:rPr lang="en-US" dirty="0" err="1"/>
+              <a:t>var</a:t>
+            </a:r>
+            <a:r>
+              <a:rPr lang="en-US" dirty="0"/>
+              <a:t> </a:t>
+            </a:r>
+            <a:r>
+              <a:rPr lang="en-US" dirty="0" err="1"/>
+              <a:t>predictionFunction</a:t>
+            </a:r>
+            <a:r>
+              <a:rPr lang="en-US" dirty="0"/>
+              <a:t> = </a:t>
+            </a:r>
+            <a:r>
+              <a:rPr lang="en-US" dirty="0" err="1"/>
+              <a:t>mlContext.Model.CreatePredictionEngine</a:t>
+            </a:r>
+            <a:r>
+              <a:rPr lang="en-US" dirty="0"/>
+              <a:t>&lt;</a:t>
+            </a:r>
+            <a:r>
+              <a:rPr lang="en-US" dirty="0" err="1"/>
+              <a:t>ModelInput</a:t>
+            </a:r>
+            <a:r>
+              <a:rPr lang="en-US" dirty="0"/>
+              <a:t>, </a:t>
+            </a:r>
+            <a:r>
+              <a:rPr lang="en-US" dirty="0" err="1"/>
+              <a:t>ModelOutput</a:t>
+            </a:r>
+            <a:r>
+              <a:rPr lang="en-US" dirty="0"/>
+              <a:t>&gt;(model);</a:t>
+            </a:r>
+          </a:p>
+          <a:p>
+            <a:pPr marL="0" indent="0">
+              <a:buNone/>
+            </a:pPr>
+            <a:endParaRPr lang="pl-PL" dirty="0" smtClean="0"/>
+          </a:p>
+          <a:p>
+            <a:pPr marL="0" indent="0">
+              <a:buNone/>
+            </a:pPr>
+            <a:r>
+              <a:rPr lang="en-US" dirty="0" err="1" smtClean="0"/>
+              <a:t>var</a:t>
+            </a:r>
+            <a:r>
+              <a:rPr lang="en-US" dirty="0" smtClean="0"/>
+              <a:t> </a:t>
+            </a:r>
+            <a:r>
+              <a:rPr lang="en-US" dirty="0" err="1"/>
+              <a:t>ModelnputExample</a:t>
+            </a:r>
+            <a:r>
+              <a:rPr lang="en-US" dirty="0"/>
+              <a:t> = new </a:t>
+            </a:r>
+            <a:r>
+              <a:rPr lang="en-US" dirty="0" err="1"/>
+              <a:t>ModelInput</a:t>
+            </a:r>
+            <a:r>
+              <a:rPr lang="en-US" dirty="0"/>
+              <a:t>()</a:t>
+            </a:r>
+          </a:p>
+          <a:p>
+            <a:pPr marL="0" indent="0">
+              <a:buNone/>
+            </a:pPr>
+            <a:r>
+              <a:rPr lang="en-US" dirty="0"/>
+              <a:t>{</a:t>
+            </a:r>
+          </a:p>
+          <a:p>
+            <a:pPr marL="0" indent="0">
+              <a:buNone/>
+            </a:pPr>
+            <a:r>
+              <a:rPr lang="en-US" dirty="0" err="1"/>
+              <a:t>VendorId</a:t>
+            </a:r>
+            <a:r>
+              <a:rPr lang="en-US" dirty="0"/>
+              <a:t> = "VTS",</a:t>
+            </a:r>
+          </a:p>
+          <a:p>
+            <a:pPr marL="0" indent="0">
+              <a:buNone/>
+            </a:pPr>
+            <a:r>
+              <a:rPr lang="en-US" dirty="0" err="1"/>
+              <a:t>RateCode</a:t>
+            </a:r>
+            <a:r>
+              <a:rPr lang="en-US" dirty="0"/>
+              <a:t> = "1",</a:t>
+            </a:r>
+          </a:p>
+          <a:p>
+            <a:pPr marL="0" indent="0">
+              <a:buNone/>
+            </a:pPr>
+            <a:r>
+              <a:rPr lang="en-US" dirty="0" err="1"/>
+              <a:t>PassengerCount</a:t>
+            </a:r>
+            <a:r>
+              <a:rPr lang="en-US" dirty="0"/>
+              <a:t> = 1,</a:t>
+            </a:r>
+          </a:p>
+          <a:p>
+            <a:pPr marL="0" indent="0">
+              <a:buNone/>
+            </a:pPr>
+            <a:r>
+              <a:rPr lang="en-US" dirty="0" err="1"/>
+              <a:t>TripTime</a:t>
+            </a:r>
+            <a:r>
+              <a:rPr lang="en-US" dirty="0"/>
+              <a:t> = 1140,</a:t>
+            </a:r>
+          </a:p>
+          <a:p>
+            <a:pPr marL="0" indent="0">
+              <a:buNone/>
+            </a:pPr>
+            <a:r>
+              <a:rPr lang="en-US" dirty="0" err="1"/>
+              <a:t>TripDistance</a:t>
+            </a:r>
+            <a:r>
+              <a:rPr lang="en-US" dirty="0"/>
+              <a:t> = 3.75f,</a:t>
+            </a:r>
+          </a:p>
+          <a:p>
+            <a:pPr marL="0" indent="0">
+              <a:buNone/>
+            </a:pPr>
+            <a:r>
+              <a:rPr lang="en-US" dirty="0" err="1"/>
+              <a:t>PaymentType</a:t>
+            </a:r>
+            <a:r>
+              <a:rPr lang="en-US" dirty="0"/>
+              <a:t> = "CRD",</a:t>
+            </a:r>
+          </a:p>
+          <a:p>
+            <a:pPr marL="0" indent="0">
+              <a:buNone/>
+            </a:pPr>
+            <a:r>
+              <a:rPr lang="en-US" dirty="0" err="1"/>
+              <a:t>FareAmount</a:t>
+            </a:r>
+            <a:r>
+              <a:rPr lang="en-US" dirty="0"/>
+              <a:t> = 0 // To predict. Actual/Observed = 15.5</a:t>
+            </a:r>
+          </a:p>
+          <a:p>
+            <a:pPr marL="0" indent="0">
+              <a:buNone/>
+            </a:pPr>
+            <a:r>
+              <a:rPr lang="en-US" dirty="0"/>
+              <a:t>};</a:t>
+            </a:r>
+          </a:p>
+          <a:p>
+            <a:pPr marL="0" indent="0">
+              <a:buNone/>
+            </a:pPr>
+            <a:r>
+              <a:rPr lang="en-US" dirty="0"/>
+              <a:t/>
+            </a:r>
+            <a:br>
+              <a:rPr lang="en-US" dirty="0"/>
+            </a:br>
+            <a:r>
+              <a:rPr lang="en-US" dirty="0" err="1"/>
+              <a:t>var</a:t>
+            </a:r>
+            <a:r>
+              <a:rPr lang="en-US" dirty="0"/>
+              <a:t> prediction = </a:t>
+            </a:r>
+            <a:r>
+              <a:rPr lang="en-US" dirty="0" err="1"/>
+              <a:t>predictionFunction.Predict</a:t>
+            </a:r>
+            <a:r>
+              <a:rPr lang="en-US" dirty="0"/>
+              <a:t>(</a:t>
+            </a:r>
+            <a:r>
+              <a:rPr lang="en-US" dirty="0" err="1"/>
+              <a:t>ModelnputExample</a:t>
+            </a:r>
+            <a:r>
+              <a:rPr lang="en-US" dirty="0"/>
+              <a:t>); </a:t>
+            </a:r>
+          </a:p>
+          <a:p>
+            <a:pPr marL="0" indent="0">
+              <a:buNone/>
+            </a:pPr>
+            <a:r>
+              <a:rPr lang="en-US" dirty="0" err="1" smtClean="0"/>
+              <a:t>Console.WriteLine</a:t>
+            </a:r>
+            <a:r>
+              <a:rPr lang="en-US" dirty="0"/>
+              <a:t>($"Predicted fare: {prediction.FareAmount:0.####}, actual fare: 15.5");</a:t>
+            </a:r>
+          </a:p>
+          <a:p>
+            <a:pPr marL="0" indent="0">
+              <a:buNone/>
+            </a:pPr>
+            <a:endParaRPr lang="en-US" dirty="0"/>
           </a:p>
         </p:txBody>
       </p:sp>
     </p:spTree>
     <p:extLst>
       <p:ext uri="{BB962C8B-B14F-4D97-AF65-F5344CB8AC3E}">
-        <p14:creationId xmlns:p14="http://schemas.microsoft.com/office/powerpoint/2010/main" val="2555863820"/>
+        <p14:creationId xmlns:p14="http://schemas.microsoft.com/office/powerpoint/2010/main" val="2735832010"/>
       </p:ext>
     </p:extLst>
   </p:cSld>
@@ -10076,16 +10279,30 @@
         </p:nvSpPr>
         <p:spPr/>
         <p:txBody>
-          <a:bodyPr/>
+          <a:bodyPr>
+            <a:normAutofit fontScale="90000"/>
+          </a:bodyPr>
           <a:lstStyle/>
           <a:p>
             <a:r>
               <a:rPr lang="pl-PL" dirty="0" smtClean="0"/>
-              <a:t>ML.NET CLI </a:t>
+              <a:t>ML.NET CLI in </a:t>
             </a:r>
             <a:r>
               <a:rPr lang="pl-PL" dirty="0" err="1" smtClean="0"/>
-              <a:t>Limits</a:t>
+              <a:t>Azure</a:t>
+            </a:r>
+            <a:r>
+              <a:rPr lang="pl-PL" dirty="0" smtClean="0"/>
+              <a:t> </a:t>
+            </a:r>
+            <a:r>
+              <a:rPr lang="pl-PL" dirty="0" err="1" smtClean="0"/>
+              <a:t>Cloud</a:t>
+            </a:r>
+            <a:r>
+              <a:rPr lang="pl-PL" dirty="0" smtClean="0"/>
+              <a:t> Shell</a:t>
             </a:r>
             <a:endParaRPr lang="en-US" dirty="0"/>
           </a:p>
@@ -10103,8 +10320,258 @@
         </p:nvSpPr>
         <p:spPr/>
         <p:txBody>
-          <a:bodyPr/>
+          <a:bodyPr>
+            <a:normAutofit fontScale="77500" lnSpcReduction="20000"/>
+          </a:bodyPr>
           <a:lstStyle/>
+          <a:p>
+            <a:r>
+              <a:rPr lang="en-US" b="1" dirty="0"/>
+              <a:t>Linux Tools</a:t>
+            </a:r>
+            <a:r>
+              <a:rPr lang="en-US" dirty="0"/>
+              <a:t>– </a:t>
+            </a:r>
+            <a:r>
+              <a:rPr lang="en-US" b="1" dirty="0">
+                <a:solidFill>
+                  <a:srgbClr val="FF0000"/>
+                </a:solidFill>
+              </a:rPr>
+              <a:t>bash</a:t>
+            </a:r>
+            <a:r>
+              <a:rPr lang="en-US" dirty="0"/>
+              <a:t>, </a:t>
+            </a:r>
+            <a:r>
+              <a:rPr lang="en-US" dirty="0" err="1"/>
+              <a:t>zsh</a:t>
+            </a:r>
+            <a:r>
+              <a:rPr lang="en-US" dirty="0"/>
+              <a:t>, </a:t>
+            </a:r>
+            <a:r>
+              <a:rPr lang="en-US" dirty="0" err="1"/>
+              <a:t>sh</a:t>
+            </a:r>
+            <a:r>
+              <a:rPr lang="en-US" dirty="0"/>
+              <a:t>, </a:t>
+            </a:r>
+            <a:r>
+              <a:rPr lang="en-US" dirty="0" err="1"/>
+              <a:t>tmux</a:t>
+            </a:r>
+            <a:r>
+              <a:rPr lang="en-US" dirty="0"/>
+              <a:t>, dig</a:t>
+            </a:r>
+          </a:p>
+          <a:p>
+            <a:r>
+              <a:rPr lang="en-US" b="1" dirty="0"/>
+              <a:t>Azure Tools</a:t>
+            </a:r>
+            <a:r>
+              <a:rPr lang="en-US" dirty="0"/>
+              <a:t>– </a:t>
+            </a:r>
+            <a:r>
+              <a:rPr lang="en-US" b="1" dirty="0">
+                <a:solidFill>
+                  <a:srgbClr val="FF0000"/>
+                </a:solidFill>
+              </a:rPr>
+              <a:t>Azure CLI</a:t>
+            </a:r>
+            <a:r>
+              <a:rPr lang="en-US" dirty="0"/>
+              <a:t>, </a:t>
+            </a:r>
+            <a:r>
+              <a:rPr lang="en-US" dirty="0" err="1"/>
+              <a:t>AzCopy</a:t>
+            </a:r>
+            <a:r>
+              <a:rPr lang="en-US" dirty="0"/>
+              <a:t>, Service Fabric CLI</a:t>
+            </a:r>
+          </a:p>
+          <a:p>
+            <a:r>
+              <a:rPr lang="en-US" b="1" dirty="0"/>
+              <a:t>Programming Languages</a:t>
+            </a:r>
+            <a:r>
+              <a:rPr lang="en-US" dirty="0"/>
+              <a:t>– </a:t>
+            </a:r>
+            <a:r>
+              <a:rPr lang="en-US" b="1" dirty="0">
+                <a:solidFill>
+                  <a:srgbClr val="FF0000"/>
+                </a:solidFill>
+              </a:rPr>
+              <a:t>.NET Core</a:t>
+            </a:r>
+            <a:r>
+              <a:rPr lang="en-US" dirty="0"/>
+              <a:t>, Go, Java, Node.js, PowerShell, Python</a:t>
+            </a:r>
+          </a:p>
+          <a:p>
+            <a:r>
+              <a:rPr lang="en-US" b="1" dirty="0"/>
+              <a:t>Editors</a:t>
+            </a:r>
+            <a:r>
+              <a:rPr lang="en-US" dirty="0"/>
+              <a:t>– vim, </a:t>
+            </a:r>
+            <a:r>
+              <a:rPr lang="en-US" dirty="0" err="1"/>
+              <a:t>nano</a:t>
+            </a:r>
+            <a:r>
+              <a:rPr lang="en-US" dirty="0"/>
+              <a:t>, </a:t>
+            </a:r>
+            <a:r>
+              <a:rPr lang="en-US" dirty="0" err="1"/>
+              <a:t>emacs</a:t>
+            </a:r>
+            <a:r>
+              <a:rPr lang="en-US" dirty="0"/>
+              <a:t>, </a:t>
+            </a:r>
+            <a:r>
+              <a:rPr lang="en-US" b="1" dirty="0">
+                <a:solidFill>
+                  <a:srgbClr val="FF0000"/>
+                </a:solidFill>
+              </a:rPr>
+              <a:t>code</a:t>
+            </a:r>
+          </a:p>
+          <a:p>
+            <a:r>
+              <a:rPr lang="en-US" b="1" dirty="0"/>
+              <a:t>Source Control</a:t>
+            </a:r>
+            <a:r>
+              <a:rPr lang="en-US" dirty="0"/>
+              <a:t>– </a:t>
+            </a:r>
+            <a:r>
+              <a:rPr lang="en-US" b="1" dirty="0" err="1">
+                <a:solidFill>
+                  <a:srgbClr val="FF0000"/>
+                </a:solidFill>
+              </a:rPr>
+              <a:t>git</a:t>
+            </a:r>
+            <a:endParaRPr lang="en-US" b="1" dirty="0">
+              <a:solidFill>
+                <a:srgbClr val="FF0000"/>
+              </a:solidFill>
+            </a:endParaRPr>
+          </a:p>
+          <a:p>
+            <a:r>
+              <a:rPr lang="en-US" b="1" dirty="0"/>
+              <a:t>Build Tools</a:t>
+            </a:r>
+            <a:r>
+              <a:rPr lang="en-US" dirty="0"/>
+              <a:t>– make, maven, </a:t>
+            </a:r>
+            <a:r>
+              <a:rPr lang="en-US" dirty="0" err="1"/>
+              <a:t>npm</a:t>
+            </a:r>
+            <a:r>
+              <a:rPr lang="en-US" dirty="0"/>
+              <a:t>, pip</a:t>
+            </a:r>
+          </a:p>
+          <a:p>
+            <a:r>
+              <a:rPr lang="en-US" b="1" dirty="0"/>
+              <a:t>Containers</a:t>
+            </a:r>
+            <a:r>
+              <a:rPr lang="en-US" dirty="0"/>
+              <a:t>– Docker CLI / Docker Machine, </a:t>
+            </a:r>
+            <a:r>
+              <a:rPr lang="en-US" dirty="0" err="1"/>
+              <a:t>Kubectl</a:t>
+            </a:r>
+            <a:r>
+              <a:rPr lang="en-US" dirty="0"/>
+              <a:t>, Helm, DC/OS CLI</a:t>
+            </a:r>
+          </a:p>
+          <a:p>
+            <a:r>
+              <a:rPr lang="en-US" b="1" dirty="0"/>
+              <a:t>Databases</a:t>
+            </a:r>
+            <a:r>
+              <a:rPr lang="en-US" dirty="0"/>
+              <a:t>– MySQL client, PostgreSQL client, </a:t>
+            </a:r>
+            <a:r>
+              <a:rPr lang="en-US" dirty="0" err="1"/>
+              <a:t>sqlcmd</a:t>
+            </a:r>
+            <a:r>
+              <a:rPr lang="en-US" dirty="0"/>
+              <a:t> utility, </a:t>
+            </a:r>
+            <a:r>
+              <a:rPr lang="en-US" dirty="0" err="1"/>
+              <a:t>mssql</a:t>
+            </a:r>
+            <a:r>
+              <a:rPr lang="en-US" dirty="0"/>
+              <a:t>-scripter</a:t>
+            </a:r>
+          </a:p>
+          <a:p>
+            <a:r>
+              <a:rPr lang="en-US" b="1" dirty="0"/>
+              <a:t>Other</a:t>
+            </a:r>
+            <a:r>
+              <a:rPr lang="en-US" dirty="0"/>
+              <a:t>– </a:t>
+            </a:r>
+            <a:r>
+              <a:rPr lang="en-US" dirty="0" err="1"/>
+              <a:t>iPython</a:t>
+            </a:r>
+            <a:r>
+              <a:rPr lang="en-US" dirty="0"/>
+              <a:t> Client, Cloud Foundry CLI, Terraform, </a:t>
+            </a:r>
+            <a:r>
+              <a:rPr lang="en-US" dirty="0" err="1"/>
+              <a:t>Ansible</a:t>
+            </a:r>
+            <a:r>
+              <a:rPr lang="en-US" dirty="0"/>
+              <a:t>, Chef </a:t>
+            </a:r>
+            <a:r>
+              <a:rPr lang="en-US" dirty="0" err="1"/>
+              <a:t>InSpec</a:t>
+            </a:r>
+            <a:endParaRPr lang="en-US" dirty="0"/>
+          </a:p>
           <a:p>
             <a:endParaRPr lang="en-US" dirty="0"/>
           </a:p>
@@ -10113,7 +10580,7 @@
     </p:spTree>
     <p:extLst>
       <p:ext uri="{BB962C8B-B14F-4D97-AF65-F5344CB8AC3E}">
-        <p14:creationId xmlns:p14="http://schemas.microsoft.com/office/powerpoint/2010/main" val="4166325914"/>
+        <p14:creationId xmlns:p14="http://schemas.microsoft.com/office/powerpoint/2010/main" val="1421194890"/>
       </p:ext>
     </p:extLst>
   </p:cSld>
@@ -10157,6 +10624,293 @@
             <p:ph type="title"/>
           </p:nvPr>
         </p:nvSpPr>
+        <p:spPr>
+          <a:xfrm>
+            <a:off x="502920" y="5013176"/>
+            <a:ext cx="8183880" cy="1021864"/>
+          </a:xfrm>
+        </p:spPr>
+        <p:txBody>
+          <a:bodyPr>
+            <a:normAutofit fontScale="90000"/>
+          </a:bodyPr>
+          <a:lstStyle/>
+          <a:p>
+            <a:r>
+              <a:rPr lang="en-US" dirty="0"/>
+              <a:t/>
+            </a:r>
+            <a:br>
+              <a:rPr lang="en-US" dirty="0"/>
+            </a:br>
+            <a:r>
+              <a:rPr lang="pl-PL" dirty="0" smtClean="0"/>
+              <a:t>ML.NET CLI </a:t>
+            </a:r>
+            <a:endParaRPr lang="en-US" dirty="0"/>
+          </a:p>
+        </p:txBody>
+      </p:sp>
+      <p:sp>
+        <p:nvSpPr>
+          <p:cNvPr id="3" name="Symbol zastępczy zawartości 2"/>
+          <p:cNvSpPr>
+            <a:spLocks noGrp="1"/>
+          </p:cNvSpPr>
+          <p:nvPr>
+            <p:ph idx="1"/>
+          </p:nvPr>
+        </p:nvSpPr>
+        <p:spPr>
+          <a:xfrm>
+            <a:off x="502920" y="530352"/>
+            <a:ext cx="8183880" cy="4770856"/>
+          </a:xfrm>
+        </p:spPr>
+        <p:txBody>
+          <a:bodyPr>
+            <a:noAutofit/>
+          </a:bodyPr>
+          <a:lstStyle/>
+          <a:p>
+            <a:pPr marL="0" indent="0" algn="just">
+              <a:buNone/>
+            </a:pPr>
+            <a:r>
+              <a:rPr lang="en-US" sz="1600" dirty="0" smtClean="0"/>
+              <a:t>The </a:t>
+            </a:r>
+            <a:r>
+              <a:rPr lang="en-US" sz="1600" dirty="0"/>
+              <a:t>ML.NET CLI (command-line interface) is a tool you run on any command-prompt (Windows, Mac or Linux) for generating good quality ML.NET models and source code based on training datasets you provide. It is internally using ML.NET </a:t>
+            </a:r>
+            <a:r>
+              <a:rPr lang="en-US" sz="1600" dirty="0" err="1"/>
+              <a:t>AutoML</a:t>
+            </a:r>
+            <a:r>
+              <a:rPr lang="en-US" sz="1600" dirty="0"/>
+              <a:t>, so you can create good quality models and generate related C# code directly from the command-line.</a:t>
+            </a:r>
+          </a:p>
+          <a:p>
+            <a:pPr marL="0" indent="0" algn="just">
+              <a:buNone/>
+            </a:pPr>
+            <a:r>
+              <a:rPr lang="en-US" sz="1600" dirty="0"/>
+              <a:t>The ML.NET CLI is part of ML.NET and its main purpose is to “democratize” ML.NET for .NET developers when learning ML.NET so it is very simple to get the right C# code to create a good quality ML.NET model and the sample C# code to run/score the model. In addition, you can generate a good quality model file (.zip file) without coding, so it also improves your productivity even if you already know ML.NET.</a:t>
+            </a:r>
+          </a:p>
+          <a:p>
+            <a:pPr marL="0" indent="0">
+              <a:buNone/>
+            </a:pPr>
+            <a:r>
+              <a:rPr lang="en-US" sz="1600" dirty="0"/>
+              <a:t>Currently, the ML Tasks supported by the CLI are the same than with </a:t>
+            </a:r>
+            <a:r>
+              <a:rPr lang="en-US" sz="1600" dirty="0" err="1"/>
+              <a:t>AutoML</a:t>
+            </a:r>
+            <a:r>
+              <a:rPr lang="en-US" sz="1600" dirty="0"/>
+              <a:t>:</a:t>
+            </a:r>
+          </a:p>
+          <a:p>
+            <a:pPr marL="0" indent="0">
+              <a:buNone/>
+            </a:pPr>
+            <a:r>
+              <a:rPr lang="en-US" sz="1600" dirty="0"/>
+              <a:t>Regression</a:t>
+            </a:r>
+          </a:p>
+          <a:p>
+            <a:pPr marL="0" indent="0">
+              <a:buNone/>
+            </a:pPr>
+            <a:r>
+              <a:rPr lang="en-US" sz="1600" dirty="0"/>
+              <a:t>Binary Classification</a:t>
+            </a:r>
+          </a:p>
+          <a:p>
+            <a:pPr marL="0" indent="0">
+              <a:buNone/>
+            </a:pPr>
+            <a:r>
+              <a:rPr lang="en-US" sz="1600" dirty="0"/>
+              <a:t>Multi-class </a:t>
+            </a:r>
+            <a:r>
+              <a:rPr lang="en-US" sz="1600" dirty="0" smtClean="0"/>
+              <a:t>Classification</a:t>
+            </a:r>
+            <a:endParaRPr lang="pl-PL" sz="1600" dirty="0" smtClean="0"/>
+          </a:p>
+          <a:p>
+            <a:pPr marL="0" indent="0">
+              <a:buNone/>
+            </a:pPr>
+            <a:endParaRPr lang="en-US" sz="1600" dirty="0"/>
+          </a:p>
+          <a:p>
+            <a:pPr marL="0" indent="0">
+              <a:buNone/>
+            </a:pPr>
+            <a:r>
+              <a:rPr lang="pl-PL" sz="1600" dirty="0"/>
+              <a:t>http:// </a:t>
+            </a:r>
+            <a:r>
+              <a:rPr lang="pl-PL" sz="1600" dirty="0">
+                <a:hlinkClick r:id="rId2"/>
+              </a:rPr>
+              <a:t>https://devblogs.microsoft.com/cesardelatorre/what-is-ml-net-1-0-machine-learning-for-net</a:t>
+            </a:r>
+            <a:r>
+              <a:rPr lang="pl-PL" sz="1600" dirty="0" smtClean="0">
+                <a:hlinkClick r:id="rId2"/>
+              </a:rPr>
+              <a:t>/</a:t>
+            </a:r>
+            <a:endParaRPr lang="pl-PL" sz="1600" dirty="0" smtClean="0"/>
+          </a:p>
+        </p:txBody>
+      </p:sp>
+    </p:spTree>
+    <p:extLst>
+      <p:ext uri="{BB962C8B-B14F-4D97-AF65-F5344CB8AC3E}">
+        <p14:creationId xmlns:p14="http://schemas.microsoft.com/office/powerpoint/2010/main" val="2555863820"/>
+      </p:ext>
+    </p:extLst>
+  </p:cSld>
+  <p:clrMapOvr>
+    <a:masterClrMapping/>
+  </p:clrMapOvr>
+  <p:timing>
+    <p:tnLst>
+      <p:par>
+        <p:cTn id="1" dur="indefinite" restart="never" nodeType="tmRoot"/>
+      </p:par>
+    </p:tnLst>
+  </p:timing>
+</p:sld>
+</file>
+
+<file path=ppt/slides/slide32.xml><?xml version="1.0" encoding="utf-8"?>
+<p:sld xmlns:a="http://schemas.openxmlformats.org/drawingml/2006/main" xmlns:r="http://schemas.openxmlformats.org/officeDocument/2006/relationships" xmlns:p="http://schemas.openxmlformats.org/presentationml/2006/main">
+  <p:cSld>
+    <p:spTree>
+      <p:nvGrpSpPr>
+        <p:cNvPr id="1" name=""/>
+        <p:cNvGrpSpPr/>
+        <p:nvPr/>
+      </p:nvGrpSpPr>
+      <p:grpSpPr>
+        <a:xfrm>
+          <a:off x="0" y="0"/>
+          <a:ext cx="0" cy="0"/>
+          <a:chOff x="0" y="0"/>
+          <a:chExt cx="0" cy="0"/>
+        </a:xfrm>
+      </p:grpSpPr>
+      <p:sp>
+        <p:nvSpPr>
+          <p:cNvPr id="2" name="Tytuł 1"/>
+          <p:cNvSpPr>
+            <a:spLocks noGrp="1"/>
+          </p:cNvSpPr>
+          <p:nvPr>
+            <p:ph type="title"/>
+          </p:nvPr>
+        </p:nvSpPr>
+        <p:spPr/>
+        <p:txBody>
+          <a:bodyPr/>
+          <a:lstStyle/>
+          <a:p>
+            <a:r>
+              <a:rPr lang="pl-PL" dirty="0" smtClean="0"/>
+              <a:t>ML.NET CLI </a:t>
+            </a:r>
+            <a:r>
+              <a:rPr lang="pl-PL" dirty="0" err="1" smtClean="0"/>
+              <a:t>Limits</a:t>
+            </a:r>
+            <a:endParaRPr lang="en-US" dirty="0"/>
+          </a:p>
+        </p:txBody>
+      </p:sp>
+      <p:sp>
+        <p:nvSpPr>
+          <p:cNvPr id="3" name="Symbol zastępczy zawartości 2"/>
+          <p:cNvSpPr>
+            <a:spLocks noGrp="1"/>
+          </p:cNvSpPr>
+          <p:nvPr>
+            <p:ph idx="1"/>
+          </p:nvPr>
+        </p:nvSpPr>
+        <p:spPr/>
+        <p:txBody>
+          <a:bodyPr/>
+          <a:lstStyle/>
+          <a:p>
+            <a:endParaRPr lang="en-US" dirty="0"/>
+          </a:p>
+        </p:txBody>
+      </p:sp>
+    </p:spTree>
+    <p:extLst>
+      <p:ext uri="{BB962C8B-B14F-4D97-AF65-F5344CB8AC3E}">
+        <p14:creationId xmlns:p14="http://schemas.microsoft.com/office/powerpoint/2010/main" val="4166325914"/>
+      </p:ext>
+    </p:extLst>
+  </p:cSld>
+  <p:clrMapOvr>
+    <a:masterClrMapping/>
+  </p:clrMapOvr>
+  <p:timing>
+    <p:tnLst>
+      <p:par>
+        <p:cTn id="1" dur="indefinite" restart="never" nodeType="tmRoot"/>
+      </p:par>
+    </p:tnLst>
+  </p:timing>
+</p:sld>
+</file>
+
+<file path=ppt/slides/slide33.xml><?xml version="1.0" encoding="utf-8"?>
+<p:sld xmlns:a="http://schemas.openxmlformats.org/drawingml/2006/main" xmlns:r="http://schemas.openxmlformats.org/officeDocument/2006/relationships" xmlns:p="http://schemas.openxmlformats.org/presentationml/2006/main">
+  <p:cSld>
+    <p:spTree>
+      <p:nvGrpSpPr>
+        <p:cNvPr id="1" name=""/>
+        <p:cNvGrpSpPr/>
+        <p:nvPr/>
+      </p:nvGrpSpPr>
+      <p:grpSpPr>
+        <a:xfrm>
+          <a:off x="0" y="0"/>
+          <a:ext cx="0" cy="0"/>
+          <a:chOff x="0" y="0"/>
+          <a:chExt cx="0" cy="0"/>
+        </a:xfrm>
+      </p:grpSpPr>
+      <p:sp>
+        <p:nvSpPr>
+          <p:cNvPr id="2" name="Tytuł 1"/>
+          <p:cNvSpPr>
+            <a:spLocks noGrp="1"/>
+          </p:cNvSpPr>
+          <p:nvPr>
+            <p:ph type="title"/>
+          </p:nvPr>
+        </p:nvSpPr>
         <p:spPr/>
         <p:txBody>
           <a:bodyPr>
@@ -10329,7 +11083,7 @@
 </p:sld>
 </file>
 
-<file path=ppt/slides/slide32.xml><?xml version="1.0" encoding="utf-8"?>
+<file path=ppt/slides/slide34.xml><?xml version="1.0" encoding="utf-8"?>
 <p:sld xmlns:a="http://schemas.openxmlformats.org/drawingml/2006/main" xmlns:r="http://schemas.openxmlformats.org/officeDocument/2006/relationships" xmlns:p="http://schemas.openxmlformats.org/presentationml/2006/main">
   <p:cSld>
     <p:spTree>
@@ -10467,7 +11221,7 @@
 </p:sld>
 </file>
 
-<file path=ppt/slides/slide33.xml><?xml version="1.0" encoding="utf-8"?>
+<file path=ppt/slides/slide35.xml><?xml version="1.0" encoding="utf-8"?>
 <p:sld xmlns:a="http://schemas.openxmlformats.org/drawingml/2006/main" xmlns:r="http://schemas.openxmlformats.org/officeDocument/2006/relationships" xmlns:p="http://schemas.openxmlformats.org/presentationml/2006/main">
   <p:cSld>
     <p:spTree>
@@ -10612,7 +11366,7 @@
 </p:sld>
 </file>
 
-<file path=ppt/slides/slide34.xml><?xml version="1.0" encoding="utf-8"?>
+<file path=ppt/slides/slide36.xml><?xml version="1.0" encoding="utf-8"?>
 <p:sld xmlns:a="http://schemas.openxmlformats.org/drawingml/2006/main" xmlns:r="http://schemas.openxmlformats.org/officeDocument/2006/relationships" xmlns:p="http://schemas.openxmlformats.org/presentationml/2006/main">
   <p:cSld>
     <p:spTree>
@@ -10863,7 +11617,7 @@
 </p:sld>
 </file>
 
-<file path=ppt/slides/slide35.xml><?xml version="1.0" encoding="utf-8"?>
+<file path=ppt/slides/slide37.xml><?xml version="1.0" encoding="utf-8"?>
 <p:sld xmlns:a="http://schemas.openxmlformats.org/drawingml/2006/main" xmlns:r="http://schemas.openxmlformats.org/officeDocument/2006/relationships" xmlns:p="http://schemas.openxmlformats.org/presentationml/2006/main">
   <p:cSld>
     <p:spTree>
@@ -11030,7 +11784,7 @@
 </p:sld>
 </file>
 
-<file path=ppt/slides/slide36.xml><?xml version="1.0" encoding="utf-8"?>
+<file path=ppt/slides/slide38.xml><?xml version="1.0" encoding="utf-8"?>
 <p:sld xmlns:a="http://schemas.openxmlformats.org/drawingml/2006/main" xmlns:r="http://schemas.openxmlformats.org/officeDocument/2006/relationships" xmlns:p="http://schemas.openxmlformats.org/presentationml/2006/main">
   <p:cSld>
     <p:spTree>
@@ -11177,7 +11931,7 @@
 </p:sld>
 </file>
 
-<file path=ppt/slides/slide37.xml><?xml version="1.0" encoding="utf-8"?>
+<file path=ppt/slides/slide39.xml><?xml version="1.0" encoding="utf-8"?>
 <p:sld xmlns:a="http://schemas.openxmlformats.org/drawingml/2006/main" xmlns:r="http://schemas.openxmlformats.org/officeDocument/2006/relationships" xmlns:p="http://schemas.openxmlformats.org/presentationml/2006/main">
   <p:cSld>
     <p:spTree>
@@ -11534,479 +12288,6 @@
 </p:sld>
 </file>
 
-<file path=ppt/slides/slide38.xml><?xml version="1.0" encoding="utf-8"?>
-<p:sld xmlns:a="http://schemas.openxmlformats.org/drawingml/2006/main" xmlns:r="http://schemas.openxmlformats.org/officeDocument/2006/relationships" xmlns:p="http://schemas.openxmlformats.org/presentationml/2006/main">
-  <p:cSld>
-    <p:spTree>
-      <p:nvGrpSpPr>
-        <p:cNvPr id="1" name=""/>
-        <p:cNvGrpSpPr/>
-        <p:nvPr/>
-      </p:nvGrpSpPr>
-      <p:grpSpPr>
-        <a:xfrm>
-          <a:off x="0" y="0"/>
-          <a:ext cx="0" cy="0"/>
-          <a:chOff x="0" y="0"/>
-          <a:chExt cx="0" cy="0"/>
-        </a:xfrm>
-      </p:grpSpPr>
-      <p:sp>
-        <p:nvSpPr>
-          <p:cNvPr id="2" name="Tytuł 1"/>
-          <p:cNvSpPr>
-            <a:spLocks noGrp="1"/>
-          </p:cNvSpPr>
-          <p:nvPr>
-            <p:ph type="title"/>
-          </p:nvPr>
-        </p:nvSpPr>
-        <p:spPr/>
-        <p:txBody>
-          <a:bodyPr/>
-          <a:lstStyle/>
-          <a:p>
-            <a:r>
-              <a:rPr lang="pl-PL" dirty="0"/>
-              <a:t>ML.NET </a:t>
-            </a:r>
-            <a:r>
-              <a:rPr lang="pl-PL" dirty="0" err="1"/>
-              <a:t>building</a:t>
-            </a:r>
-            <a:r>
-              <a:rPr lang="pl-PL" dirty="0"/>
-              <a:t> REST API</a:t>
-            </a:r>
-            <a:endParaRPr lang="en-US" dirty="0"/>
-          </a:p>
-        </p:txBody>
-      </p:sp>
-      <p:sp>
-        <p:nvSpPr>
-          <p:cNvPr id="3" name="Symbol zastępczy zawartości 2"/>
-          <p:cNvSpPr>
-            <a:spLocks noGrp="1"/>
-          </p:cNvSpPr>
-          <p:nvPr>
-            <p:ph idx="1"/>
-          </p:nvPr>
-        </p:nvSpPr>
-        <p:spPr/>
-        <p:txBody>
-          <a:bodyPr/>
-          <a:lstStyle/>
-          <a:p>
-            <a:r>
-              <a:rPr lang="pl-PL" dirty="0" smtClean="0"/>
-              <a:t>Controller Class</a:t>
-            </a:r>
-          </a:p>
-          <a:p>
-            <a:endParaRPr lang="en-US" dirty="0"/>
-          </a:p>
-        </p:txBody>
-      </p:sp>
-      <p:pic>
-        <p:nvPicPr>
-          <p:cNvPr id="10243" name="Picture 3"/>
-          <p:cNvPicPr>
-            <a:picLocks noChangeAspect="1" noChangeArrowheads="1"/>
-          </p:cNvPicPr>
-          <p:nvPr/>
-        </p:nvPicPr>
-        <p:blipFill>
-          <a:blip r:embed="rId2">
-            <a:extLst>
-              <a:ext uri="{28A0092B-C50C-407E-A947-70E740481C1C}">
-                <a14:useLocalDpi xmlns:a14="http://schemas.microsoft.com/office/drawing/2010/main" val="0"/>
-              </a:ext>
-            </a:extLst>
-          </a:blip>
-          <a:srcRect/>
-          <a:stretch>
-            <a:fillRect/>
-          </a:stretch>
-        </p:blipFill>
-        <p:spPr bwMode="auto">
-          <a:xfrm>
-            <a:off x="683568" y="1052737"/>
-            <a:ext cx="6840760" cy="4454784"/>
-          </a:xfrm>
-          <a:prstGeom prst="rect">
-            <a:avLst/>
-          </a:prstGeom>
-          <a:noFill/>
-          <a:ln>
-            <a:noFill/>
-          </a:ln>
-          <a:extLst>
-            <a:ext uri="{909E8E84-426E-40DD-AFC4-6F175D3DCCD1}">
-              <a14:hiddenFill xmlns:a14="http://schemas.microsoft.com/office/drawing/2010/main">
-                <a:solidFill>
-                  <a:schemeClr val="accent1"/>
-                </a:solidFill>
-              </a14:hiddenFill>
-            </a:ext>
-            <a:ext uri="{91240B29-F687-4F45-9708-019B960494DF}">
-              <a14:hiddenLine xmlns:a14="http://schemas.microsoft.com/office/drawing/2010/main" w="9525">
-                <a:solidFill>
-                  <a:schemeClr val="tx1"/>
-                </a:solidFill>
-                <a:miter lim="800000"/>
-                <a:headEnd/>
-                <a:tailEnd/>
-              </a14:hiddenLine>
-            </a:ext>
-          </a:extLst>
-        </p:spPr>
-      </p:pic>
-    </p:spTree>
-    <p:extLst>
-      <p:ext uri="{BB962C8B-B14F-4D97-AF65-F5344CB8AC3E}">
-        <p14:creationId xmlns:p14="http://schemas.microsoft.com/office/powerpoint/2010/main" val="2265465969"/>
-      </p:ext>
-    </p:extLst>
-  </p:cSld>
-  <p:clrMapOvr>
-    <a:masterClrMapping/>
-  </p:clrMapOvr>
-</p:sld>
-</file>
-
-<file path=ppt/slides/slide39.xml><?xml version="1.0" encoding="utf-8"?>
-<p:sld xmlns:a="http://schemas.openxmlformats.org/drawingml/2006/main" xmlns:r="http://schemas.openxmlformats.org/officeDocument/2006/relationships" xmlns:p="http://schemas.openxmlformats.org/presentationml/2006/main">
-  <p:cSld>
-    <p:spTree>
-      <p:nvGrpSpPr>
-        <p:cNvPr id="1" name=""/>
-        <p:cNvGrpSpPr/>
-        <p:nvPr/>
-      </p:nvGrpSpPr>
-      <p:grpSpPr>
-        <a:xfrm>
-          <a:off x="0" y="0"/>
-          <a:ext cx="0" cy="0"/>
-          <a:chOff x="0" y="0"/>
-          <a:chExt cx="0" cy="0"/>
-        </a:xfrm>
-      </p:grpSpPr>
-      <p:sp>
-        <p:nvSpPr>
-          <p:cNvPr id="2" name="Tytuł 1"/>
-          <p:cNvSpPr>
-            <a:spLocks noGrp="1"/>
-          </p:cNvSpPr>
-          <p:nvPr>
-            <p:ph type="title"/>
-          </p:nvPr>
-        </p:nvSpPr>
-        <p:spPr>
-          <a:xfrm>
-            <a:off x="502920" y="5373216"/>
-            <a:ext cx="8183880" cy="661824"/>
-          </a:xfrm>
-        </p:spPr>
-        <p:txBody>
-          <a:bodyPr/>
-          <a:lstStyle/>
-          <a:p>
-            <a:r>
-              <a:rPr lang="pl-PL" dirty="0" smtClean="0"/>
-              <a:t>REST API  IN CONTAINER</a:t>
-            </a:r>
-            <a:endParaRPr lang="en-US" dirty="0"/>
-          </a:p>
-        </p:txBody>
-      </p:sp>
-      <p:sp>
-        <p:nvSpPr>
-          <p:cNvPr id="3" name="Symbol zastępczy zawartości 2"/>
-          <p:cNvSpPr>
-            <a:spLocks noGrp="1"/>
-          </p:cNvSpPr>
-          <p:nvPr>
-            <p:ph idx="1"/>
-          </p:nvPr>
-        </p:nvSpPr>
-        <p:spPr>
-          <a:xfrm>
-            <a:off x="502920" y="530352"/>
-            <a:ext cx="8183880" cy="4842864"/>
-          </a:xfrm>
-        </p:spPr>
-        <p:txBody>
-          <a:bodyPr>
-            <a:normAutofit fontScale="55000" lnSpcReduction="20000"/>
-          </a:bodyPr>
-          <a:lstStyle/>
-          <a:p>
-            <a:pPr marL="0" indent="0">
-              <a:buNone/>
-            </a:pPr>
-            <a:r>
-              <a:rPr lang="pl-PL" dirty="0" smtClean="0"/>
-              <a:t># </a:t>
-            </a:r>
-            <a:r>
-              <a:rPr lang="pl-PL" dirty="0" err="1" smtClean="0"/>
-              <a:t>Dockerfile</a:t>
-            </a:r>
-            <a:endParaRPr lang="pl-PL" dirty="0" smtClean="0"/>
-          </a:p>
-          <a:p>
-            <a:pPr marL="0" indent="0">
-              <a:buNone/>
-            </a:pPr>
-            <a:endParaRPr lang="pl-PL" dirty="0" smtClean="0"/>
-          </a:p>
-          <a:p>
-            <a:pPr marL="0" indent="0">
-              <a:buNone/>
-            </a:pPr>
-            <a:r>
-              <a:rPr lang="en-US" dirty="0" smtClean="0"/>
-              <a:t># </a:t>
-            </a:r>
-            <a:r>
-              <a:rPr lang="en-US" dirty="0"/>
-              <a:t>building image</a:t>
-            </a:r>
-          </a:p>
-          <a:p>
-            <a:pPr marL="0" indent="0">
-              <a:buNone/>
-            </a:pPr>
-            <a:r>
-              <a:rPr lang="en-US" dirty="0"/>
-              <a:t>FROM mcr.microsoft.com/</a:t>
-            </a:r>
-            <a:r>
-              <a:rPr lang="en-US" dirty="0" err="1"/>
-              <a:t>dotnet</a:t>
-            </a:r>
-            <a:r>
-              <a:rPr lang="en-US" dirty="0"/>
-              <a:t>/core/sdk:2.1 AS build-</a:t>
-            </a:r>
-            <a:r>
-              <a:rPr lang="en-US" dirty="0" err="1"/>
-              <a:t>env</a:t>
-            </a:r>
-            <a:endParaRPr lang="en-US" dirty="0"/>
-          </a:p>
-          <a:p>
-            <a:pPr marL="0" indent="0">
-              <a:buNone/>
-            </a:pPr>
-            <a:r>
-              <a:rPr lang="en-US" dirty="0"/>
-              <a:t>WORKDIR /app</a:t>
-            </a:r>
-          </a:p>
-          <a:p>
-            <a:pPr marL="0" indent="0">
-              <a:buNone/>
-            </a:pPr>
-            <a:r>
-              <a:rPr lang="en-US" dirty="0"/>
-              <a:t/>
-            </a:r>
-            <a:br>
-              <a:rPr lang="en-US" dirty="0"/>
-            </a:br>
-            <a:r>
-              <a:rPr lang="en-US" dirty="0"/>
-              <a:t># Copy </a:t>
-            </a:r>
-            <a:r>
-              <a:rPr lang="en-US" dirty="0" err="1"/>
-              <a:t>csproj</a:t>
-            </a:r>
-            <a:r>
-              <a:rPr lang="en-US" dirty="0"/>
-              <a:t> and restore as distinct layers</a:t>
-            </a:r>
-          </a:p>
-          <a:p>
-            <a:pPr marL="0" indent="0">
-              <a:buNone/>
-            </a:pPr>
-            <a:r>
-              <a:rPr lang="en-US" dirty="0"/>
-              <a:t>COPY *.</a:t>
-            </a:r>
-            <a:r>
-              <a:rPr lang="en-US" dirty="0" err="1"/>
-              <a:t>csproj</a:t>
-            </a:r>
-            <a:r>
-              <a:rPr lang="en-US" dirty="0"/>
-              <a:t> ./</a:t>
-            </a:r>
-          </a:p>
-          <a:p>
-            <a:pPr marL="0" indent="0">
-              <a:buNone/>
-            </a:pPr>
-            <a:r>
-              <a:rPr lang="en-US" dirty="0"/>
-              <a:t>RUN </a:t>
-            </a:r>
-            <a:r>
-              <a:rPr lang="en-US" dirty="0" err="1"/>
-              <a:t>dotnet</a:t>
-            </a:r>
-            <a:r>
-              <a:rPr lang="en-US" dirty="0"/>
-              <a:t> restore</a:t>
-            </a:r>
-          </a:p>
-          <a:p>
-            <a:pPr marL="0" indent="0">
-              <a:buNone/>
-            </a:pPr>
-            <a:r>
-              <a:rPr lang="en-US" dirty="0"/>
-              <a:t/>
-            </a:r>
-            <a:br>
-              <a:rPr lang="en-US" dirty="0"/>
-            </a:br>
-            <a:r>
-              <a:rPr lang="en-US" dirty="0"/>
-              <a:t># Copy everything else and build</a:t>
-            </a:r>
-          </a:p>
-          <a:p>
-            <a:pPr marL="0" indent="0">
-              <a:buNone/>
-            </a:pPr>
-            <a:r>
-              <a:rPr lang="en-US" dirty="0"/>
-              <a:t>COPY . ./</a:t>
-            </a:r>
-          </a:p>
-          <a:p>
-            <a:pPr marL="0" indent="0">
-              <a:buNone/>
-            </a:pPr>
-            <a:r>
-              <a:rPr lang="en-US" dirty="0"/>
-              <a:t>RUN </a:t>
-            </a:r>
-            <a:r>
-              <a:rPr lang="en-US" dirty="0" err="1"/>
-              <a:t>dotnet</a:t>
-            </a:r>
-            <a:r>
-              <a:rPr lang="en-US" dirty="0"/>
-              <a:t> publish -c Release -o out</a:t>
-            </a:r>
-          </a:p>
-          <a:p>
-            <a:pPr marL="0" indent="0">
-              <a:buNone/>
-            </a:pPr>
-            <a:r>
-              <a:rPr lang="en-US" dirty="0"/>
-              <a:t/>
-            </a:r>
-            <a:br>
-              <a:rPr lang="en-US" dirty="0"/>
-            </a:br>
-            <a:r>
-              <a:rPr lang="en-US" dirty="0"/>
-              <a:t># Build runtime image</a:t>
-            </a:r>
-          </a:p>
-          <a:p>
-            <a:pPr marL="0" indent="0">
-              <a:buNone/>
-            </a:pPr>
-            <a:r>
-              <a:rPr lang="en-US" dirty="0"/>
-              <a:t>FROM mcr.microsoft.com/</a:t>
-            </a:r>
-            <a:r>
-              <a:rPr lang="en-US" dirty="0" err="1"/>
-              <a:t>dotnet</a:t>
-            </a:r>
-            <a:r>
-              <a:rPr lang="en-US" dirty="0"/>
-              <a:t>/core/aspnet:2.1</a:t>
-            </a:r>
-          </a:p>
-          <a:p>
-            <a:pPr marL="0" indent="0">
-              <a:buNone/>
-            </a:pPr>
-            <a:r>
-              <a:rPr lang="en-US" dirty="0"/>
-              <a:t>WORKDIR /app</a:t>
-            </a:r>
-          </a:p>
-          <a:p>
-            <a:pPr marL="0" indent="0">
-              <a:buNone/>
-            </a:pPr>
-            <a:r>
-              <a:rPr lang="en-US" dirty="0"/>
-              <a:t>COPY --from=build-</a:t>
-            </a:r>
-            <a:r>
-              <a:rPr lang="en-US" dirty="0" err="1"/>
-              <a:t>env</a:t>
-            </a:r>
-            <a:r>
-              <a:rPr lang="en-US" dirty="0"/>
-              <a:t> /app/out .</a:t>
-            </a:r>
-          </a:p>
-          <a:p>
-            <a:pPr marL="0" indent="0">
-              <a:buNone/>
-            </a:pPr>
-            <a:r>
-              <a:rPr lang="en-US" b="1" dirty="0"/>
-              <a:t>COPY model/model.zip model/</a:t>
-            </a:r>
-          </a:p>
-          <a:p>
-            <a:pPr marL="0" indent="0">
-              <a:buNone/>
-            </a:pPr>
-            <a:r>
-              <a:rPr lang="en-US" dirty="0"/>
-              <a:t>ENTRYPOINT ["</a:t>
-            </a:r>
-            <a:r>
-              <a:rPr lang="en-US" dirty="0" err="1"/>
-              <a:t>dotnet</a:t>
-            </a:r>
-            <a:r>
-              <a:rPr lang="en-US" dirty="0"/>
-              <a:t>", "ml-net-webapi-test.dll"]</a:t>
-            </a:r>
-          </a:p>
-          <a:p>
-            <a:endParaRPr lang="en-US" dirty="0"/>
-          </a:p>
-        </p:txBody>
-      </p:sp>
-    </p:spTree>
-    <p:extLst>
-      <p:ext uri="{BB962C8B-B14F-4D97-AF65-F5344CB8AC3E}">
-        <p14:creationId xmlns:p14="http://schemas.microsoft.com/office/powerpoint/2010/main" val="2030720384"/>
-      </p:ext>
-    </p:extLst>
-  </p:cSld>
-  <p:clrMapOvr>
-    <a:masterClrMapping/>
-  </p:clrMapOvr>
-</p:sld>
-</file>
-
 <file path=ppt/slides/slide4.xml><?xml version="1.0" encoding="utf-8"?>
 <p:sld xmlns:a="http://schemas.openxmlformats.org/drawingml/2006/main" xmlns:r="http://schemas.openxmlformats.org/officeDocument/2006/relationships" xmlns:p="http://schemas.openxmlformats.org/presentationml/2006/main">
   <p:cSld>
@@ -12238,6 +12519,479 @@
           <a:bodyPr/>
           <a:lstStyle/>
           <a:p>
+            <a:r>
+              <a:rPr lang="pl-PL" dirty="0" smtClean="0"/>
+              <a:t>Controller Class</a:t>
+            </a:r>
+          </a:p>
+          <a:p>
+            <a:endParaRPr lang="en-US" dirty="0"/>
+          </a:p>
+        </p:txBody>
+      </p:sp>
+      <p:pic>
+        <p:nvPicPr>
+          <p:cNvPr id="10243" name="Picture 3"/>
+          <p:cNvPicPr>
+            <a:picLocks noChangeAspect="1" noChangeArrowheads="1"/>
+          </p:cNvPicPr>
+          <p:nvPr/>
+        </p:nvPicPr>
+        <p:blipFill>
+          <a:blip r:embed="rId2">
+            <a:extLst>
+              <a:ext uri="{28A0092B-C50C-407E-A947-70E740481C1C}">
+                <a14:useLocalDpi xmlns:a14="http://schemas.microsoft.com/office/drawing/2010/main" val="0"/>
+              </a:ext>
+            </a:extLst>
+          </a:blip>
+          <a:srcRect/>
+          <a:stretch>
+            <a:fillRect/>
+          </a:stretch>
+        </p:blipFill>
+        <p:spPr bwMode="auto">
+          <a:xfrm>
+            <a:off x="683568" y="1052737"/>
+            <a:ext cx="6840760" cy="4454784"/>
+          </a:xfrm>
+          <a:prstGeom prst="rect">
+            <a:avLst/>
+          </a:prstGeom>
+          <a:noFill/>
+          <a:ln>
+            <a:noFill/>
+          </a:ln>
+          <a:extLst>
+            <a:ext uri="{909E8E84-426E-40DD-AFC4-6F175D3DCCD1}">
+              <a14:hiddenFill xmlns:a14="http://schemas.microsoft.com/office/drawing/2010/main">
+                <a:solidFill>
+                  <a:schemeClr val="accent1"/>
+                </a:solidFill>
+              </a14:hiddenFill>
+            </a:ext>
+            <a:ext uri="{91240B29-F687-4F45-9708-019B960494DF}">
+              <a14:hiddenLine xmlns:a14="http://schemas.microsoft.com/office/drawing/2010/main" w="9525">
+                <a:solidFill>
+                  <a:schemeClr val="tx1"/>
+                </a:solidFill>
+                <a:miter lim="800000"/>
+                <a:headEnd/>
+                <a:tailEnd/>
+              </a14:hiddenLine>
+            </a:ext>
+          </a:extLst>
+        </p:spPr>
+      </p:pic>
+    </p:spTree>
+    <p:extLst>
+      <p:ext uri="{BB962C8B-B14F-4D97-AF65-F5344CB8AC3E}">
+        <p14:creationId xmlns:p14="http://schemas.microsoft.com/office/powerpoint/2010/main" val="2265465969"/>
+      </p:ext>
+    </p:extLst>
+  </p:cSld>
+  <p:clrMapOvr>
+    <a:masterClrMapping/>
+  </p:clrMapOvr>
+</p:sld>
+</file>
+
+<file path=ppt/slides/slide41.xml><?xml version="1.0" encoding="utf-8"?>
+<p:sld xmlns:a="http://schemas.openxmlformats.org/drawingml/2006/main" xmlns:r="http://schemas.openxmlformats.org/officeDocument/2006/relationships" xmlns:p="http://schemas.openxmlformats.org/presentationml/2006/main">
+  <p:cSld>
+    <p:spTree>
+      <p:nvGrpSpPr>
+        <p:cNvPr id="1" name=""/>
+        <p:cNvGrpSpPr/>
+        <p:nvPr/>
+      </p:nvGrpSpPr>
+      <p:grpSpPr>
+        <a:xfrm>
+          <a:off x="0" y="0"/>
+          <a:ext cx="0" cy="0"/>
+          <a:chOff x="0" y="0"/>
+          <a:chExt cx="0" cy="0"/>
+        </a:xfrm>
+      </p:grpSpPr>
+      <p:sp>
+        <p:nvSpPr>
+          <p:cNvPr id="2" name="Tytuł 1"/>
+          <p:cNvSpPr>
+            <a:spLocks noGrp="1"/>
+          </p:cNvSpPr>
+          <p:nvPr>
+            <p:ph type="title"/>
+          </p:nvPr>
+        </p:nvSpPr>
+        <p:spPr>
+          <a:xfrm>
+            <a:off x="502920" y="5373216"/>
+            <a:ext cx="8183880" cy="661824"/>
+          </a:xfrm>
+        </p:spPr>
+        <p:txBody>
+          <a:bodyPr/>
+          <a:lstStyle/>
+          <a:p>
+            <a:r>
+              <a:rPr lang="pl-PL" dirty="0" smtClean="0"/>
+              <a:t>REST API  IN CONTAINER</a:t>
+            </a:r>
+            <a:endParaRPr lang="en-US" dirty="0"/>
+          </a:p>
+        </p:txBody>
+      </p:sp>
+      <p:sp>
+        <p:nvSpPr>
+          <p:cNvPr id="3" name="Symbol zastępczy zawartości 2"/>
+          <p:cNvSpPr>
+            <a:spLocks noGrp="1"/>
+          </p:cNvSpPr>
+          <p:nvPr>
+            <p:ph idx="1"/>
+          </p:nvPr>
+        </p:nvSpPr>
+        <p:spPr>
+          <a:xfrm>
+            <a:off x="502920" y="530352"/>
+            <a:ext cx="8183880" cy="4842864"/>
+          </a:xfrm>
+        </p:spPr>
+        <p:txBody>
+          <a:bodyPr>
+            <a:normAutofit fontScale="55000" lnSpcReduction="20000"/>
+          </a:bodyPr>
+          <a:lstStyle/>
+          <a:p>
+            <a:pPr marL="0" indent="0">
+              <a:buNone/>
+            </a:pPr>
+            <a:r>
+              <a:rPr lang="pl-PL" dirty="0" smtClean="0"/>
+              <a:t># </a:t>
+            </a:r>
+            <a:r>
+              <a:rPr lang="pl-PL" dirty="0" err="1" smtClean="0"/>
+              <a:t>Dockerfile</a:t>
+            </a:r>
+            <a:endParaRPr lang="pl-PL" dirty="0" smtClean="0"/>
+          </a:p>
+          <a:p>
+            <a:pPr marL="0" indent="0">
+              <a:buNone/>
+            </a:pPr>
+            <a:endParaRPr lang="pl-PL" dirty="0" smtClean="0"/>
+          </a:p>
+          <a:p>
+            <a:pPr marL="0" indent="0">
+              <a:buNone/>
+            </a:pPr>
+            <a:r>
+              <a:rPr lang="en-US" dirty="0" smtClean="0"/>
+              <a:t># </a:t>
+            </a:r>
+            <a:r>
+              <a:rPr lang="en-US" dirty="0"/>
+              <a:t>building image</a:t>
+            </a:r>
+          </a:p>
+          <a:p>
+            <a:pPr marL="0" indent="0">
+              <a:buNone/>
+            </a:pPr>
+            <a:r>
+              <a:rPr lang="en-US" dirty="0"/>
+              <a:t>FROM mcr.microsoft.com/</a:t>
+            </a:r>
+            <a:r>
+              <a:rPr lang="en-US" dirty="0" err="1"/>
+              <a:t>dotnet</a:t>
+            </a:r>
+            <a:r>
+              <a:rPr lang="en-US" dirty="0"/>
+              <a:t>/core/sdk:2.1 AS build-</a:t>
+            </a:r>
+            <a:r>
+              <a:rPr lang="en-US" dirty="0" err="1"/>
+              <a:t>env</a:t>
+            </a:r>
+            <a:endParaRPr lang="en-US" dirty="0"/>
+          </a:p>
+          <a:p>
+            <a:pPr marL="0" indent="0">
+              <a:buNone/>
+            </a:pPr>
+            <a:r>
+              <a:rPr lang="en-US" dirty="0"/>
+              <a:t>WORKDIR /app</a:t>
+            </a:r>
+          </a:p>
+          <a:p>
+            <a:pPr marL="0" indent="0">
+              <a:buNone/>
+            </a:pPr>
+            <a:r>
+              <a:rPr lang="en-US" dirty="0"/>
+              <a:t/>
+            </a:r>
+            <a:br>
+              <a:rPr lang="en-US" dirty="0"/>
+            </a:br>
+            <a:r>
+              <a:rPr lang="en-US" dirty="0"/>
+              <a:t># Copy </a:t>
+            </a:r>
+            <a:r>
+              <a:rPr lang="en-US" dirty="0" err="1"/>
+              <a:t>csproj</a:t>
+            </a:r>
+            <a:r>
+              <a:rPr lang="en-US" dirty="0"/>
+              <a:t> and restore as distinct layers</a:t>
+            </a:r>
+          </a:p>
+          <a:p>
+            <a:pPr marL="0" indent="0">
+              <a:buNone/>
+            </a:pPr>
+            <a:r>
+              <a:rPr lang="en-US" dirty="0"/>
+              <a:t>COPY *.</a:t>
+            </a:r>
+            <a:r>
+              <a:rPr lang="en-US" dirty="0" err="1"/>
+              <a:t>csproj</a:t>
+            </a:r>
+            <a:r>
+              <a:rPr lang="en-US" dirty="0"/>
+              <a:t> ./</a:t>
+            </a:r>
+          </a:p>
+          <a:p>
+            <a:pPr marL="0" indent="0">
+              <a:buNone/>
+            </a:pPr>
+            <a:r>
+              <a:rPr lang="en-US" dirty="0"/>
+              <a:t>RUN </a:t>
+            </a:r>
+            <a:r>
+              <a:rPr lang="en-US" dirty="0" err="1"/>
+              <a:t>dotnet</a:t>
+            </a:r>
+            <a:r>
+              <a:rPr lang="en-US" dirty="0"/>
+              <a:t> restore</a:t>
+            </a:r>
+          </a:p>
+          <a:p>
+            <a:pPr marL="0" indent="0">
+              <a:buNone/>
+            </a:pPr>
+            <a:r>
+              <a:rPr lang="en-US" dirty="0"/>
+              <a:t/>
+            </a:r>
+            <a:br>
+              <a:rPr lang="en-US" dirty="0"/>
+            </a:br>
+            <a:r>
+              <a:rPr lang="en-US" dirty="0"/>
+              <a:t># Copy everything else and build</a:t>
+            </a:r>
+          </a:p>
+          <a:p>
+            <a:pPr marL="0" indent="0">
+              <a:buNone/>
+            </a:pPr>
+            <a:r>
+              <a:rPr lang="en-US" dirty="0"/>
+              <a:t>COPY . ./</a:t>
+            </a:r>
+          </a:p>
+          <a:p>
+            <a:pPr marL="0" indent="0">
+              <a:buNone/>
+            </a:pPr>
+            <a:r>
+              <a:rPr lang="en-US" dirty="0"/>
+              <a:t>RUN </a:t>
+            </a:r>
+            <a:r>
+              <a:rPr lang="en-US" dirty="0" err="1"/>
+              <a:t>dotnet</a:t>
+            </a:r>
+            <a:r>
+              <a:rPr lang="en-US" dirty="0"/>
+              <a:t> publish -c Release -o out</a:t>
+            </a:r>
+          </a:p>
+          <a:p>
+            <a:pPr marL="0" indent="0">
+              <a:buNone/>
+            </a:pPr>
+            <a:r>
+              <a:rPr lang="en-US" dirty="0"/>
+              <a:t/>
+            </a:r>
+            <a:br>
+              <a:rPr lang="en-US" dirty="0"/>
+            </a:br>
+            <a:r>
+              <a:rPr lang="en-US" dirty="0"/>
+              <a:t># Build runtime image</a:t>
+            </a:r>
+          </a:p>
+          <a:p>
+            <a:pPr marL="0" indent="0">
+              <a:buNone/>
+            </a:pPr>
+            <a:r>
+              <a:rPr lang="en-US" dirty="0"/>
+              <a:t>FROM mcr.microsoft.com/</a:t>
+            </a:r>
+            <a:r>
+              <a:rPr lang="en-US" dirty="0" err="1"/>
+              <a:t>dotnet</a:t>
+            </a:r>
+            <a:r>
+              <a:rPr lang="en-US" dirty="0"/>
+              <a:t>/core/aspnet:2.1</a:t>
+            </a:r>
+          </a:p>
+          <a:p>
+            <a:pPr marL="0" indent="0">
+              <a:buNone/>
+            </a:pPr>
+            <a:r>
+              <a:rPr lang="en-US" dirty="0"/>
+              <a:t>WORKDIR /app</a:t>
+            </a:r>
+          </a:p>
+          <a:p>
+            <a:pPr marL="0" indent="0">
+              <a:buNone/>
+            </a:pPr>
+            <a:r>
+              <a:rPr lang="en-US" dirty="0"/>
+              <a:t>COPY --from=build-</a:t>
+            </a:r>
+            <a:r>
+              <a:rPr lang="en-US" dirty="0" err="1"/>
+              <a:t>env</a:t>
+            </a:r>
+            <a:r>
+              <a:rPr lang="en-US" dirty="0"/>
+              <a:t> /app/out .</a:t>
+            </a:r>
+          </a:p>
+          <a:p>
+            <a:pPr marL="0" indent="0">
+              <a:buNone/>
+            </a:pPr>
+            <a:r>
+              <a:rPr lang="en-US" b="1" dirty="0"/>
+              <a:t>COPY model/model.zip model/</a:t>
+            </a:r>
+          </a:p>
+          <a:p>
+            <a:pPr marL="0" indent="0">
+              <a:buNone/>
+            </a:pPr>
+            <a:r>
+              <a:rPr lang="en-US" dirty="0"/>
+              <a:t>ENTRYPOINT ["</a:t>
+            </a:r>
+            <a:r>
+              <a:rPr lang="en-US" dirty="0" err="1"/>
+              <a:t>dotnet</a:t>
+            </a:r>
+            <a:r>
+              <a:rPr lang="en-US" dirty="0"/>
+              <a:t>", "ml-net-webapi-test.dll"]</a:t>
+            </a:r>
+          </a:p>
+          <a:p>
+            <a:endParaRPr lang="en-US" dirty="0"/>
+          </a:p>
+        </p:txBody>
+      </p:sp>
+    </p:spTree>
+    <p:extLst>
+      <p:ext uri="{BB962C8B-B14F-4D97-AF65-F5344CB8AC3E}">
+        <p14:creationId xmlns:p14="http://schemas.microsoft.com/office/powerpoint/2010/main" val="2030720384"/>
+      </p:ext>
+    </p:extLst>
+  </p:cSld>
+  <p:clrMapOvr>
+    <a:masterClrMapping/>
+  </p:clrMapOvr>
+</p:sld>
+</file>
+
+<file path=ppt/slides/slide42.xml><?xml version="1.0" encoding="utf-8"?>
+<p:sld xmlns:a="http://schemas.openxmlformats.org/drawingml/2006/main" xmlns:r="http://schemas.openxmlformats.org/officeDocument/2006/relationships" xmlns:p="http://schemas.openxmlformats.org/presentationml/2006/main">
+  <p:cSld>
+    <p:spTree>
+      <p:nvGrpSpPr>
+        <p:cNvPr id="1" name=""/>
+        <p:cNvGrpSpPr/>
+        <p:nvPr/>
+      </p:nvGrpSpPr>
+      <p:grpSpPr>
+        <a:xfrm>
+          <a:off x="0" y="0"/>
+          <a:ext cx="0" cy="0"/>
+          <a:chOff x="0" y="0"/>
+          <a:chExt cx="0" cy="0"/>
+        </a:xfrm>
+      </p:grpSpPr>
+      <p:sp>
+        <p:nvSpPr>
+          <p:cNvPr id="2" name="Tytuł 1"/>
+          <p:cNvSpPr>
+            <a:spLocks noGrp="1"/>
+          </p:cNvSpPr>
+          <p:nvPr>
+            <p:ph type="title"/>
+          </p:nvPr>
+        </p:nvSpPr>
+        <p:spPr/>
+        <p:txBody>
+          <a:bodyPr/>
+          <a:lstStyle/>
+          <a:p>
+            <a:r>
+              <a:rPr lang="pl-PL" dirty="0"/>
+              <a:t>ML.NET </a:t>
+            </a:r>
+            <a:r>
+              <a:rPr lang="pl-PL" dirty="0" err="1"/>
+              <a:t>building</a:t>
+            </a:r>
+            <a:r>
+              <a:rPr lang="pl-PL" dirty="0"/>
+              <a:t> REST API</a:t>
+            </a:r>
+            <a:endParaRPr lang="en-US" dirty="0"/>
+          </a:p>
+        </p:txBody>
+      </p:sp>
+      <p:sp>
+        <p:nvSpPr>
+          <p:cNvPr id="3" name="Symbol zastępczy zawartości 2"/>
+          <p:cNvSpPr>
+            <a:spLocks noGrp="1"/>
+          </p:cNvSpPr>
+          <p:nvPr>
+            <p:ph idx="1"/>
+          </p:nvPr>
+        </p:nvSpPr>
+        <p:spPr/>
+        <p:txBody>
+          <a:bodyPr/>
+          <a:lstStyle/>
+          <a:p>
             <a:pPr marL="0" indent="0">
               <a:buNone/>
             </a:pPr>
@@ -12288,7 +13042,7 @@
 </p:sld>
 </file>
 
-<file path=ppt/slides/slide41.xml><?xml version="1.0" encoding="utf-8"?>
+<file path=ppt/slides/slide43.xml><?xml version="1.0" encoding="utf-8"?>
 <p:sld xmlns:a="http://schemas.openxmlformats.org/drawingml/2006/main" xmlns:r="http://schemas.openxmlformats.org/officeDocument/2006/relationships" xmlns:p="http://schemas.openxmlformats.org/presentationml/2006/main">
   <p:cSld>
     <p:spTree>
@@ -12427,7 +13181,7 @@
 </p:sld>
 </file>
 
-<file path=ppt/slides/slide42.xml><?xml version="1.0" encoding="utf-8"?>
+<file path=ppt/slides/slide44.xml><?xml version="1.0" encoding="utf-8"?>
 <p:sld xmlns:a="http://schemas.openxmlformats.org/drawingml/2006/main" xmlns:r="http://schemas.openxmlformats.org/officeDocument/2006/relationships" xmlns:p="http://schemas.openxmlformats.org/presentationml/2006/main">
   <p:cSld>
     <p:spTree>
@@ -12615,7 +13369,7 @@
               <a:t>p</a:t>
             </a:r>
             <a:r>
-              <a:rPr lang="pl-PL" smtClean="0"/>
+              <a:rPr lang="pl-PL" dirty="0" err="1" smtClean="0"/>
               <a:t>ython</a:t>
             </a:r>
             <a:r>
@@ -12685,7 +13439,7 @@
 </p:sld>
 </file>
 
-<file path=ppt/slides/slide43.xml><?xml version="1.0" encoding="utf-8"?>
+<file path=ppt/slides/slide45.xml><?xml version="1.0" encoding="utf-8"?>
 <p:sld xmlns:a="http://schemas.openxmlformats.org/drawingml/2006/main" xmlns:r="http://schemas.openxmlformats.org/officeDocument/2006/relationships" xmlns:p="http://schemas.openxmlformats.org/presentationml/2006/main">
   <p:cSld>
     <p:spTree>

--- a/presentation/Machine learning in Azure without Python.pptx
+++ b/presentation/Machine learning in Azure without Python.pptx
@@ -5155,7 +5155,7 @@
         <p:spPr/>
         <p:txBody>
           <a:bodyPr>
-            <a:normAutofit fontScale="92500" lnSpcReduction="20000"/>
+            <a:normAutofit fontScale="92500"/>
           </a:bodyPr>
           <a:lstStyle/>
           <a:p>
@@ -5163,15 +5163,15 @@
               <a:buNone/>
             </a:pPr>
             <a:r>
-              <a:rPr lang="pl-PL" dirty="0" err="1"/>
+              <a:rPr lang="pl-PL" b="1" dirty="0" err="1"/>
               <a:t>L</a:t>
             </a:r>
             <a:r>
-              <a:rPr lang="pl-PL" dirty="0" err="1" smtClean="0"/>
+              <a:rPr lang="pl-PL" b="1" dirty="0" err="1" smtClean="0"/>
               <a:t>oad</a:t>
             </a:r>
             <a:r>
-              <a:rPr lang="pl-PL" dirty="0" smtClean="0"/>
+              <a:rPr lang="pl-PL" b="1" dirty="0" smtClean="0"/>
               <a:t> data</a:t>
             </a:r>
           </a:p>
@@ -5186,101 +5186,111 @@
               <a:buNone/>
             </a:pPr>
             <a:r>
-              <a:rPr lang="en-US" dirty="0" err="1"/>
+              <a:rPr lang="en-US" sz="2600" dirty="0" err="1"/>
               <a:t>MLContext</a:t>
             </a:r>
             <a:r>
-              <a:rPr lang="en-US" dirty="0"/>
+              <a:rPr lang="en-US" sz="2600" dirty="0"/>
               <a:t> </a:t>
             </a:r>
             <a:r>
-              <a:rPr lang="en-US" dirty="0" err="1"/>
+              <a:rPr lang="en-US" sz="2600" dirty="0" err="1"/>
               <a:t>mlContext</a:t>
             </a:r>
             <a:r>
-              <a:rPr lang="en-US" dirty="0"/>
+              <a:rPr lang="en-US" sz="2600" dirty="0"/>
               <a:t> = new </a:t>
             </a:r>
             <a:r>
-              <a:rPr lang="en-US" dirty="0" err="1" smtClean="0"/>
+              <a:rPr lang="en-US" sz="2600" dirty="0" err="1" smtClean="0"/>
               <a:t>MLContext</a:t>
             </a:r>
             <a:r>
-              <a:rPr lang="en-US" dirty="0" smtClean="0"/>
+              <a:rPr lang="en-US" sz="2600" dirty="0" smtClean="0"/>
               <a:t>();</a:t>
             </a:r>
-            <a:endParaRPr lang="en-US" dirty="0"/>
-          </a:p>
-          <a:p>
-            <a:pPr marL="0" indent="0">
-              <a:buNone/>
-            </a:pPr>
-            <a:endParaRPr lang="pl-PL" dirty="0"/>
-          </a:p>
-          <a:p>
-            <a:pPr marL="0" indent="0">
-              <a:buNone/>
-            </a:pPr>
-            <a:endParaRPr lang="pl-PL" dirty="0"/>
-          </a:p>
-          <a:p>
-            <a:pPr marL="0" indent="0">
-              <a:buNone/>
-            </a:pPr>
-            <a:r>
-              <a:rPr lang="en-US" dirty="0" err="1"/>
+            <a:endParaRPr lang="en-US" sz="2600" dirty="0"/>
+          </a:p>
+          <a:p>
+            <a:pPr marL="0" indent="0">
+              <a:buNone/>
+            </a:pPr>
+            <a:endParaRPr lang="pl-PL" sz="2600" dirty="0"/>
+          </a:p>
+          <a:p>
+            <a:pPr marL="0" indent="0">
+              <a:buNone/>
+            </a:pPr>
+            <a:endParaRPr lang="pl-PL" sz="2600" dirty="0"/>
+          </a:p>
+          <a:p>
+            <a:pPr marL="0" indent="0">
+              <a:buNone/>
+            </a:pPr>
+            <a:r>
+              <a:rPr lang="en-US" sz="2600" dirty="0" err="1"/>
               <a:t>IDataView</a:t>
             </a:r>
             <a:r>
-              <a:rPr lang="en-US" dirty="0"/>
+              <a:rPr lang="en-US" sz="2600" dirty="0"/>
               <a:t> </a:t>
             </a:r>
             <a:r>
-              <a:rPr lang="en-US" dirty="0" err="1"/>
+              <a:rPr lang="en-US" sz="2600" dirty="0" err="1"/>
               <a:t>dataView</a:t>
             </a:r>
             <a:r>
-              <a:rPr lang="en-US" dirty="0"/>
+              <a:rPr lang="en-US" sz="2600" dirty="0"/>
               <a:t> = </a:t>
             </a:r>
             <a:r>
-              <a:rPr lang="en-US" dirty="0" err="1"/>
+              <a:rPr lang="en-US" sz="2600" dirty="0" err="1"/>
               <a:t>mlContext.Data.LoadFromTextFile</a:t>
             </a:r>
             <a:r>
-              <a:rPr lang="en-US" dirty="0"/>
+              <a:rPr lang="en-US" sz="2600" dirty="0"/>
               <a:t>&lt;</a:t>
             </a:r>
             <a:r>
-              <a:rPr lang="en-US" dirty="0" err="1"/>
+              <a:rPr lang="en-US" sz="2600" dirty="0" err="1"/>
               <a:t>ModelInput</a:t>
             </a:r>
             <a:r>
-              <a:rPr lang="en-US" dirty="0"/>
-              <a:t>&gt;(</a:t>
-            </a:r>
-            <a:r>
-              <a:rPr lang="en-US" dirty="0" err="1"/>
+              <a:rPr lang="en-US" sz="2600" dirty="0" smtClean="0"/>
+              <a:t>&gt;</a:t>
+            </a:r>
+            <a:endParaRPr lang="pl-PL" sz="2600" dirty="0" smtClean="0"/>
+          </a:p>
+          <a:p>
+            <a:pPr marL="0" indent="0">
+              <a:buNone/>
+            </a:pPr>
+            <a:r>
+              <a:rPr lang="en-US" sz="2600" dirty="0" smtClean="0"/>
+              <a:t>(</a:t>
+            </a:r>
+            <a:r>
+              <a:rPr lang="en-US" sz="2600" dirty="0" err="1"/>
               <a:t>dataPath</a:t>
             </a:r>
             <a:r>
-              <a:rPr lang="en-US" dirty="0"/>
+              <a:rPr lang="en-US" sz="2600" dirty="0"/>
               <a:t>, </a:t>
             </a:r>
             <a:r>
-              <a:rPr lang="en-US" dirty="0" err="1"/>
+              <a:rPr lang="en-US" sz="2600" dirty="0" err="1"/>
               <a:t>hasHeader</a:t>
             </a:r>
             <a:r>
-              <a:rPr lang="en-US" dirty="0"/>
+              <a:rPr lang="en-US" sz="2600" dirty="0"/>
               <a:t>: true, </a:t>
             </a:r>
             <a:r>
-              <a:rPr lang="en-US" dirty="0" err="1"/>
+              <a:rPr lang="en-US" sz="2600" dirty="0" err="1"/>
               <a:t>separatorChar</a:t>
             </a:r>
             <a:r>
-              <a:rPr lang="en-US" dirty="0"/>
+              <a:rPr lang="en-US" sz="2600" dirty="0"/>
               <a:t>: ',');</a:t>
             </a:r>
           </a:p>
@@ -9404,13 +9414,21 @@
         <p:spPr/>
         <p:txBody>
           <a:bodyPr>
-            <a:normAutofit fontScale="90000"/>
+            <a:normAutofit/>
           </a:bodyPr>
           <a:lstStyle/>
           <a:p>
             <a:r>
               <a:rPr lang="pl-PL" dirty="0" smtClean="0"/>
-              <a:t>ML.NET PIPELINE CONSUME USE MODE</a:t>
+              <a:t>ML.NET PIPELINE </a:t>
+            </a:r>
+            <a:r>
+              <a:rPr lang="pl-PL" dirty="0" smtClean="0"/>
+              <a:t>USE </a:t>
+            </a:r>
+            <a:r>
+              <a:rPr lang="pl-PL" dirty="0" smtClean="0"/>
+              <a:t>MODE</a:t>
             </a:r>
             <a:endParaRPr lang="en-US" dirty="0"/>
           </a:p>
@@ -9522,13 +9540,25 @@
         <p:spPr/>
         <p:txBody>
           <a:bodyPr>
-            <a:normAutofit fontScale="90000"/>
+            <a:normAutofit/>
           </a:bodyPr>
           <a:lstStyle/>
           <a:p>
             <a:r>
               <a:rPr lang="pl-PL" dirty="0" smtClean="0"/>
-              <a:t>ML.NET PIPELINE BUILD MODEL</a:t>
+              <a:t>ML.NET PIPELINE </a:t>
+            </a:r>
+            <a:r>
+              <a:rPr lang="pl-PL" dirty="0" smtClean="0"/>
+              <a:t>USE</a:t>
+            </a:r>
+            <a:r>
+              <a:rPr lang="pl-PL" dirty="0" smtClean="0"/>
+              <a:t> </a:t>
+            </a:r>
+            <a:r>
+              <a:rPr lang="pl-PL" dirty="0" smtClean="0"/>
+              <a:t>MODEL</a:t>
             </a:r>
             <a:endParaRPr lang="en-US" dirty="0"/>
           </a:p>
@@ -9693,12 +9723,16 @@
               <a:t> </a:t>
             </a:r>
             <a:r>
-              <a:rPr lang="en-US" dirty="0" err="1"/>
-              <a:t>trainedModel</a:t>
+              <a:rPr lang="pl-PL" dirty="0" smtClean="0"/>
+              <a:t>model</a:t>
+            </a:r>
+            <a:r>
+              <a:rPr lang="en-US" dirty="0" smtClean="0"/>
+              <a:t> </a:t>
             </a:r>
             <a:r>
               <a:rPr lang="en-US" dirty="0"/>
-              <a:t> = </a:t>
+              <a:t>= </a:t>
             </a:r>
             <a:r>
               <a:rPr lang="en-US" dirty="0" err="1"/>
@@ -9769,13 +9803,17 @@
         <p:spPr/>
         <p:txBody>
           <a:bodyPr>
-            <a:normAutofit fontScale="90000"/>
+            <a:normAutofit/>
           </a:bodyPr>
           <a:lstStyle/>
           <a:p>
             <a:r>
               <a:rPr lang="pl-PL" dirty="0" smtClean="0"/>
-              <a:t>ML.NET PIPELINE BUILD MODEL</a:t>
+              <a:t>ML.NET PIPELINE </a:t>
+            </a:r>
+            <a:r>
+              <a:rPr lang="pl-PL" dirty="0" smtClean="0"/>
+              <a:t>USE MODEL</a:t>
             </a:r>
             <a:endParaRPr lang="en-US" dirty="0"/>
           </a:p>
@@ -13238,7 +13276,9 @@
           </a:xfrm>
         </p:spPr>
         <p:txBody>
-          <a:bodyPr/>
+          <a:bodyPr>
+            <a:normAutofit fontScale="92500" lnSpcReduction="20000"/>
+          </a:bodyPr>
           <a:lstStyle/>
           <a:p>
             <a:pPr marL="0" indent="0">
@@ -13421,6 +13461,48 @@
             <a:r>
               <a:rPr lang="pl-PL" dirty="0" smtClean="0"/>
               <a:t>.</a:t>
+            </a:r>
+          </a:p>
+          <a:p>
+            <a:pPr marL="514350" indent="-514350">
+              <a:buFont typeface="+mj-lt"/>
+              <a:buAutoNum type="arabicPeriod"/>
+            </a:pPr>
+            <a:r>
+              <a:rPr lang="pl-PL" dirty="0" err="1" smtClean="0"/>
+              <a:t>Make</a:t>
+            </a:r>
+            <a:r>
+              <a:rPr lang="pl-PL" dirty="0" smtClean="0"/>
+              <a:t> </a:t>
+            </a:r>
+            <a:r>
+              <a:rPr lang="pl-PL" dirty="0" err="1" smtClean="0"/>
+              <a:t>stress</a:t>
+            </a:r>
+            <a:r>
+              <a:rPr lang="pl-PL" dirty="0" smtClean="0"/>
+              <a:t> test to </a:t>
+            </a:r>
+            <a:r>
+              <a:rPr lang="pl-PL" dirty="0" err="1" smtClean="0"/>
+              <a:t>check</a:t>
+            </a:r>
+            <a:r>
+              <a:rPr lang="pl-PL" dirty="0" smtClean="0"/>
+              <a:t> </a:t>
+            </a:r>
+            <a:r>
+              <a:rPr lang="pl-PL" dirty="0" err="1" smtClean="0"/>
+              <a:t>different</a:t>
+            </a:r>
+            <a:r>
+              <a:rPr lang="pl-PL" dirty="0" smtClean="0"/>
+              <a:t> </a:t>
+            </a:r>
+            <a:r>
+              <a:rPr lang="pl-PL" dirty="0" err="1" smtClean="0"/>
+              <a:t>scenarios</a:t>
             </a:r>
             <a:endParaRPr lang="en-US" dirty="0"/>
           </a:p>
@@ -14292,8 +14374,101 @@
               <a:buNone/>
             </a:pPr>
             <a:r>
+              <a:rPr lang="pl-PL" sz="1200" b="1" dirty="0" err="1">
+                <a:solidFill>
+                  <a:srgbClr val="FF0000"/>
+                </a:solidFill>
+              </a:rPr>
+              <a:t>IDataView</a:t>
+            </a:r>
+            <a:r>
+              <a:rPr lang="pl-PL" sz="1200" dirty="0">
+                <a:solidFill>
+                  <a:srgbClr val="FF0000"/>
+                </a:solidFill>
+              </a:rPr>
+              <a:t> </a:t>
+            </a:r>
+            <a:r>
               <a:rPr lang="pl-PL" sz="1200" dirty="0" err="1"/>
-              <a:t>IDataView</a:t>
+              <a:t>dataReader</a:t>
+            </a:r>
+            <a:r>
+              <a:rPr lang="pl-PL" sz="1200" dirty="0"/>
+              <a:t> = </a:t>
+            </a:r>
+            <a:r>
+              <a:rPr lang="pl-PL" sz="1200" dirty="0" err="1"/>
+              <a:t>ctx.Data</a:t>
+            </a:r>
+            <a:endParaRPr lang="pl-PL" sz="1200" dirty="0"/>
+          </a:p>
+          <a:p>
+            <a:pPr marL="0" indent="0">
+              <a:buNone/>
+            </a:pPr>
+            <a:r>
+              <a:rPr lang="pl-PL" sz="1200" dirty="0"/>
+              <a:t>    .</a:t>
+            </a:r>
+            <a:r>
+              <a:rPr lang="pl-PL" sz="1200" b="1" dirty="0" err="1"/>
+              <a:t>LoadFromTextFile</a:t>
+            </a:r>
+            <a:r>
+              <a:rPr lang="pl-PL" sz="1200" dirty="0"/>
+              <a:t>&lt;</a:t>
+            </a:r>
+            <a:r>
+              <a:rPr lang="pl-PL" sz="1200" dirty="0" err="1"/>
+              <a:t>MyInput</a:t>
+            </a:r>
+            <a:r>
+              <a:rPr lang="pl-PL" sz="1200" dirty="0"/>
+              <a:t>&gt;(</a:t>
+            </a:r>
+            <a:r>
+              <a:rPr lang="pl-PL" sz="1200" dirty="0" err="1"/>
+              <a:t>dataPath</a:t>
+            </a:r>
+            <a:r>
+              <a:rPr lang="pl-PL" sz="1200" dirty="0"/>
+              <a:t>, </a:t>
+            </a:r>
+            <a:r>
+              <a:rPr lang="pl-PL" sz="1200" dirty="0" err="1"/>
+              <a:t>hasHeader</a:t>
+            </a:r>
+            <a:r>
+              <a:rPr lang="pl-PL" sz="1200" dirty="0"/>
+              <a:t>: </a:t>
+            </a:r>
+            <a:r>
+              <a:rPr lang="pl-PL" sz="1200" dirty="0" err="1"/>
+              <a:t>true</a:t>
+            </a:r>
+            <a:r>
+              <a:rPr lang="pl-PL" sz="1200" dirty="0"/>
+              <a:t>);</a:t>
+            </a:r>
+          </a:p>
+          <a:p>
+            <a:pPr marL="0" indent="0">
+              <a:buNone/>
+            </a:pPr>
+            <a:endParaRPr lang="pl-PL" sz="1200" dirty="0"/>
+          </a:p>
+          <a:p>
+            <a:pPr marL="0" indent="0">
+              <a:buNone/>
+            </a:pPr>
+            <a:r>
+              <a:rPr lang="pl-PL" sz="1200" dirty="0"/>
+              <a:t>//Step 3. </a:t>
+            </a:r>
+            <a:r>
+              <a:rPr lang="pl-PL" sz="1200" dirty="0" err="1"/>
+              <a:t>Build</a:t>
             </a:r>
             <a:r>
               <a:rPr lang="pl-PL" sz="1200" dirty="0"/>
@@ -14301,7 +14476,45 @@
             </a:r>
             <a:r>
               <a:rPr lang="pl-PL" sz="1200" dirty="0" err="1"/>
-              <a:t>dataReader</a:t>
+              <a:t>your</a:t>
+            </a:r>
+            <a:r>
+              <a:rPr lang="pl-PL" sz="1200" dirty="0"/>
+              <a:t> </a:t>
+            </a:r>
+            <a:r>
+              <a:rPr lang="pl-PL" sz="1200" dirty="0" err="1"/>
+              <a:t>estimator</a:t>
+            </a:r>
+            <a:endParaRPr lang="pl-PL" sz="1200" dirty="0"/>
+          </a:p>
+          <a:p>
+            <a:pPr marL="0" indent="0">
+              <a:buNone/>
+            </a:pPr>
+            <a:r>
+              <a:rPr lang="pl-PL" sz="1200" b="1" dirty="0" err="1">
+                <a:solidFill>
+                  <a:srgbClr val="FF0000"/>
+                </a:solidFill>
+              </a:rPr>
+              <a:t>IEstimator</a:t>
+            </a:r>
+            <a:r>
+              <a:rPr lang="pl-PL" sz="1200" dirty="0"/>
+              <a:t>&lt;</a:t>
+            </a:r>
+            <a:r>
+              <a:rPr lang="pl-PL" sz="1200" dirty="0" err="1"/>
+              <a:t>ITransformer</a:t>
+            </a:r>
+            <a:r>
+              <a:rPr lang="pl-PL" sz="1200" dirty="0"/>
+              <a:t>&gt; </a:t>
+            </a:r>
+            <a:r>
+              <a:rPr lang="pl-PL" sz="1200" dirty="0" err="1"/>
+              <a:t>est</a:t>
             </a:r>
             <a:r>
               <a:rPr lang="pl-PL" sz="1200" dirty="0"/>
@@ -14309,7 +14522,7 @@
             </a:r>
             <a:r>
               <a:rPr lang="pl-PL" sz="1200" dirty="0" err="1"/>
-              <a:t>ctx.Data</a:t>
+              <a:t>ctx.Transforms.Text</a:t>
             </a:r>
             <a:endParaRPr lang="pl-PL" sz="1200" dirty="0"/>
           </a:p>
@@ -14322,44 +14535,91 @@
               <a:t>    .</a:t>
             </a:r>
             <a:r>
+              <a:rPr lang="pl-PL" sz="1200" dirty="0" err="1"/>
+              <a:t>FeaturizeText</a:t>
+            </a:r>
+            <a:r>
+              <a:rPr lang="pl-PL" sz="1200" dirty="0"/>
+              <a:t>("</a:t>
+            </a:r>
+            <a:r>
+              <a:rPr lang="pl-PL" sz="1200" dirty="0" err="1"/>
+              <a:t>Features</a:t>
+            </a:r>
+            <a:r>
+              <a:rPr lang="pl-PL" sz="1200" dirty="0"/>
+              <a:t>", </a:t>
+            </a:r>
+            <a:r>
+              <a:rPr lang="pl-PL" sz="1200" dirty="0" err="1"/>
+              <a:t>nameof</a:t>
+            </a:r>
+            <a:r>
+              <a:rPr lang="pl-PL" sz="1200" dirty="0"/>
+              <a:t>(</a:t>
+            </a:r>
+            <a:r>
+              <a:rPr lang="pl-PL" sz="1200" dirty="0" err="1"/>
+              <a:t>SentimentIssue.Text</a:t>
+            </a:r>
+            <a:r>
+              <a:rPr lang="pl-PL" sz="1200" dirty="0"/>
+              <a:t>))</a:t>
+            </a:r>
+          </a:p>
+          <a:p>
+            <a:pPr marL="0" indent="0">
+              <a:buNone/>
+            </a:pPr>
+            <a:r>
+              <a:rPr lang="pl-PL" sz="1200" dirty="0"/>
+              <a:t>    .</a:t>
+            </a:r>
+            <a:r>
               <a:rPr lang="pl-PL" sz="1200" b="1" dirty="0" err="1"/>
-              <a:t>LoadFromTextFile</a:t>
+              <a:t>Append</a:t>
             </a:r>
             <a:r>
               <a:rPr lang="pl-PL" sz="1200" dirty="0"/>
-              <a:t>&lt;</a:t>
+              <a:t>(</a:t>
             </a:r>
             <a:r>
               <a:rPr lang="pl-PL" sz="1200" dirty="0" err="1"/>
-              <a:t>MyInput</a:t>
-            </a:r>
+              <a:t>ctx.BinaryClassification.Trainers</a:t>
+            </a:r>
+            <a:endParaRPr lang="pl-PL" sz="1200" dirty="0"/>
+          </a:p>
+          <a:p>
+            <a:pPr marL="0" indent="0">
+              <a:buNone/>
+            </a:pPr>
             <a:r>
               <a:rPr lang="pl-PL" sz="1200" dirty="0"/>
-              <a:t>&gt;(</a:t>
+              <a:t>        .</a:t>
             </a:r>
             <a:r>
               <a:rPr lang="pl-PL" sz="1200" dirty="0" err="1"/>
-              <a:t>dataPath</a:t>
+              <a:t>LbfgsLogisticRegression</a:t>
             </a:r>
             <a:r>
               <a:rPr lang="pl-PL" sz="1200" dirty="0"/>
-              <a:t>, </a:t>
+              <a:t>("</a:t>
             </a:r>
             <a:r>
               <a:rPr lang="pl-PL" sz="1200" dirty="0" err="1"/>
-              <a:t>hasHeader</a:t>
+              <a:t>Label</a:t>
             </a:r>
             <a:r>
               <a:rPr lang="pl-PL" sz="1200" dirty="0"/>
-              <a:t>: </a:t>
+              <a:t>", "</a:t>
             </a:r>
             <a:r>
               <a:rPr lang="pl-PL" sz="1200" dirty="0" err="1"/>
-              <a:t>true</a:t>
+              <a:t>Features</a:t>
             </a:r>
             <a:r>
               <a:rPr lang="pl-PL" sz="1200" dirty="0"/>
-              <a:t>);</a:t>
+              <a:t>"));</a:t>
             </a:r>
           </a:p>
           <a:p>
@@ -14374,15 +14634,7 @@
             </a:pPr>
             <a:r>
               <a:rPr lang="pl-PL" sz="1200" dirty="0"/>
-              <a:t>//Step 3. </a:t>
-            </a:r>
-            <a:r>
-              <a:rPr lang="pl-PL" sz="1200" dirty="0" err="1"/>
-              <a:t>Build</a:t>
-            </a:r>
-            <a:r>
-              <a:rPr lang="pl-PL" sz="1200" dirty="0"/>
-              <a:t> </a:t>
+              <a:t>//Step 4. Train </a:t>
             </a:r>
             <a:r>
               <a:rPr lang="pl-PL" sz="1200" dirty="0" err="1"/>
@@ -14390,177 +14642,27 @@
             </a:r>
             <a:r>
               <a:rPr lang="pl-PL" sz="1200" dirty="0"/>
-              <a:t> </a:t>
-            </a:r>
-            <a:r>
-              <a:rPr lang="pl-PL" sz="1200" dirty="0" err="1"/>
-              <a:t>estimator</a:t>
-            </a:r>
-            <a:endParaRPr lang="pl-PL" sz="1200" dirty="0"/>
-          </a:p>
-          <a:p>
-            <a:pPr marL="0" indent="0">
-              <a:buNone/>
-            </a:pPr>
-            <a:r>
-              <a:rPr lang="pl-PL" sz="1200" dirty="0" err="1"/>
-              <a:t>IEstimator</a:t>
-            </a:r>
-            <a:r>
-              <a:rPr lang="pl-PL" sz="1200" dirty="0"/>
-              <a:t>&lt;</a:t>
-            </a:r>
-            <a:r>
-              <a:rPr lang="pl-PL" sz="1200" dirty="0" err="1"/>
+              <a:t> Model</a:t>
+            </a:r>
+          </a:p>
+          <a:p>
+            <a:pPr marL="0" indent="0">
+              <a:buNone/>
+            </a:pPr>
+            <a:r>
+              <a:rPr lang="pl-PL" sz="1200" b="1" dirty="0" err="1">
+                <a:solidFill>
+                  <a:srgbClr val="FF0000"/>
+                </a:solidFill>
+              </a:rPr>
               <a:t>ITransformer</a:t>
             </a:r>
             <a:r>
-              <a:rPr lang="pl-PL" sz="1200" dirty="0"/>
-              <a:t>&gt; </a:t>
-            </a:r>
-            <a:r>
-              <a:rPr lang="pl-PL" sz="1200" dirty="0" err="1"/>
-              <a:t>est</a:t>
-            </a:r>
-            <a:r>
-              <a:rPr lang="pl-PL" sz="1200" dirty="0"/>
-              <a:t> = </a:t>
-            </a:r>
-            <a:r>
-              <a:rPr lang="pl-PL" sz="1200" dirty="0" err="1"/>
-              <a:t>ctx.Transforms.Text</a:t>
-            </a:r>
-            <a:endParaRPr lang="pl-PL" sz="1200" dirty="0"/>
-          </a:p>
-          <a:p>
-            <a:pPr marL="0" indent="0">
-              <a:buNone/>
-            </a:pPr>
-            <a:r>
-              <a:rPr lang="pl-PL" sz="1200" dirty="0"/>
-              <a:t>    .</a:t>
-            </a:r>
-            <a:r>
-              <a:rPr lang="pl-PL" sz="1200" dirty="0" err="1"/>
-              <a:t>FeaturizeText</a:t>
-            </a:r>
-            <a:r>
-              <a:rPr lang="pl-PL" sz="1200" dirty="0"/>
-              <a:t>("</a:t>
-            </a:r>
-            <a:r>
-              <a:rPr lang="pl-PL" sz="1200" dirty="0" err="1"/>
-              <a:t>Features</a:t>
-            </a:r>
-            <a:r>
-              <a:rPr lang="pl-PL" sz="1200" dirty="0"/>
-              <a:t>", </a:t>
-            </a:r>
-            <a:r>
-              <a:rPr lang="pl-PL" sz="1200" dirty="0" err="1"/>
-              <a:t>nameof</a:t>
-            </a:r>
-            <a:r>
-              <a:rPr lang="pl-PL" sz="1200" dirty="0"/>
-              <a:t>(</a:t>
-            </a:r>
-            <a:r>
-              <a:rPr lang="pl-PL" sz="1200" dirty="0" err="1"/>
-              <a:t>SentimentIssue.Text</a:t>
-            </a:r>
-            <a:r>
-              <a:rPr lang="pl-PL" sz="1200" dirty="0"/>
-              <a:t>))</a:t>
-            </a:r>
-          </a:p>
-          <a:p>
-            <a:pPr marL="0" indent="0">
-              <a:buNone/>
-            </a:pPr>
-            <a:r>
-              <a:rPr lang="pl-PL" sz="1200" dirty="0"/>
-              <a:t>    .</a:t>
-            </a:r>
-            <a:r>
-              <a:rPr lang="pl-PL" sz="1200" b="1" dirty="0" err="1"/>
-              <a:t>Append</a:t>
-            </a:r>
-            <a:r>
-              <a:rPr lang="pl-PL" sz="1200" dirty="0"/>
-              <a:t>(</a:t>
-            </a:r>
-            <a:r>
-              <a:rPr lang="pl-PL" sz="1200" dirty="0" err="1"/>
-              <a:t>ctx.BinaryClassification.Trainers</a:t>
-            </a:r>
-            <a:endParaRPr lang="pl-PL" sz="1200" dirty="0"/>
-          </a:p>
-          <a:p>
-            <a:pPr marL="0" indent="0">
-              <a:buNone/>
-            </a:pPr>
-            <a:r>
-              <a:rPr lang="pl-PL" sz="1200" dirty="0"/>
-              <a:t>        .</a:t>
-            </a:r>
-            <a:r>
-              <a:rPr lang="pl-PL" sz="1200" dirty="0" err="1"/>
-              <a:t>LbfgsLogisticRegression</a:t>
-            </a:r>
-            <a:r>
-              <a:rPr lang="pl-PL" sz="1200" dirty="0"/>
-              <a:t>("</a:t>
-            </a:r>
-            <a:r>
-              <a:rPr lang="pl-PL" sz="1200" dirty="0" err="1"/>
-              <a:t>Label</a:t>
-            </a:r>
-            <a:r>
-              <a:rPr lang="pl-PL" sz="1200" dirty="0"/>
-              <a:t>", "</a:t>
-            </a:r>
-            <a:r>
-              <a:rPr lang="pl-PL" sz="1200" dirty="0" err="1"/>
-              <a:t>Features</a:t>
-            </a:r>
-            <a:r>
-              <a:rPr lang="pl-PL" sz="1200" dirty="0"/>
-              <a:t>"));</a:t>
-            </a:r>
-          </a:p>
-          <a:p>
-            <a:pPr marL="0" indent="0">
-              <a:buNone/>
-            </a:pPr>
-            <a:endParaRPr lang="pl-PL" sz="1200" dirty="0"/>
-          </a:p>
-          <a:p>
-            <a:pPr marL="0" indent="0">
-              <a:buNone/>
-            </a:pPr>
-            <a:r>
-              <a:rPr lang="pl-PL" sz="1200" dirty="0"/>
-              <a:t>//Step 4. Train </a:t>
-            </a:r>
-            <a:r>
-              <a:rPr lang="pl-PL" sz="1200" dirty="0" err="1"/>
-              <a:t>your</a:t>
-            </a:r>
-            <a:r>
-              <a:rPr lang="pl-PL" sz="1200" dirty="0"/>
-              <a:t> Model</a:t>
-            </a:r>
-          </a:p>
-          <a:p>
-            <a:pPr marL="0" indent="0">
-              <a:buNone/>
-            </a:pPr>
-            <a:r>
-              <a:rPr lang="pl-PL" sz="1200" dirty="0" err="1"/>
-              <a:t>ITransformer</a:t>
-            </a:r>
-            <a:r>
-              <a:rPr lang="pl-PL" sz="1200" dirty="0"/>
+              <a:rPr lang="pl-PL" sz="1200" dirty="0">
+                <a:solidFill>
+                  <a:srgbClr val="FF0000"/>
+                </a:solidFill>
+              </a:rPr>
               <a:t> </a:t>
             </a:r>
             <a:r>

--- a/presentation/Machine learning in Azure without Python.pptx
+++ b/presentation/Machine learning in Azure without Python.pptx
@@ -457,7 +457,7 @@
           <a:p>
             <a:fld id="{CB9DCB5C-D9B4-4571-9C87-377E14FB3596}" type="datetimeFigureOut">
               <a:rPr lang="en-US" smtClean="0"/>
-              <a:t>6/1/2019</a:t>
+              <a:t>6/2/2019</a:t>
             </a:fld>
             <a:endParaRPr lang="en-US"/>
           </a:p>
@@ -642,7 +642,7 @@
           <a:p>
             <a:fld id="{CB9DCB5C-D9B4-4571-9C87-377E14FB3596}" type="datetimeFigureOut">
               <a:rPr lang="en-US" smtClean="0"/>
-              <a:t>6/1/2019</a:t>
+              <a:t>6/2/2019</a:t>
             </a:fld>
             <a:endParaRPr lang="en-US"/>
           </a:p>
@@ -827,7 +827,7 @@
           <a:p>
             <a:fld id="{CB9DCB5C-D9B4-4571-9C87-377E14FB3596}" type="datetimeFigureOut">
               <a:rPr lang="en-US" smtClean="0"/>
-              <a:t>6/1/2019</a:t>
+              <a:t>6/2/2019</a:t>
             </a:fld>
             <a:endParaRPr lang="en-US"/>
           </a:p>
@@ -1012,7 +1012,7 @@
           <a:p>
             <a:fld id="{CB9DCB5C-D9B4-4571-9C87-377E14FB3596}" type="datetimeFigureOut">
               <a:rPr lang="en-US" smtClean="0"/>
-              <a:t>6/1/2019</a:t>
+              <a:t>6/2/2019</a:t>
             </a:fld>
             <a:endParaRPr lang="en-US"/>
           </a:p>
@@ -1393,7 +1393,7 @@
           <a:p>
             <a:fld id="{CB9DCB5C-D9B4-4571-9C87-377E14FB3596}" type="datetimeFigureOut">
               <a:rPr lang="en-US" smtClean="0"/>
-              <a:t>6/1/2019</a:t>
+              <a:t>6/2/2019</a:t>
             </a:fld>
             <a:endParaRPr lang="en-US"/>
           </a:p>
@@ -1662,7 +1662,7 @@
           <a:p>
             <a:fld id="{CB9DCB5C-D9B4-4571-9C87-377E14FB3596}" type="datetimeFigureOut">
               <a:rPr lang="en-US" smtClean="0"/>
-              <a:t>6/1/2019</a:t>
+              <a:t>6/2/2019</a:t>
             </a:fld>
             <a:endParaRPr lang="en-US"/>
           </a:p>
@@ -2047,7 +2047,7 @@
           <a:p>
             <a:fld id="{CB9DCB5C-D9B4-4571-9C87-377E14FB3596}" type="datetimeFigureOut">
               <a:rPr lang="en-US" smtClean="0"/>
-              <a:t>6/1/2019</a:t>
+              <a:t>6/2/2019</a:t>
             </a:fld>
             <a:endParaRPr lang="en-US"/>
           </a:p>
@@ -2168,7 +2168,7 @@
           <a:p>
             <a:fld id="{CB9DCB5C-D9B4-4571-9C87-377E14FB3596}" type="datetimeFigureOut">
               <a:rPr lang="en-US" smtClean="0"/>
-              <a:t>6/1/2019</a:t>
+              <a:t>6/2/2019</a:t>
             </a:fld>
             <a:endParaRPr lang="en-US"/>
           </a:p>
@@ -2348,7 +2348,7 @@
           <a:p>
             <a:fld id="{CB9DCB5C-D9B4-4571-9C87-377E14FB3596}" type="datetimeFigureOut">
               <a:rPr lang="en-US" smtClean="0"/>
-              <a:t>6/1/2019</a:t>
+              <a:t>6/2/2019</a:t>
             </a:fld>
             <a:endParaRPr lang="en-US"/>
           </a:p>
@@ -2682,7 +2682,7 @@
           <a:p>
             <a:fld id="{CB9DCB5C-D9B4-4571-9C87-377E14FB3596}" type="datetimeFigureOut">
               <a:rPr lang="en-US" smtClean="0"/>
-              <a:t>6/1/2019</a:t>
+              <a:t>6/2/2019</a:t>
             </a:fld>
             <a:endParaRPr lang="en-US"/>
           </a:p>
@@ -3051,7 +3051,7 @@
           <a:p>
             <a:fld id="{CB9DCB5C-D9B4-4571-9C87-377E14FB3596}" type="datetimeFigureOut">
               <a:rPr lang="en-US" smtClean="0"/>
-              <a:t>6/1/2019</a:t>
+              <a:t>6/2/2019</a:t>
             </a:fld>
             <a:endParaRPr lang="en-US"/>
           </a:p>
@@ -3469,7 +3469,7 @@
           <a:p>
             <a:fld id="{CB9DCB5C-D9B4-4571-9C87-377E14FB3596}" type="datetimeFigureOut">
               <a:rPr lang="en-US" smtClean="0"/>
-              <a:t>6/1/2019</a:t>
+              <a:t>6/2/2019</a:t>
             </a:fld>
             <a:endParaRPr lang="en-US"/>
           </a:p>
@@ -4575,19 +4575,154 @@
             <p:ph idx="1"/>
           </p:nvPr>
         </p:nvSpPr>
-        <p:spPr/>
-        <p:txBody>
-          <a:bodyPr/>
+        <p:spPr>
+          <a:xfrm>
+            <a:off x="502920" y="530352"/>
+            <a:ext cx="8183880" cy="4842864"/>
+          </a:xfrm>
+        </p:spPr>
+        <p:txBody>
+          <a:bodyPr>
+            <a:normAutofit fontScale="77500" lnSpcReduction="20000"/>
+          </a:bodyPr>
           <a:lstStyle/>
           <a:p>
-            <a:r>
-              <a:rPr lang="pl-PL" dirty="0" err="1" smtClean="0"/>
+            <a:pPr marL="0" indent="0">
+              <a:buNone/>
+            </a:pPr>
+            <a:r>
+              <a:rPr lang="pl-PL" sz="4000" b="1" dirty="0" err="1" smtClean="0"/>
               <a:t>Understand</a:t>
             </a:r>
             <a:r>
-              <a:rPr lang="pl-PL" dirty="0" smtClean="0"/>
+              <a:rPr lang="pl-PL" sz="4000" b="1" dirty="0" smtClean="0"/>
               <a:t> Data</a:t>
             </a:r>
+          </a:p>
+          <a:p>
+            <a:endParaRPr lang="pl-PL" dirty="0" smtClean="0"/>
+          </a:p>
+          <a:p>
+            <a:pPr marL="0" indent="0">
+              <a:buNone/>
+            </a:pPr>
+            <a:r>
+              <a:rPr lang="en-US" b="1" dirty="0" err="1"/>
+              <a:t>vendor_id</a:t>
+            </a:r>
+            <a:r>
+              <a:rPr lang="en-US" b="1" dirty="0"/>
+              <a:t>:</a:t>
+            </a:r>
+            <a:r>
+              <a:rPr lang="en-US" dirty="0"/>
+              <a:t> The ID of the taxi vendor is a feature.</a:t>
+            </a:r>
+          </a:p>
+          <a:p>
+            <a:pPr marL="0" indent="0">
+              <a:buNone/>
+            </a:pPr>
+            <a:r>
+              <a:rPr lang="en-US" b="1" dirty="0" err="1"/>
+              <a:t>rate_code</a:t>
+            </a:r>
+            <a:r>
+              <a:rPr lang="en-US" b="1" dirty="0"/>
+              <a:t>:</a:t>
+            </a:r>
+            <a:r>
+              <a:rPr lang="en-US" dirty="0"/>
+              <a:t> The rate type of the taxi trip is a feature.</a:t>
+            </a:r>
+          </a:p>
+          <a:p>
+            <a:pPr marL="0" indent="0">
+              <a:buNone/>
+            </a:pPr>
+            <a:r>
+              <a:rPr lang="en-US" b="1" dirty="0" err="1"/>
+              <a:t>passenger_count</a:t>
+            </a:r>
+            <a:r>
+              <a:rPr lang="en-US" b="1" dirty="0"/>
+              <a:t>:</a:t>
+            </a:r>
+            <a:r>
+              <a:rPr lang="en-US" dirty="0"/>
+              <a:t> The number of passengers on the trip is a feature.</a:t>
+            </a:r>
+          </a:p>
+          <a:p>
+            <a:pPr marL="0" indent="0">
+              <a:buNone/>
+            </a:pPr>
+            <a:r>
+              <a:rPr lang="en-US" b="1" dirty="0" err="1"/>
+              <a:t>trip_time_in_secs</a:t>
+            </a:r>
+            <a:r>
+              <a:rPr lang="en-US" b="1" dirty="0"/>
+              <a:t>:</a:t>
+            </a:r>
+            <a:r>
+              <a:rPr lang="en-US" dirty="0"/>
+              <a:t> The amount of time the trip took. You want to predict the fare of the trip before the trip is completed. At that moment you don't know how long the trip would take. Thus, the trip time is not a feature and you'll exclude this column from the model.</a:t>
+            </a:r>
+          </a:p>
+          <a:p>
+            <a:pPr marL="0" indent="0">
+              <a:buNone/>
+            </a:pPr>
+            <a:r>
+              <a:rPr lang="en-US" b="1" dirty="0" err="1"/>
+              <a:t>trip_distance</a:t>
+            </a:r>
+            <a:r>
+              <a:rPr lang="en-US" b="1" dirty="0"/>
+              <a:t>:</a:t>
+            </a:r>
+            <a:r>
+              <a:rPr lang="en-US" dirty="0"/>
+              <a:t> The distance of the trip is a feature.</a:t>
+            </a:r>
+          </a:p>
+          <a:p>
+            <a:pPr marL="0" indent="0">
+              <a:buNone/>
+            </a:pPr>
+            <a:r>
+              <a:rPr lang="en-US" b="1" dirty="0" err="1"/>
+              <a:t>payment_type</a:t>
+            </a:r>
+            <a:r>
+              <a:rPr lang="en-US" b="1" dirty="0"/>
+              <a:t>:</a:t>
+            </a:r>
+            <a:r>
+              <a:rPr lang="en-US" dirty="0"/>
+              <a:t> The payment method (cash or credit card) is a feature.</a:t>
+            </a:r>
+          </a:p>
+          <a:p>
+            <a:pPr marL="0" indent="0">
+              <a:buNone/>
+            </a:pPr>
+            <a:r>
+              <a:rPr lang="en-US" b="1" dirty="0" err="1"/>
+              <a:t>fare_amount</a:t>
+            </a:r>
+            <a:r>
+              <a:rPr lang="en-US" b="1" dirty="0"/>
+              <a:t>:</a:t>
+            </a:r>
+            <a:r>
+              <a:rPr lang="en-US" dirty="0"/>
+              <a:t> The total taxi fare paid is the label.</a:t>
+            </a:r>
+          </a:p>
+          <a:p>
+            <a:endParaRPr lang="pl-PL" dirty="0" smtClean="0"/>
           </a:p>
         </p:txBody>
       </p:sp>
@@ -4668,6 +4803,9 @@
           </a:bodyPr>
           <a:lstStyle/>
           <a:p>
+            <a:pPr marL="0" indent="0">
+              <a:buNone/>
+            </a:pPr>
             <a:r>
               <a:rPr lang="pl-PL" dirty="0" err="1" smtClean="0"/>
               <a:t>Define</a:t>
@@ -5152,10 +5290,15 @@
             <p:ph idx="1"/>
           </p:nvPr>
         </p:nvSpPr>
-        <p:spPr/>
+        <p:spPr>
+          <a:xfrm>
+            <a:off x="502920" y="530352"/>
+            <a:ext cx="8183880" cy="4914872"/>
+          </a:xfrm>
+        </p:spPr>
         <p:txBody>
           <a:bodyPr>
-            <a:normAutofit fontScale="92500"/>
+            <a:normAutofit lnSpcReduction="10000"/>
           </a:bodyPr>
           <a:lstStyle/>
           <a:p>
@@ -5385,7 +5528,7 @@
         </p:spPr>
         <p:txBody>
           <a:bodyPr>
-            <a:normAutofit fontScale="55000" lnSpcReduction="20000"/>
+            <a:normAutofit fontScale="47500" lnSpcReduction="20000"/>
           </a:bodyPr>
           <a:lstStyle/>
           <a:p>
@@ -5393,18 +5536,18 @@
               <a:buNone/>
             </a:pPr>
             <a:r>
-              <a:rPr lang="pl-PL" sz="5800" dirty="0" err="1" smtClean="0"/>
+              <a:rPr lang="pl-PL" sz="5800" b="1" dirty="0" err="1" smtClean="0"/>
               <a:t>Create</a:t>
             </a:r>
             <a:r>
-              <a:rPr lang="pl-PL" sz="5800" dirty="0" smtClean="0"/>
+              <a:rPr lang="pl-PL" sz="5800" b="1" dirty="0" smtClean="0"/>
               <a:t> </a:t>
             </a:r>
             <a:r>
-              <a:rPr lang="pl-PL" sz="5800" dirty="0" err="1" smtClean="0"/>
+              <a:rPr lang="pl-PL" sz="5800" b="1" dirty="0" err="1" smtClean="0"/>
               <a:t>pipeline</a:t>
             </a:r>
-            <a:endParaRPr lang="pl-PL" sz="5800" dirty="0" smtClean="0"/>
+            <a:endParaRPr lang="pl-PL" sz="5800" b="1" dirty="0" smtClean="0"/>
           </a:p>
           <a:p>
             <a:pPr marL="0" indent="0">
@@ -5417,26 +5560,26 @@
               <a:buNone/>
             </a:pPr>
             <a:r>
-              <a:rPr lang="pl-PL" dirty="0" err="1" smtClean="0"/>
-              <a:t>Transformig</a:t>
-            </a:r>
-            <a:r>
-              <a:rPr lang="pl-PL" dirty="0" smtClean="0"/>
+              <a:rPr lang="pl-PL" sz="4400" b="1" dirty="0" err="1" smtClean="0"/>
+              <a:t>Transforming</a:t>
+            </a:r>
+            <a:r>
+              <a:rPr lang="pl-PL" sz="4400" b="1" dirty="0" smtClean="0"/>
               <a:t> data </a:t>
             </a:r>
             <a:r>
-              <a:rPr lang="pl-PL" dirty="0" err="1" smtClean="0"/>
+              <a:rPr lang="pl-PL" sz="4400" b="1" dirty="0" err="1" smtClean="0"/>
               <a:t>after</a:t>
             </a:r>
             <a:r>
-              <a:rPr lang="pl-PL" dirty="0" smtClean="0"/>
+              <a:rPr lang="pl-PL" sz="4400" b="1" dirty="0" smtClean="0"/>
               <a:t> </a:t>
             </a:r>
             <a:r>
-              <a:rPr lang="pl-PL" dirty="0" err="1" smtClean="0"/>
+              <a:rPr lang="pl-PL" sz="4400" b="1" dirty="0" err="1" smtClean="0"/>
               <a:t>loading</a:t>
             </a:r>
-            <a:endParaRPr lang="pl-PL" dirty="0" smtClean="0"/>
+            <a:endParaRPr lang="pl-PL" sz="4400" b="1" dirty="0" smtClean="0"/>
           </a:p>
           <a:p>
             <a:pPr marL="0" indent="0">
@@ -5738,6 +5881,13 @@
               <a:rPr lang="en-US" sz="2900" dirty="0"/>
               <a:t>")) </a:t>
             </a:r>
+            <a:endParaRPr lang="pl-PL" sz="2900" dirty="0" smtClean="0"/>
+          </a:p>
+          <a:p>
+            <a:pPr marL="0" indent="0">
+              <a:buNone/>
+            </a:pPr>
+            <a:endParaRPr lang="en-US" sz="2900" dirty="0"/>
           </a:p>
           <a:p>
             <a:pPr marL="0" indent="0">
@@ -5870,18 +6020,18 @@
               <a:buNone/>
             </a:pPr>
             <a:r>
-              <a:rPr lang="pl-PL" sz="5800" dirty="0" err="1" smtClean="0"/>
+              <a:rPr lang="pl-PL" b="1" dirty="0" err="1" smtClean="0"/>
               <a:t>Create</a:t>
             </a:r>
             <a:r>
-              <a:rPr lang="pl-PL" sz="5800" dirty="0" smtClean="0"/>
+              <a:rPr lang="pl-PL" b="1" dirty="0" smtClean="0"/>
               <a:t> </a:t>
             </a:r>
             <a:r>
-              <a:rPr lang="pl-PL" sz="5800" dirty="0" err="1" smtClean="0"/>
+              <a:rPr lang="pl-PL" b="1" dirty="0" err="1" smtClean="0"/>
               <a:t>pipeline</a:t>
             </a:r>
-            <a:endParaRPr lang="pl-PL" sz="5800" dirty="0" smtClean="0"/>
+            <a:endParaRPr lang="pl-PL" b="1" dirty="0" smtClean="0"/>
           </a:p>
           <a:p>
             <a:pPr marL="0" indent="0">
@@ -6010,7 +6160,7 @@
         <p:spPr/>
         <p:txBody>
           <a:bodyPr>
-            <a:normAutofit fontScale="92500" lnSpcReduction="20000"/>
+            <a:normAutofit fontScale="85000" lnSpcReduction="10000"/>
           </a:bodyPr>
           <a:lstStyle/>
           <a:p>
@@ -6018,7 +6168,7 @@
               <a:buNone/>
             </a:pPr>
             <a:r>
-              <a:rPr lang="pl-PL" sz="3500" dirty="0" smtClean="0"/>
+              <a:rPr lang="pl-PL" sz="3000" b="1" dirty="0" smtClean="0"/>
               <a:t>Train model</a:t>
             </a:r>
           </a:p>
@@ -6067,8 +6217,18 @@
               <a:t>ModelInput</a:t>
             </a:r>
             <a:r>
-              <a:rPr lang="en-US" dirty="0"/>
-              <a:t>&gt;(</a:t>
+              <a:rPr lang="en-US" dirty="0" smtClean="0"/>
+              <a:t>&gt;</a:t>
+            </a:r>
+            <a:endParaRPr lang="pl-PL" dirty="0" smtClean="0"/>
+          </a:p>
+          <a:p>
+            <a:pPr marL="0" indent="0">
+              <a:buNone/>
+            </a:pPr>
+            <a:r>
+              <a:rPr lang="en-US" dirty="0" smtClean="0"/>
+              <a:t>(</a:t>
             </a:r>
             <a:r>
               <a:rPr lang="en-US" dirty="0" err="1"/>
@@ -7333,7 +7493,7 @@
         <p:spPr/>
         <p:txBody>
           <a:bodyPr>
-            <a:normAutofit fontScale="92500" lnSpcReduction="20000"/>
+            <a:normAutofit fontScale="85000" lnSpcReduction="10000"/>
           </a:bodyPr>
           <a:lstStyle/>
           <a:p>
@@ -7341,19 +7501,19 @@
               <a:buNone/>
             </a:pPr>
             <a:r>
-              <a:rPr lang="pl-PL" sz="3500" dirty="0" err="1" smtClean="0"/>
+              <a:rPr lang="pl-PL" sz="3300" b="1" dirty="0" err="1" smtClean="0"/>
               <a:t>Improve</a:t>
             </a:r>
             <a:r>
-              <a:rPr lang="pl-PL" sz="3500" dirty="0" smtClean="0"/>
+              <a:rPr lang="pl-PL" sz="3300" b="1" dirty="0" smtClean="0"/>
               <a:t> (</a:t>
             </a:r>
             <a:r>
-              <a:rPr lang="pl-PL" sz="3500" dirty="0" err="1" smtClean="0"/>
+              <a:rPr lang="pl-PL" sz="3300" b="1" dirty="0" err="1" smtClean="0"/>
               <a:t>evaluate</a:t>
             </a:r>
             <a:r>
-              <a:rPr lang="pl-PL" sz="3500" dirty="0" smtClean="0"/>
+              <a:rPr lang="pl-PL" sz="3300" b="1" dirty="0" smtClean="0"/>
               <a:t>) Model</a:t>
             </a:r>
           </a:p>
@@ -7396,8 +7556,18 @@
               <a:t>ModelInput</a:t>
             </a:r>
             <a:r>
-              <a:rPr lang="en-US" dirty="0"/>
-              <a:t>&gt;(_</a:t>
+              <a:rPr lang="en-US" dirty="0" smtClean="0"/>
+              <a:t>&gt;</a:t>
+            </a:r>
+            <a:endParaRPr lang="pl-PL" dirty="0" smtClean="0"/>
+          </a:p>
+          <a:p>
+            <a:pPr marL="0" indent="0">
+              <a:buNone/>
+            </a:pPr>
+            <a:r>
+              <a:rPr lang="en-US" dirty="0" smtClean="0"/>
+              <a:t>(_</a:t>
             </a:r>
             <a:r>
               <a:rPr lang="en-US" dirty="0" err="1"/>
@@ -7415,8 +7585,14 @@
               <a:rPr lang="en-US" dirty="0"/>
               <a:t>: true, </a:t>
             </a:r>
-            <a:r>
-              <a:rPr lang="en-US" dirty="0" err="1"/>
+            <a:endParaRPr lang="pl-PL" dirty="0" smtClean="0"/>
+          </a:p>
+          <a:p>
+            <a:pPr marL="0" indent="0">
+              <a:buNone/>
+            </a:pPr>
+            <a:r>
+              <a:rPr lang="en-US" dirty="0" err="1" smtClean="0"/>
               <a:t>separatorChar</a:t>
             </a:r>
             <a:r>
@@ -9420,15 +9596,7 @@
           <a:p>
             <a:r>
               <a:rPr lang="pl-PL" dirty="0" smtClean="0"/>
-              <a:t>ML.NET PIPELINE </a:t>
-            </a:r>
-            <a:r>
-              <a:rPr lang="pl-PL" dirty="0" smtClean="0"/>
-              <a:t>USE </a:t>
-            </a:r>
-            <a:r>
-              <a:rPr lang="pl-PL" dirty="0" smtClean="0"/>
-              <a:t>MODE</a:t>
+              <a:t>ML.NET PIPELINE USE MODE</a:t>
             </a:r>
             <a:endParaRPr lang="en-US" dirty="0"/>
           </a:p>
@@ -9546,19 +9714,7 @@
           <a:p>
             <a:r>
               <a:rPr lang="pl-PL" dirty="0" smtClean="0"/>
-              <a:t>ML.NET PIPELINE </a:t>
-            </a:r>
-            <a:r>
-              <a:rPr lang="pl-PL" dirty="0" smtClean="0"/>
-              <a:t>USE</a:t>
-            </a:r>
-            <a:r>
-              <a:rPr lang="pl-PL" dirty="0" smtClean="0"/>
-              <a:t> </a:t>
-            </a:r>
-            <a:r>
-              <a:rPr lang="pl-PL" dirty="0" smtClean="0"/>
-              <a:t>MODEL</a:t>
+              <a:t>ML.NET PIPELINE USE MODEL</a:t>
             </a:r>
             <a:endParaRPr lang="en-US" dirty="0"/>
           </a:p>
@@ -9809,11 +9965,7 @@
           <a:p>
             <a:r>
               <a:rPr lang="pl-PL" dirty="0" smtClean="0"/>
-              <a:t>ML.NET PIPELINE </a:t>
-            </a:r>
-            <a:r>
-              <a:rPr lang="pl-PL" dirty="0" smtClean="0"/>
-              <a:t>USE MODEL</a:t>
+              <a:t>ML.NET PIPELINE USE MODEL</a:t>
             </a:r>
             <a:endParaRPr lang="en-US" dirty="0"/>
           </a:p>
@@ -10895,8 +11047,191 @@
         </p:nvSpPr>
         <p:spPr/>
         <p:txBody>
-          <a:bodyPr/>
+          <a:bodyPr>
+            <a:normAutofit fontScale="55000" lnSpcReduction="20000"/>
+          </a:bodyPr>
           <a:lstStyle/>
+          <a:p>
+            <a:pPr marL="0" indent="0">
+              <a:buNone/>
+            </a:pPr>
+            <a:r>
+              <a:rPr lang="pl-PL" sz="5100" b="1" dirty="0" err="1" smtClean="0"/>
+              <a:t>Limits</a:t>
+            </a:r>
+            <a:endParaRPr lang="pl-PL" sz="5100" b="1" dirty="0" smtClean="0"/>
+          </a:p>
+          <a:p>
+            <a:pPr marL="0" indent="0">
+              <a:buNone/>
+            </a:pPr>
+            <a:endParaRPr lang="pl-PL" dirty="0" smtClean="0"/>
+          </a:p>
+          <a:p>
+            <a:pPr marL="0" indent="0">
+              <a:buNone/>
+            </a:pPr>
+            <a:r>
+              <a:rPr lang="pl-PL" dirty="0" smtClean="0"/>
+              <a:t>T</a:t>
+            </a:r>
+            <a:r>
+              <a:rPr lang="en-US" dirty="0" smtClean="0"/>
+              <a:t>his </a:t>
+            </a:r>
+            <a:r>
+              <a:rPr lang="en-US" dirty="0"/>
+              <a:t>is the first preview of Model Builder and has the following limitations. We are actively working on improving the experience in the future releases.</a:t>
+            </a:r>
+          </a:p>
+          <a:p>
+            <a:pPr marL="0" indent="0">
+              <a:buNone/>
+            </a:pPr>
+            <a:endParaRPr lang="pl-PL" dirty="0" smtClean="0"/>
+          </a:p>
+          <a:p>
+            <a:pPr marL="0" indent="0">
+              <a:buNone/>
+            </a:pPr>
+            <a:r>
+              <a:rPr lang="en-US" dirty="0" smtClean="0"/>
+              <a:t>We </a:t>
+            </a:r>
+            <a:r>
+              <a:rPr lang="en-US" dirty="0"/>
+              <a:t>currently support </a:t>
+            </a:r>
+            <a:r>
+              <a:rPr lang="en-US" i="1" dirty="0"/>
+              <a:t>.</a:t>
+            </a:r>
+            <a:r>
+              <a:rPr lang="en-US" i="1" dirty="0" err="1"/>
+              <a:t>tsv</a:t>
+            </a:r>
+            <a:r>
+              <a:rPr lang="en-US" dirty="0"/>
+              <a:t>, </a:t>
+            </a:r>
+            <a:r>
+              <a:rPr lang="en-US" i="1" dirty="0"/>
+              <a:t>.csv</a:t>
+            </a:r>
+            <a:r>
+              <a:rPr lang="en-US" dirty="0"/>
+              <a:t> and SQL as the data-types you can use as datasets for the Model Builder. The files should have a header row. For this preview Model Builder does not support *.txt files or ';' separated or ',' separated files</a:t>
+            </a:r>
+          </a:p>
+          <a:p>
+            <a:pPr marL="0" indent="0">
+              <a:buNone/>
+            </a:pPr>
+            <a:r>
+              <a:rPr lang="en-US" dirty="0"/>
+              <a:t>Visual Studio 2017 15.9.12 or greater</a:t>
+            </a:r>
+          </a:p>
+          <a:p>
+            <a:pPr marL="0" indent="0">
+              <a:buNone/>
+            </a:pPr>
+            <a:r>
+              <a:rPr lang="en-US" dirty="0"/>
+              <a:t>Supported Visual Studio SKUs - Enterprise, Professional, and Community </a:t>
+            </a:r>
+          </a:p>
+          <a:p>
+            <a:pPr marL="0" indent="0">
+              <a:buNone/>
+            </a:pPr>
+            <a:r>
+              <a:rPr lang="en-US" dirty="0">
+                <a:solidFill>
+                  <a:srgbClr val="FF0000"/>
+                </a:solidFill>
+              </a:rPr>
+              <a:t>There is a limit of 1GB on the training dataset</a:t>
+            </a:r>
+            <a:r>
+              <a:rPr lang="en-US" dirty="0" smtClean="0">
+                <a:solidFill>
+                  <a:srgbClr val="FF0000"/>
+                </a:solidFill>
+              </a:rPr>
+              <a:t>.</a:t>
+            </a:r>
+            <a:endParaRPr lang="en-US" dirty="0">
+              <a:solidFill>
+                <a:srgbClr val="FF0000"/>
+              </a:solidFill>
+            </a:endParaRPr>
+          </a:p>
+          <a:p>
+            <a:pPr marL="0" indent="0">
+              <a:buNone/>
+            </a:pPr>
+            <a:r>
+              <a:rPr lang="en-US" dirty="0"/>
+              <a:t>SQL Server has a limit of 100K rows for training</a:t>
+            </a:r>
+          </a:p>
+          <a:p>
+            <a:pPr marL="0" indent="0">
+              <a:buNone/>
+            </a:pPr>
+            <a:r>
+              <a:rPr lang="en-US" dirty="0"/>
+              <a:t>Microsoft SQL Server Data Tools for Visual Studio 2017 is not supported</a:t>
+            </a:r>
+            <a:r>
+              <a:rPr lang="en-US" dirty="0" smtClean="0"/>
+              <a:t>.</a:t>
+            </a:r>
+            <a:endParaRPr lang="pl-PL" dirty="0" smtClean="0"/>
+          </a:p>
+          <a:p>
+            <a:pPr marL="0" indent="0">
+              <a:buNone/>
+            </a:pPr>
+            <a:endParaRPr lang="pl-PL" dirty="0"/>
+          </a:p>
+          <a:p>
+            <a:pPr marL="0" indent="0">
+              <a:buNone/>
+            </a:pPr>
+            <a:r>
+              <a:rPr lang="pl-PL" dirty="0" smtClean="0">
+                <a:hlinkClick r:id="rId2"/>
+              </a:rPr>
+              <a:t>h</a:t>
+            </a:r>
+            <a:r>
+              <a:rPr lang="en-US" dirty="0" smtClean="0">
+                <a:hlinkClick r:id="rId2"/>
+              </a:rPr>
+              <a:t>ttps</a:t>
+            </a:r>
+            <a:r>
+              <a:rPr lang="en-US" dirty="0">
+                <a:hlinkClick r:id="rId2"/>
+              </a:rPr>
+              <a:t>://</a:t>
+            </a:r>
+            <a:r>
+              <a:rPr lang="en-US" dirty="0" smtClean="0">
+                <a:hlinkClick r:id="rId2"/>
+              </a:rPr>
+              <a:t>github.com/dotnet/machinelearning-samples/tree/master/modelbuilder</a:t>
+            </a:r>
+            <a:endParaRPr lang="pl-PL" dirty="0" smtClean="0"/>
+          </a:p>
+          <a:p>
+            <a:endParaRPr lang="pl-PL" dirty="0" smtClean="0"/>
+          </a:p>
+          <a:p>
+            <a:endParaRPr lang="en-US" dirty="0"/>
+          </a:p>
           <a:p>
             <a:endParaRPr lang="en-US" dirty="0"/>
           </a:p>
@@ -11339,6 +11674,26 @@
             <a:pPr marL="0" indent="0">
               <a:buNone/>
             </a:pPr>
+            <a:r>
+              <a:rPr lang="pl-PL" dirty="0" err="1" smtClean="0"/>
+              <a:t>Structure</a:t>
+            </a:r>
+            <a:r>
+              <a:rPr lang="pl-PL" dirty="0" smtClean="0"/>
+              <a:t> of </a:t>
+            </a:r>
+            <a:r>
+              <a:rPr lang="pl-PL" dirty="0" err="1" smtClean="0"/>
+              <a:t>generated</a:t>
+            </a:r>
+            <a:r>
+              <a:rPr lang="pl-PL" dirty="0" smtClean="0"/>
+              <a:t> </a:t>
+            </a:r>
+            <a:r>
+              <a:rPr lang="pl-PL" dirty="0" err="1" smtClean="0"/>
+              <a:t>application</a:t>
+            </a:r>
             <a:endParaRPr lang="en-US" dirty="0"/>
           </a:p>
         </p:txBody>
@@ -11571,7 +11926,7 @@
             </a:r>
             <a:r>
               <a:rPr lang="pl-PL" dirty="0" err="1" smtClean="0"/>
-              <a:t>spiece</a:t>
+              <a:t>spieces</a:t>
             </a:r>
             <a:r>
               <a:rPr lang="pl-PL" dirty="0" smtClean="0"/>
@@ -13482,7 +13837,15 @@
             </a:r>
             <a:r>
               <a:rPr lang="pl-PL" dirty="0" smtClean="0"/>
-              <a:t> test to </a:t>
+              <a:t> </a:t>
+            </a:r>
+            <a:r>
+              <a:rPr lang="pl-PL" dirty="0" err="1" smtClean="0"/>
+              <a:t>tests</a:t>
+            </a:r>
+            <a:r>
+              <a:rPr lang="pl-PL" dirty="0" smtClean="0"/>
+              <a:t> to </a:t>
             </a:r>
             <a:r>
               <a:rPr lang="pl-PL" dirty="0" err="1" smtClean="0"/>
